--- a/Client-side_Data_Visualization.pptx
+++ b/Client-side_Data_Visualization.pptx
@@ -28,23 +28,28 @@
     <p:sldId id="273" r:id="rId23"/>
     <p:sldId id="274" r:id="rId24"/>
     <p:sldId id="275" r:id="rId25"/>
+    <p:sldId id="276" r:id="rId26"/>
+    <p:sldId id="277" r:id="rId27"/>
+    <p:sldId id="278" r:id="rId28"/>
+    <p:sldId id="279" r:id="rId29"/>
+    <p:sldId id="280" r:id="rId30"/>
   </p:sldIdLst>
   <p:sldSz cy="5143500" cx="9144000"/>
   <p:notesSz cx="6858000" cy="9144000"/>
   <p:embeddedFontLst>
     <p:embeddedFont>
       <p:font typeface="Roboto"/>
-      <p:regular r:id="rId26"/>
-      <p:bold r:id="rId27"/>
-      <p:italic r:id="rId28"/>
-      <p:boldItalic r:id="rId29"/>
+      <p:regular r:id="rId31"/>
+      <p:bold r:id="rId32"/>
+      <p:italic r:id="rId33"/>
+      <p:boldItalic r:id="rId34"/>
     </p:embeddedFont>
     <p:embeddedFont>
       <p:font typeface="Proxima Nova"/>
-      <p:regular r:id="rId30"/>
-      <p:bold r:id="rId31"/>
-      <p:italic r:id="rId32"/>
-      <p:boldItalic r:id="rId33"/>
+      <p:regular r:id="rId35"/>
+      <p:bold r:id="rId36"/>
+      <p:italic r:id="rId37"/>
+      <p:boldItalic r:id="rId38"/>
     </p:embeddedFont>
   </p:embeddedFontLst>
   <p:defaultTextStyle>
@@ -938,7 +943,7 @@
       </p:grpSpPr>
       <p:sp>
         <p:nvSpPr>
-          <p:cNvPr id="151" name="Google Shape;151;g77f7f837d3_0_17:notes"/>
+          <p:cNvPr id="151" name="Google Shape;151;g85986bb3d0_0_1:notes"/>
           <p:cNvSpPr/>
           <p:nvPr>
             <p:ph idx="2" type="sldImg"/>
@@ -973,7 +978,7 @@
       </p:sp>
       <p:sp>
         <p:nvSpPr>
-          <p:cNvPr id="152" name="Google Shape;152;g77f7f837d3_0_17:notes"/>
+          <p:cNvPr id="152" name="Google Shape;152;g85986bb3d0_0_1:notes"/>
           <p:cNvSpPr txBox="1"/>
           <p:nvPr>
             <p:ph idx="1" type="body"/>
@@ -1023,7 +1028,7 @@
   <p:cSld>
     <p:spTree>
       <p:nvGrpSpPr>
-        <p:cNvPr id="156" name="Shape 156"/>
+        <p:cNvPr id="157" name="Shape 157"/>
         <p:cNvGrpSpPr/>
         <p:nvPr/>
       </p:nvGrpSpPr>
@@ -1037,7 +1042,7 @@
       </p:grpSpPr>
       <p:sp>
         <p:nvSpPr>
-          <p:cNvPr id="157" name="Google Shape;157;g7817307ff7_0_1:notes"/>
+          <p:cNvPr id="158" name="Google Shape;158;g85986bb3d0_0_8:notes"/>
           <p:cNvSpPr/>
           <p:nvPr>
             <p:ph idx="2" type="sldImg"/>
@@ -1072,7 +1077,7 @@
       </p:sp>
       <p:sp>
         <p:nvSpPr>
-          <p:cNvPr id="158" name="Google Shape;158;g7817307ff7_0_1:notes"/>
+          <p:cNvPr id="159" name="Google Shape;159;g85986bb3d0_0_8:notes"/>
           <p:cNvSpPr txBox="1"/>
           <p:nvPr>
             <p:ph idx="1" type="body"/>
@@ -1122,7 +1127,7 @@
   <p:cSld>
     <p:spTree>
       <p:nvGrpSpPr>
-        <p:cNvPr id="172" name="Shape 172"/>
+        <p:cNvPr id="163" name="Shape 163"/>
         <p:cNvGrpSpPr/>
         <p:nvPr/>
       </p:nvGrpSpPr>
@@ -1136,7 +1141,7 @@
       </p:grpSpPr>
       <p:sp>
         <p:nvSpPr>
-          <p:cNvPr id="173" name="Google Shape;173;g77f7f837d3_0_26:notes"/>
+          <p:cNvPr id="164" name="Google Shape;164;g85986bb3d0_0_16:notes"/>
           <p:cNvSpPr/>
           <p:nvPr>
             <p:ph idx="2" type="sldImg"/>
@@ -1171,7 +1176,7 @@
       </p:sp>
       <p:sp>
         <p:nvSpPr>
-          <p:cNvPr id="174" name="Google Shape;174;g77f7f837d3_0_26:notes"/>
+          <p:cNvPr id="165" name="Google Shape;165;g85986bb3d0_0_16:notes"/>
           <p:cNvSpPr txBox="1"/>
           <p:nvPr>
             <p:ph idx="1" type="body"/>
@@ -1221,7 +1226,7 @@
   <p:cSld>
     <p:spTree>
       <p:nvGrpSpPr>
-        <p:cNvPr id="178" name="Shape 178"/>
+        <p:cNvPr id="169" name="Shape 169"/>
         <p:cNvGrpSpPr/>
         <p:nvPr/>
       </p:nvGrpSpPr>
@@ -1235,7 +1240,7 @@
       </p:grpSpPr>
       <p:sp>
         <p:nvSpPr>
-          <p:cNvPr id="179" name="Google Shape;179;g77f7f837d3_0_44:notes"/>
+          <p:cNvPr id="170" name="Google Shape;170;g85986bb3d0_0_22:notes"/>
           <p:cNvSpPr/>
           <p:nvPr>
             <p:ph idx="2" type="sldImg"/>
@@ -1270,7 +1275,7 @@
       </p:sp>
       <p:sp>
         <p:nvSpPr>
-          <p:cNvPr id="180" name="Google Shape;180;g77f7f837d3_0_44:notes"/>
+          <p:cNvPr id="171" name="Google Shape;171;g85986bb3d0_0_22:notes"/>
           <p:cNvSpPr txBox="1"/>
           <p:nvPr>
             <p:ph idx="1" type="body"/>
@@ -1320,7 +1325,7 @@
   <p:cSld>
     <p:spTree>
       <p:nvGrpSpPr>
-        <p:cNvPr id="185" name="Shape 185"/>
+        <p:cNvPr id="175" name="Shape 175"/>
         <p:cNvGrpSpPr/>
         <p:nvPr/>
       </p:nvGrpSpPr>
@@ -1334,7 +1339,7 @@
       </p:grpSpPr>
       <p:sp>
         <p:nvSpPr>
-          <p:cNvPr id="186" name="Google Shape;186;g85673a8a25_0_2:notes"/>
+          <p:cNvPr id="176" name="Google Shape;176;g77f7f837d3_0_17:notes"/>
           <p:cNvSpPr/>
           <p:nvPr>
             <p:ph idx="2" type="sldImg"/>
@@ -1369,7 +1374,7 @@
       </p:sp>
       <p:sp>
         <p:nvSpPr>
-          <p:cNvPr id="187" name="Google Shape;187;g85673a8a25_0_2:notes"/>
+          <p:cNvPr id="177" name="Google Shape;177;g77f7f837d3_0_17:notes"/>
           <p:cNvSpPr txBox="1"/>
           <p:nvPr>
             <p:ph idx="1" type="body"/>
@@ -1419,7 +1424,7 @@
   <p:cSld>
     <p:spTree>
       <p:nvGrpSpPr>
-        <p:cNvPr id="192" name="Shape 192"/>
+        <p:cNvPr id="186" name="Shape 186"/>
         <p:cNvGrpSpPr/>
         <p:nvPr/>
       </p:nvGrpSpPr>
@@ -1433,7 +1438,7 @@
       </p:grpSpPr>
       <p:sp>
         <p:nvSpPr>
-          <p:cNvPr id="193" name="Google Shape;193;g85673a8a25_0_11:notes"/>
+          <p:cNvPr id="187" name="Google Shape;187;g85986bb3d0_0_36:notes"/>
           <p:cNvSpPr/>
           <p:nvPr>
             <p:ph idx="2" type="sldImg"/>
@@ -1468,7 +1473,7 @@
       </p:sp>
       <p:sp>
         <p:nvSpPr>
-          <p:cNvPr id="194" name="Google Shape;194;g85673a8a25_0_11:notes"/>
+          <p:cNvPr id="188" name="Google Shape;188;g85986bb3d0_0_36:notes"/>
           <p:cNvSpPr txBox="1"/>
           <p:nvPr>
             <p:ph idx="1" type="body"/>
@@ -1518,7 +1523,7 @@
   <p:cSld>
     <p:spTree>
       <p:nvGrpSpPr>
-        <p:cNvPr id="198" name="Shape 198"/>
+        <p:cNvPr id="193" name="Shape 193"/>
         <p:cNvGrpSpPr/>
         <p:nvPr/>
       </p:nvGrpSpPr>
@@ -1532,7 +1537,7 @@
       </p:grpSpPr>
       <p:sp>
         <p:nvSpPr>
-          <p:cNvPr id="199" name="Google Shape;199;g85673a8a25_0_16:notes"/>
+          <p:cNvPr id="194" name="Google Shape;194;g7817307ff7_0_1:notes"/>
           <p:cNvSpPr/>
           <p:nvPr>
             <p:ph idx="2" type="sldImg"/>
@@ -1567,7 +1572,7 @@
       </p:sp>
       <p:sp>
         <p:nvSpPr>
-          <p:cNvPr id="200" name="Google Shape;200;g85673a8a25_0_16:notes"/>
+          <p:cNvPr id="195" name="Google Shape;195;g7817307ff7_0_1:notes"/>
           <p:cNvSpPr txBox="1"/>
           <p:nvPr>
             <p:ph idx="1" type="body"/>
@@ -1617,7 +1622,7 @@
   <p:cSld>
     <p:spTree>
       <p:nvGrpSpPr>
-        <p:cNvPr id="205" name="Shape 205"/>
+        <p:cNvPr id="209" name="Shape 209"/>
         <p:cNvGrpSpPr/>
         <p:nvPr/>
       </p:nvGrpSpPr>
@@ -1631,7 +1636,7 @@
       </p:grpSpPr>
       <p:sp>
         <p:nvSpPr>
-          <p:cNvPr id="206" name="Google Shape;206;g85673a8a25_0_24:notes"/>
+          <p:cNvPr id="210" name="Google Shape;210;g77f7f837d3_0_26:notes"/>
           <p:cNvSpPr/>
           <p:nvPr>
             <p:ph idx="2" type="sldImg"/>
@@ -1666,7 +1671,7 @@
       </p:sp>
       <p:sp>
         <p:nvSpPr>
-          <p:cNvPr id="207" name="Google Shape;207;g85673a8a25_0_24:notes"/>
+          <p:cNvPr id="211" name="Google Shape;211;g77f7f837d3_0_26:notes"/>
           <p:cNvSpPr txBox="1"/>
           <p:nvPr>
             <p:ph idx="1" type="body"/>
@@ -1716,7 +1721,7 @@
   <p:cSld>
     <p:spTree>
       <p:nvGrpSpPr>
-        <p:cNvPr id="211" name="Shape 211"/>
+        <p:cNvPr id="215" name="Shape 215"/>
         <p:cNvGrpSpPr/>
         <p:nvPr/>
       </p:nvGrpSpPr>
@@ -1730,7 +1735,7 @@
       </p:grpSpPr>
       <p:sp>
         <p:nvSpPr>
-          <p:cNvPr id="212" name="Google Shape;212;g85673a8a25_0_29:notes"/>
+          <p:cNvPr id="216" name="Google Shape;216;g77f7f837d3_0_44:notes"/>
           <p:cNvSpPr/>
           <p:nvPr>
             <p:ph idx="2" type="sldImg"/>
@@ -1765,7 +1770,7 @@
       </p:sp>
       <p:sp>
         <p:nvSpPr>
-          <p:cNvPr id="213" name="Google Shape;213;g85673a8a25_0_29:notes"/>
+          <p:cNvPr id="217" name="Google Shape;217;g77f7f837d3_0_44:notes"/>
           <p:cNvSpPr txBox="1"/>
           <p:nvPr>
             <p:ph idx="1" type="body"/>
@@ -1914,7 +1919,7 @@
   <p:cSld>
     <p:spTree>
       <p:nvGrpSpPr>
-        <p:cNvPr id="223" name="Shape 223"/>
+        <p:cNvPr id="222" name="Shape 222"/>
         <p:cNvGrpSpPr/>
         <p:nvPr/>
       </p:nvGrpSpPr>
@@ -1928,7 +1933,7 @@
       </p:grpSpPr>
       <p:sp>
         <p:nvSpPr>
-          <p:cNvPr id="224" name="Google Shape;224;g77f7f837d3_0_37:notes"/>
+          <p:cNvPr id="223" name="Google Shape;223;g85673a8a25_0_2:notes"/>
           <p:cNvSpPr/>
           <p:nvPr>
             <p:ph idx="2" type="sldImg"/>
@@ -1963,7 +1968,502 @@
       </p:sp>
       <p:sp>
         <p:nvSpPr>
-          <p:cNvPr id="225" name="Google Shape;225;g77f7f837d3_0_37:notes"/>
+          <p:cNvPr id="224" name="Google Shape;224;g85673a8a25_0_2:notes"/>
+          <p:cNvSpPr txBox="1"/>
+          <p:nvPr>
+            <p:ph idx="1" type="body"/>
+          </p:nvPr>
+        </p:nvSpPr>
+        <p:spPr>
+          <a:xfrm>
+            <a:off x="685800" y="4343400"/>
+            <a:ext cx="5486400" cy="4114800"/>
+          </a:xfrm>
+          <a:prstGeom prst="rect">
+            <a:avLst/>
+          </a:prstGeom>
+        </p:spPr>
+        <p:txBody>
+          <a:bodyPr anchorCtr="0" anchor="t" bIns="91425" lIns="91425" spcFirstLastPara="1" rIns="91425" wrap="square" tIns="91425">
+            <a:noAutofit/>
+          </a:bodyPr>
+          <a:lstStyle/>
+          <a:p>
+            <a:pPr indent="0" lvl="0" marL="0" rtl="0" algn="l">
+              <a:spcBef>
+                <a:spcPts val="0"/>
+              </a:spcBef>
+              <a:spcAft>
+                <a:spcPts val="0"/>
+              </a:spcAft>
+              <a:buNone/>
+            </a:pPr>
+            <a:r>
+              <a:t/>
+            </a:r>
+            <a:endParaRPr/>
+          </a:p>
+        </p:txBody>
+      </p:sp>
+    </p:spTree>
+  </p:cSld>
+  <p:clrMapOvr>
+    <a:masterClrMapping/>
+  </p:clrMapOvr>
+</p:notes>
+</file>
+
+<file path=ppt/notesSlides/notesSlide21.xml><?xml version="1.0" encoding="utf-8"?>
+<p:notes xmlns:a="http://schemas.openxmlformats.org/drawingml/2006/main" xmlns:r="http://schemas.openxmlformats.org/officeDocument/2006/relationships" xmlns:mc="http://schemas.openxmlformats.org/markup-compatibility/2006" xmlns:mv="urn:schemas-microsoft-com:mac:vml" xmlns:p="http://schemas.openxmlformats.org/presentationml/2006/main" xmlns:c="http://schemas.openxmlformats.org/drawingml/2006/chart" xmlns:dgm="http://schemas.openxmlformats.org/drawingml/2006/diagram" xmlns:o="urn:schemas-microsoft-com:office:office" xmlns:v="urn:schemas-microsoft-com:vml" xmlns:pvml="urn:schemas-microsoft-com:office:powerpoint" xmlns:com="http://schemas.openxmlformats.org/drawingml/2006/compatibility" xmlns:p14="http://schemas.microsoft.com/office/powerpoint/2010/main" xmlns:p15="http://schemas.microsoft.com/office/powerpoint/2012/main" showMasterPhAnim="0" showMasterSp="0">
+  <p:cSld>
+    <p:spTree>
+      <p:nvGrpSpPr>
+        <p:cNvPr id="229" name="Shape 229"/>
+        <p:cNvGrpSpPr/>
+        <p:nvPr/>
+      </p:nvGrpSpPr>
+      <p:grpSpPr>
+        <a:xfrm>
+          <a:off x="0" y="0"/>
+          <a:ext cx="0" cy="0"/>
+          <a:chOff x="0" y="0"/>
+          <a:chExt cx="0" cy="0"/>
+        </a:xfrm>
+      </p:grpSpPr>
+      <p:sp>
+        <p:nvSpPr>
+          <p:cNvPr id="230" name="Google Shape;230;g85673a8a25_0_11:notes"/>
+          <p:cNvSpPr/>
+          <p:nvPr>
+            <p:ph idx="2" type="sldImg"/>
+          </p:nvPr>
+        </p:nvSpPr>
+        <p:spPr>
+          <a:xfrm>
+            <a:off x="381300" y="685800"/>
+            <a:ext cx="6096000" cy="3429000"/>
+          </a:xfrm>
+          <a:custGeom>
+            <a:rect b="b" l="l" r="r" t="t"/>
+            <a:pathLst>
+              <a:path extrusionOk="0" h="120000" w="120000">
+                <a:moveTo>
+                  <a:pt x="0" y="0"/>
+                </a:moveTo>
+                <a:lnTo>
+                  <a:pt x="120000" y="0"/>
+                </a:lnTo>
+                <a:lnTo>
+                  <a:pt x="120000" y="120000"/>
+                </a:lnTo>
+                <a:lnTo>
+                  <a:pt x="0" y="120000"/>
+                </a:lnTo>
+                <a:close/>
+              </a:path>
+            </a:pathLst>
+          </a:custGeom>
+        </p:spPr>
+      </p:sp>
+      <p:sp>
+        <p:nvSpPr>
+          <p:cNvPr id="231" name="Google Shape;231;g85673a8a25_0_11:notes"/>
+          <p:cNvSpPr txBox="1"/>
+          <p:nvPr>
+            <p:ph idx="1" type="body"/>
+          </p:nvPr>
+        </p:nvSpPr>
+        <p:spPr>
+          <a:xfrm>
+            <a:off x="685800" y="4343400"/>
+            <a:ext cx="5486400" cy="4114800"/>
+          </a:xfrm>
+          <a:prstGeom prst="rect">
+            <a:avLst/>
+          </a:prstGeom>
+        </p:spPr>
+        <p:txBody>
+          <a:bodyPr anchorCtr="0" anchor="t" bIns="91425" lIns="91425" spcFirstLastPara="1" rIns="91425" wrap="square" tIns="91425">
+            <a:noAutofit/>
+          </a:bodyPr>
+          <a:lstStyle/>
+          <a:p>
+            <a:pPr indent="0" lvl="0" marL="0" rtl="0" algn="l">
+              <a:spcBef>
+                <a:spcPts val="0"/>
+              </a:spcBef>
+              <a:spcAft>
+                <a:spcPts val="0"/>
+              </a:spcAft>
+              <a:buNone/>
+            </a:pPr>
+            <a:r>
+              <a:t/>
+            </a:r>
+            <a:endParaRPr/>
+          </a:p>
+        </p:txBody>
+      </p:sp>
+    </p:spTree>
+  </p:cSld>
+  <p:clrMapOvr>
+    <a:masterClrMapping/>
+  </p:clrMapOvr>
+</p:notes>
+</file>
+
+<file path=ppt/notesSlides/notesSlide22.xml><?xml version="1.0" encoding="utf-8"?>
+<p:notes xmlns:a="http://schemas.openxmlformats.org/drawingml/2006/main" xmlns:r="http://schemas.openxmlformats.org/officeDocument/2006/relationships" xmlns:mc="http://schemas.openxmlformats.org/markup-compatibility/2006" xmlns:mv="urn:schemas-microsoft-com:mac:vml" xmlns:p="http://schemas.openxmlformats.org/presentationml/2006/main" xmlns:c="http://schemas.openxmlformats.org/drawingml/2006/chart" xmlns:dgm="http://schemas.openxmlformats.org/drawingml/2006/diagram" xmlns:o="urn:schemas-microsoft-com:office:office" xmlns:v="urn:schemas-microsoft-com:vml" xmlns:pvml="urn:schemas-microsoft-com:office:powerpoint" xmlns:com="http://schemas.openxmlformats.org/drawingml/2006/compatibility" xmlns:p14="http://schemas.microsoft.com/office/powerpoint/2010/main" xmlns:p15="http://schemas.microsoft.com/office/powerpoint/2012/main" showMasterPhAnim="0" showMasterSp="0">
+  <p:cSld>
+    <p:spTree>
+      <p:nvGrpSpPr>
+        <p:cNvPr id="235" name="Shape 235"/>
+        <p:cNvGrpSpPr/>
+        <p:nvPr/>
+      </p:nvGrpSpPr>
+      <p:grpSpPr>
+        <a:xfrm>
+          <a:off x="0" y="0"/>
+          <a:ext cx="0" cy="0"/>
+          <a:chOff x="0" y="0"/>
+          <a:chExt cx="0" cy="0"/>
+        </a:xfrm>
+      </p:grpSpPr>
+      <p:sp>
+        <p:nvSpPr>
+          <p:cNvPr id="236" name="Google Shape;236;g85673a8a25_0_16:notes"/>
+          <p:cNvSpPr/>
+          <p:nvPr>
+            <p:ph idx="2" type="sldImg"/>
+          </p:nvPr>
+        </p:nvSpPr>
+        <p:spPr>
+          <a:xfrm>
+            <a:off x="381300" y="685800"/>
+            <a:ext cx="6096000" cy="3429000"/>
+          </a:xfrm>
+          <a:custGeom>
+            <a:rect b="b" l="l" r="r" t="t"/>
+            <a:pathLst>
+              <a:path extrusionOk="0" h="120000" w="120000">
+                <a:moveTo>
+                  <a:pt x="0" y="0"/>
+                </a:moveTo>
+                <a:lnTo>
+                  <a:pt x="120000" y="0"/>
+                </a:lnTo>
+                <a:lnTo>
+                  <a:pt x="120000" y="120000"/>
+                </a:lnTo>
+                <a:lnTo>
+                  <a:pt x="0" y="120000"/>
+                </a:lnTo>
+                <a:close/>
+              </a:path>
+            </a:pathLst>
+          </a:custGeom>
+        </p:spPr>
+      </p:sp>
+      <p:sp>
+        <p:nvSpPr>
+          <p:cNvPr id="237" name="Google Shape;237;g85673a8a25_0_16:notes"/>
+          <p:cNvSpPr txBox="1"/>
+          <p:nvPr>
+            <p:ph idx="1" type="body"/>
+          </p:nvPr>
+        </p:nvSpPr>
+        <p:spPr>
+          <a:xfrm>
+            <a:off x="685800" y="4343400"/>
+            <a:ext cx="5486400" cy="4114800"/>
+          </a:xfrm>
+          <a:prstGeom prst="rect">
+            <a:avLst/>
+          </a:prstGeom>
+        </p:spPr>
+        <p:txBody>
+          <a:bodyPr anchorCtr="0" anchor="t" bIns="91425" lIns="91425" spcFirstLastPara="1" rIns="91425" wrap="square" tIns="91425">
+            <a:noAutofit/>
+          </a:bodyPr>
+          <a:lstStyle/>
+          <a:p>
+            <a:pPr indent="0" lvl="0" marL="0" rtl="0" algn="l">
+              <a:spcBef>
+                <a:spcPts val="0"/>
+              </a:spcBef>
+              <a:spcAft>
+                <a:spcPts val="0"/>
+              </a:spcAft>
+              <a:buNone/>
+            </a:pPr>
+            <a:r>
+              <a:t/>
+            </a:r>
+            <a:endParaRPr/>
+          </a:p>
+        </p:txBody>
+      </p:sp>
+    </p:spTree>
+  </p:cSld>
+  <p:clrMapOvr>
+    <a:masterClrMapping/>
+  </p:clrMapOvr>
+</p:notes>
+</file>
+
+<file path=ppt/notesSlides/notesSlide23.xml><?xml version="1.0" encoding="utf-8"?>
+<p:notes xmlns:a="http://schemas.openxmlformats.org/drawingml/2006/main" xmlns:r="http://schemas.openxmlformats.org/officeDocument/2006/relationships" xmlns:mc="http://schemas.openxmlformats.org/markup-compatibility/2006" xmlns:mv="urn:schemas-microsoft-com:mac:vml" xmlns:p="http://schemas.openxmlformats.org/presentationml/2006/main" xmlns:c="http://schemas.openxmlformats.org/drawingml/2006/chart" xmlns:dgm="http://schemas.openxmlformats.org/drawingml/2006/diagram" xmlns:o="urn:schemas-microsoft-com:office:office" xmlns:v="urn:schemas-microsoft-com:vml" xmlns:pvml="urn:schemas-microsoft-com:office:powerpoint" xmlns:com="http://schemas.openxmlformats.org/drawingml/2006/compatibility" xmlns:p14="http://schemas.microsoft.com/office/powerpoint/2010/main" xmlns:p15="http://schemas.microsoft.com/office/powerpoint/2012/main" showMasterPhAnim="0" showMasterSp="0">
+  <p:cSld>
+    <p:spTree>
+      <p:nvGrpSpPr>
+        <p:cNvPr id="242" name="Shape 242"/>
+        <p:cNvGrpSpPr/>
+        <p:nvPr/>
+      </p:nvGrpSpPr>
+      <p:grpSpPr>
+        <a:xfrm>
+          <a:off x="0" y="0"/>
+          <a:ext cx="0" cy="0"/>
+          <a:chOff x="0" y="0"/>
+          <a:chExt cx="0" cy="0"/>
+        </a:xfrm>
+      </p:grpSpPr>
+      <p:sp>
+        <p:nvSpPr>
+          <p:cNvPr id="243" name="Google Shape;243;g85673a8a25_0_24:notes"/>
+          <p:cNvSpPr/>
+          <p:nvPr>
+            <p:ph idx="2" type="sldImg"/>
+          </p:nvPr>
+        </p:nvSpPr>
+        <p:spPr>
+          <a:xfrm>
+            <a:off x="381300" y="685800"/>
+            <a:ext cx="6096000" cy="3429000"/>
+          </a:xfrm>
+          <a:custGeom>
+            <a:rect b="b" l="l" r="r" t="t"/>
+            <a:pathLst>
+              <a:path extrusionOk="0" h="120000" w="120000">
+                <a:moveTo>
+                  <a:pt x="0" y="0"/>
+                </a:moveTo>
+                <a:lnTo>
+                  <a:pt x="120000" y="0"/>
+                </a:lnTo>
+                <a:lnTo>
+                  <a:pt x="120000" y="120000"/>
+                </a:lnTo>
+                <a:lnTo>
+                  <a:pt x="0" y="120000"/>
+                </a:lnTo>
+                <a:close/>
+              </a:path>
+            </a:pathLst>
+          </a:custGeom>
+        </p:spPr>
+      </p:sp>
+      <p:sp>
+        <p:nvSpPr>
+          <p:cNvPr id="244" name="Google Shape;244;g85673a8a25_0_24:notes"/>
+          <p:cNvSpPr txBox="1"/>
+          <p:nvPr>
+            <p:ph idx="1" type="body"/>
+          </p:nvPr>
+        </p:nvSpPr>
+        <p:spPr>
+          <a:xfrm>
+            <a:off x="685800" y="4343400"/>
+            <a:ext cx="5486400" cy="4114800"/>
+          </a:xfrm>
+          <a:prstGeom prst="rect">
+            <a:avLst/>
+          </a:prstGeom>
+        </p:spPr>
+        <p:txBody>
+          <a:bodyPr anchorCtr="0" anchor="t" bIns="91425" lIns="91425" spcFirstLastPara="1" rIns="91425" wrap="square" tIns="91425">
+            <a:noAutofit/>
+          </a:bodyPr>
+          <a:lstStyle/>
+          <a:p>
+            <a:pPr indent="0" lvl="0" marL="0" rtl="0" algn="l">
+              <a:spcBef>
+                <a:spcPts val="0"/>
+              </a:spcBef>
+              <a:spcAft>
+                <a:spcPts val="0"/>
+              </a:spcAft>
+              <a:buNone/>
+            </a:pPr>
+            <a:r>
+              <a:t/>
+            </a:r>
+            <a:endParaRPr/>
+          </a:p>
+        </p:txBody>
+      </p:sp>
+    </p:spTree>
+  </p:cSld>
+  <p:clrMapOvr>
+    <a:masterClrMapping/>
+  </p:clrMapOvr>
+</p:notes>
+</file>
+
+<file path=ppt/notesSlides/notesSlide24.xml><?xml version="1.0" encoding="utf-8"?>
+<p:notes xmlns:a="http://schemas.openxmlformats.org/drawingml/2006/main" xmlns:r="http://schemas.openxmlformats.org/officeDocument/2006/relationships" xmlns:mc="http://schemas.openxmlformats.org/markup-compatibility/2006" xmlns:mv="urn:schemas-microsoft-com:mac:vml" xmlns:p="http://schemas.openxmlformats.org/presentationml/2006/main" xmlns:c="http://schemas.openxmlformats.org/drawingml/2006/chart" xmlns:dgm="http://schemas.openxmlformats.org/drawingml/2006/diagram" xmlns:o="urn:schemas-microsoft-com:office:office" xmlns:v="urn:schemas-microsoft-com:vml" xmlns:pvml="urn:schemas-microsoft-com:office:powerpoint" xmlns:com="http://schemas.openxmlformats.org/drawingml/2006/compatibility" xmlns:p14="http://schemas.microsoft.com/office/powerpoint/2010/main" xmlns:p15="http://schemas.microsoft.com/office/powerpoint/2012/main" showMasterPhAnim="0" showMasterSp="0">
+  <p:cSld>
+    <p:spTree>
+      <p:nvGrpSpPr>
+        <p:cNvPr id="248" name="Shape 248"/>
+        <p:cNvGrpSpPr/>
+        <p:nvPr/>
+      </p:nvGrpSpPr>
+      <p:grpSpPr>
+        <a:xfrm>
+          <a:off x="0" y="0"/>
+          <a:ext cx="0" cy="0"/>
+          <a:chOff x="0" y="0"/>
+          <a:chExt cx="0" cy="0"/>
+        </a:xfrm>
+      </p:grpSpPr>
+      <p:sp>
+        <p:nvSpPr>
+          <p:cNvPr id="249" name="Google Shape;249;g85673a8a25_0_29:notes"/>
+          <p:cNvSpPr/>
+          <p:nvPr>
+            <p:ph idx="2" type="sldImg"/>
+          </p:nvPr>
+        </p:nvSpPr>
+        <p:spPr>
+          <a:xfrm>
+            <a:off x="381300" y="685800"/>
+            <a:ext cx="6096000" cy="3429000"/>
+          </a:xfrm>
+          <a:custGeom>
+            <a:rect b="b" l="l" r="r" t="t"/>
+            <a:pathLst>
+              <a:path extrusionOk="0" h="120000" w="120000">
+                <a:moveTo>
+                  <a:pt x="0" y="0"/>
+                </a:moveTo>
+                <a:lnTo>
+                  <a:pt x="120000" y="0"/>
+                </a:lnTo>
+                <a:lnTo>
+                  <a:pt x="120000" y="120000"/>
+                </a:lnTo>
+                <a:lnTo>
+                  <a:pt x="0" y="120000"/>
+                </a:lnTo>
+                <a:close/>
+              </a:path>
+            </a:pathLst>
+          </a:custGeom>
+        </p:spPr>
+      </p:sp>
+      <p:sp>
+        <p:nvSpPr>
+          <p:cNvPr id="250" name="Google Shape;250;g85673a8a25_0_29:notes"/>
+          <p:cNvSpPr txBox="1"/>
+          <p:nvPr>
+            <p:ph idx="1" type="body"/>
+          </p:nvPr>
+        </p:nvSpPr>
+        <p:spPr>
+          <a:xfrm>
+            <a:off x="685800" y="4343400"/>
+            <a:ext cx="5486400" cy="4114800"/>
+          </a:xfrm>
+          <a:prstGeom prst="rect">
+            <a:avLst/>
+          </a:prstGeom>
+        </p:spPr>
+        <p:txBody>
+          <a:bodyPr anchorCtr="0" anchor="t" bIns="91425" lIns="91425" spcFirstLastPara="1" rIns="91425" wrap="square" tIns="91425">
+            <a:noAutofit/>
+          </a:bodyPr>
+          <a:lstStyle/>
+          <a:p>
+            <a:pPr indent="0" lvl="0" marL="0" rtl="0" algn="l">
+              <a:spcBef>
+                <a:spcPts val="0"/>
+              </a:spcBef>
+              <a:spcAft>
+                <a:spcPts val="0"/>
+              </a:spcAft>
+              <a:buNone/>
+            </a:pPr>
+            <a:r>
+              <a:t/>
+            </a:r>
+            <a:endParaRPr/>
+          </a:p>
+        </p:txBody>
+      </p:sp>
+    </p:spTree>
+  </p:cSld>
+  <p:clrMapOvr>
+    <a:masterClrMapping/>
+  </p:clrMapOvr>
+</p:notes>
+</file>
+
+<file path=ppt/notesSlides/notesSlide25.xml><?xml version="1.0" encoding="utf-8"?>
+<p:notes xmlns:a="http://schemas.openxmlformats.org/drawingml/2006/main" xmlns:r="http://schemas.openxmlformats.org/officeDocument/2006/relationships" xmlns:mc="http://schemas.openxmlformats.org/markup-compatibility/2006" xmlns:mv="urn:schemas-microsoft-com:mac:vml" xmlns:p="http://schemas.openxmlformats.org/presentationml/2006/main" xmlns:c="http://schemas.openxmlformats.org/drawingml/2006/chart" xmlns:dgm="http://schemas.openxmlformats.org/drawingml/2006/diagram" xmlns:o="urn:schemas-microsoft-com:office:office" xmlns:v="urn:schemas-microsoft-com:vml" xmlns:pvml="urn:schemas-microsoft-com:office:powerpoint" xmlns:com="http://schemas.openxmlformats.org/drawingml/2006/compatibility" xmlns:p14="http://schemas.microsoft.com/office/powerpoint/2010/main" xmlns:p15="http://schemas.microsoft.com/office/powerpoint/2012/main" showMasterPhAnim="0" showMasterSp="0">
+  <p:cSld>
+    <p:spTree>
+      <p:nvGrpSpPr>
+        <p:cNvPr id="260" name="Shape 260"/>
+        <p:cNvGrpSpPr/>
+        <p:nvPr/>
+      </p:nvGrpSpPr>
+      <p:grpSpPr>
+        <a:xfrm>
+          <a:off x="0" y="0"/>
+          <a:ext cx="0" cy="0"/>
+          <a:chOff x="0" y="0"/>
+          <a:chExt cx="0" cy="0"/>
+        </a:xfrm>
+      </p:grpSpPr>
+      <p:sp>
+        <p:nvSpPr>
+          <p:cNvPr id="261" name="Google Shape;261;g77f7f837d3_0_37:notes"/>
+          <p:cNvSpPr/>
+          <p:nvPr>
+            <p:ph idx="2" type="sldImg"/>
+          </p:nvPr>
+        </p:nvSpPr>
+        <p:spPr>
+          <a:xfrm>
+            <a:off x="381300" y="685800"/>
+            <a:ext cx="6096000" cy="3429000"/>
+          </a:xfrm>
+          <a:custGeom>
+            <a:rect b="b" l="l" r="r" t="t"/>
+            <a:pathLst>
+              <a:path extrusionOk="0" h="120000" w="120000">
+                <a:moveTo>
+                  <a:pt x="0" y="0"/>
+                </a:moveTo>
+                <a:lnTo>
+                  <a:pt x="120000" y="0"/>
+                </a:lnTo>
+                <a:lnTo>
+                  <a:pt x="120000" y="120000"/>
+                </a:lnTo>
+                <a:lnTo>
+                  <a:pt x="0" y="120000"/>
+                </a:lnTo>
+                <a:close/>
+              </a:path>
+            </a:pathLst>
+          </a:custGeom>
+        </p:spPr>
+      </p:sp>
+      <p:sp>
+        <p:nvSpPr>
+          <p:cNvPr id="262" name="Google Shape;262;g77f7f837d3_0_37:notes"/>
           <p:cNvSpPr txBox="1"/>
           <p:nvPr>
             <p:ph idx="1" type="body"/>
@@ -11007,9 +11507,72 @@
           <a:chExt cx="0" cy="0"/>
         </a:xfrm>
       </p:grpSpPr>
+      <p:sp>
+        <p:nvSpPr>
+          <p:cNvPr id="154" name="Google Shape;154;p23"/>
+          <p:cNvSpPr txBox="1"/>
+          <p:nvPr>
+            <p:ph type="title"/>
+          </p:nvPr>
+        </p:nvSpPr>
+        <p:spPr>
+          <a:xfrm>
+            <a:off x="311700" y="368825"/>
+            <a:ext cx="8520600" cy="572700"/>
+          </a:xfrm>
+          <a:prstGeom prst="rect">
+            <a:avLst/>
+          </a:prstGeom>
+        </p:spPr>
+        <p:txBody>
+          <a:bodyPr anchorCtr="0" anchor="t" bIns="91425" lIns="91425" spcFirstLastPara="1" rIns="91425" wrap="square" tIns="91425">
+            <a:noAutofit/>
+          </a:bodyPr>
+          <a:lstStyle/>
+          <a:p>
+            <a:pPr indent="0" lvl="0" marL="0" rtl="0" algn="ctr">
+              <a:spcBef>
+                <a:spcPts val="0"/>
+              </a:spcBef>
+              <a:spcAft>
+                <a:spcPts val="0"/>
+              </a:spcAft>
+              <a:buNone/>
+            </a:pPr>
+            <a:r>
+              <a:rPr lang="en" sz="1900">
+                <a:solidFill>
+                  <a:srgbClr val="000000"/>
+                </a:solidFill>
+              </a:rPr>
+              <a:t>A few examples 1</a:t>
+            </a:r>
+            <a:endParaRPr sz="1900">
+              <a:solidFill>
+                <a:srgbClr val="000000"/>
+              </a:solidFill>
+            </a:endParaRPr>
+          </a:p>
+          <a:p>
+            <a:pPr indent="0" lvl="0" marL="0" rtl="0" algn="l">
+              <a:spcBef>
+                <a:spcPts val="0"/>
+              </a:spcBef>
+              <a:spcAft>
+                <a:spcPts val="0"/>
+              </a:spcAft>
+              <a:buNone/>
+            </a:pPr>
+            <a:r>
+              <a:t/>
+            </a:r>
+            <a:endParaRPr/>
+          </a:p>
+        </p:txBody>
+      </p:sp>
       <p:pic>
         <p:nvPicPr>
-          <p:cNvPr id="154" name="Google Shape;154;p23"/>
+          <p:cNvPr id="155" name="Google Shape;155;p23"/>
           <p:cNvPicPr preferRelativeResize="0"/>
           <p:nvPr/>
         </p:nvPicPr>
@@ -11023,8 +11586,8 @@
         </p:blipFill>
         <p:spPr>
           <a:xfrm>
-            <a:off x="381000" y="762000"/>
-            <a:ext cx="2989474" cy="2989474"/>
+            <a:off x="152400" y="1170125"/>
+            <a:ext cx="5496525" cy="3397150"/>
           </a:xfrm>
           <a:prstGeom prst="rect">
             <a:avLst/>
@@ -11037,7 +11600,7 @@
       </p:pic>
       <p:pic>
         <p:nvPicPr>
-          <p:cNvPr id="155" name="Google Shape;155;p23"/>
+          <p:cNvPr id="156" name="Google Shape;156;p23"/>
           <p:cNvPicPr preferRelativeResize="0"/>
           <p:nvPr/>
         </p:nvPicPr>
@@ -11051,8 +11614,8 @@
         </p:blipFill>
         <p:spPr>
           <a:xfrm>
-            <a:off x="4986650" y="1849450"/>
-            <a:ext cx="2989476" cy="1444600"/>
+            <a:off x="5801325" y="1779725"/>
+            <a:ext cx="3190275" cy="1971767"/>
           </a:xfrm>
           <a:prstGeom prst="rect">
             <a:avLst/>
@@ -11076,7 +11639,7 @@
   <p:cSld>
     <p:spTree>
       <p:nvGrpSpPr>
-        <p:cNvPr id="159" name="Shape 159"/>
+        <p:cNvPr id="160" name="Shape 160"/>
         <p:cNvGrpSpPr/>
         <p:nvPr/>
       </p:nvGrpSpPr>
@@ -11090,7 +11653,817 @@
       </p:grpSpPr>
       <p:sp>
         <p:nvSpPr>
-          <p:cNvPr id="160" name="Google Shape;160;p24"/>
+          <p:cNvPr id="161" name="Google Shape;161;p24"/>
+          <p:cNvSpPr txBox="1"/>
+          <p:nvPr>
+            <p:ph type="title"/>
+          </p:nvPr>
+        </p:nvSpPr>
+        <p:spPr>
+          <a:xfrm>
+            <a:off x="311700" y="216425"/>
+            <a:ext cx="8520600" cy="572700"/>
+          </a:xfrm>
+          <a:prstGeom prst="rect">
+            <a:avLst/>
+          </a:prstGeom>
+        </p:spPr>
+        <p:txBody>
+          <a:bodyPr anchorCtr="0" anchor="t" bIns="91425" lIns="91425" spcFirstLastPara="1" rIns="91425" wrap="square" tIns="91425">
+            <a:noAutofit/>
+          </a:bodyPr>
+          <a:lstStyle/>
+          <a:p>
+            <a:pPr indent="0" lvl="0" marL="0" rtl="0" algn="ctr">
+              <a:spcBef>
+                <a:spcPts val="0"/>
+              </a:spcBef>
+              <a:spcAft>
+                <a:spcPts val="0"/>
+              </a:spcAft>
+              <a:buNone/>
+            </a:pPr>
+            <a:r>
+              <a:rPr lang="en" sz="1900">
+                <a:solidFill>
+                  <a:srgbClr val="000000"/>
+                </a:solidFill>
+              </a:rPr>
+              <a:t>A few examples 2</a:t>
+            </a:r>
+            <a:endParaRPr sz="1900">
+              <a:solidFill>
+                <a:srgbClr val="000000"/>
+              </a:solidFill>
+            </a:endParaRPr>
+          </a:p>
+          <a:p>
+            <a:pPr indent="0" lvl="0" marL="0" rtl="0" algn="l">
+              <a:spcBef>
+                <a:spcPts val="0"/>
+              </a:spcBef>
+              <a:spcAft>
+                <a:spcPts val="0"/>
+              </a:spcAft>
+              <a:buNone/>
+            </a:pPr>
+            <a:r>
+              <a:t/>
+            </a:r>
+            <a:endParaRPr sz="1400">
+              <a:solidFill>
+                <a:srgbClr val="000000"/>
+              </a:solidFill>
+            </a:endParaRPr>
+          </a:p>
+          <a:p>
+            <a:pPr indent="0" lvl="0" marL="0" rtl="0" algn="l">
+              <a:spcBef>
+                <a:spcPts val="0"/>
+              </a:spcBef>
+              <a:spcAft>
+                <a:spcPts val="0"/>
+              </a:spcAft>
+              <a:buNone/>
+            </a:pPr>
+            <a:r>
+              <a:t/>
+            </a:r>
+            <a:endParaRPr/>
+          </a:p>
+        </p:txBody>
+      </p:sp>
+      <p:pic>
+        <p:nvPicPr>
+          <p:cNvPr id="162" name="Google Shape;162;p24"/>
+          <p:cNvPicPr preferRelativeResize="0"/>
+          <p:nvPr/>
+        </p:nvPicPr>
+        <p:blipFill>
+          <a:blip r:embed="rId3">
+            <a:alphaModFix/>
+          </a:blip>
+          <a:stretch>
+            <a:fillRect/>
+          </a:stretch>
+        </p:blipFill>
+        <p:spPr>
+          <a:xfrm>
+            <a:off x="1524000" y="941525"/>
+            <a:ext cx="6552121" cy="4049575"/>
+          </a:xfrm>
+          <a:prstGeom prst="rect">
+            <a:avLst/>
+          </a:prstGeom>
+          <a:noFill/>
+          <a:ln>
+            <a:noFill/>
+          </a:ln>
+        </p:spPr>
+      </p:pic>
+    </p:spTree>
+  </p:cSld>
+  <p:clrMapOvr>
+    <a:masterClrMapping/>
+  </p:clrMapOvr>
+</p:sld>
+</file>
+
+<file path=ppt/slides/slide13.xml><?xml version="1.0" encoding="utf-8"?>
+<p:sld xmlns:a="http://schemas.openxmlformats.org/drawingml/2006/main" xmlns:r="http://schemas.openxmlformats.org/officeDocument/2006/relationships" xmlns:mc="http://schemas.openxmlformats.org/markup-compatibility/2006" xmlns:mv="urn:schemas-microsoft-com:mac:vml" xmlns:p="http://schemas.openxmlformats.org/presentationml/2006/main" xmlns:c="http://schemas.openxmlformats.org/drawingml/2006/chart" xmlns:dgm="http://schemas.openxmlformats.org/drawingml/2006/diagram" xmlns:o="urn:schemas-microsoft-com:office:office" xmlns:v="urn:schemas-microsoft-com:vml" xmlns:pvml="urn:schemas-microsoft-com:office:powerpoint" xmlns:com="http://schemas.openxmlformats.org/drawingml/2006/compatibility" xmlns:p14="http://schemas.microsoft.com/office/powerpoint/2010/main" xmlns:p15="http://schemas.microsoft.com/office/powerpoint/2012/main">
+  <p:cSld>
+    <p:spTree>
+      <p:nvGrpSpPr>
+        <p:cNvPr id="166" name="Shape 166"/>
+        <p:cNvGrpSpPr/>
+        <p:nvPr/>
+      </p:nvGrpSpPr>
+      <p:grpSpPr>
+        <a:xfrm>
+          <a:off x="0" y="0"/>
+          <a:ext cx="0" cy="0"/>
+          <a:chOff x="0" y="0"/>
+          <a:chExt cx="0" cy="0"/>
+        </a:xfrm>
+      </p:grpSpPr>
+      <p:sp>
+        <p:nvSpPr>
+          <p:cNvPr id="167" name="Google Shape;167;p25"/>
+          <p:cNvSpPr txBox="1"/>
+          <p:nvPr>
+            <p:ph type="title"/>
+          </p:nvPr>
+        </p:nvSpPr>
+        <p:spPr>
+          <a:xfrm>
+            <a:off x="311700" y="292625"/>
+            <a:ext cx="8520600" cy="572700"/>
+          </a:xfrm>
+          <a:prstGeom prst="rect">
+            <a:avLst/>
+          </a:prstGeom>
+        </p:spPr>
+        <p:txBody>
+          <a:bodyPr anchorCtr="0" anchor="t" bIns="91425" lIns="91425" spcFirstLastPara="1" rIns="91425" wrap="square" tIns="91425">
+            <a:noAutofit/>
+          </a:bodyPr>
+          <a:lstStyle/>
+          <a:p>
+            <a:pPr indent="0" lvl="0" marL="0" rtl="0" algn="ctr">
+              <a:spcBef>
+                <a:spcPts val="0"/>
+              </a:spcBef>
+              <a:spcAft>
+                <a:spcPts val="0"/>
+              </a:spcAft>
+              <a:buNone/>
+            </a:pPr>
+            <a:r>
+              <a:rPr lang="en" sz="1900">
+                <a:solidFill>
+                  <a:srgbClr val="000000"/>
+                </a:solidFill>
+              </a:rPr>
+              <a:t>A few examples 3</a:t>
+            </a:r>
+            <a:endParaRPr sz="1900">
+              <a:solidFill>
+                <a:srgbClr val="000000"/>
+              </a:solidFill>
+            </a:endParaRPr>
+          </a:p>
+          <a:p>
+            <a:pPr indent="0" lvl="0" marL="0" rtl="0" algn="l">
+              <a:spcBef>
+                <a:spcPts val="0"/>
+              </a:spcBef>
+              <a:spcAft>
+                <a:spcPts val="0"/>
+              </a:spcAft>
+              <a:buNone/>
+            </a:pPr>
+            <a:r>
+              <a:t/>
+            </a:r>
+            <a:endParaRPr sz="1400">
+              <a:solidFill>
+                <a:srgbClr val="000000"/>
+              </a:solidFill>
+            </a:endParaRPr>
+          </a:p>
+          <a:p>
+            <a:pPr indent="0" lvl="0" marL="0" rtl="0" algn="l">
+              <a:spcBef>
+                <a:spcPts val="0"/>
+              </a:spcBef>
+              <a:spcAft>
+                <a:spcPts val="0"/>
+              </a:spcAft>
+              <a:buNone/>
+            </a:pPr>
+            <a:r>
+              <a:t/>
+            </a:r>
+            <a:endParaRPr/>
+          </a:p>
+        </p:txBody>
+      </p:sp>
+      <p:pic>
+        <p:nvPicPr>
+          <p:cNvPr id="168" name="Google Shape;168;p25"/>
+          <p:cNvPicPr preferRelativeResize="0"/>
+          <p:nvPr/>
+        </p:nvPicPr>
+        <p:blipFill>
+          <a:blip r:embed="rId3">
+            <a:alphaModFix/>
+          </a:blip>
+          <a:stretch>
+            <a:fillRect/>
+          </a:stretch>
+        </p:blipFill>
+        <p:spPr>
+          <a:xfrm>
+            <a:off x="1143000" y="757238"/>
+            <a:ext cx="6858000" cy="4238625"/>
+          </a:xfrm>
+          <a:prstGeom prst="rect">
+            <a:avLst/>
+          </a:prstGeom>
+          <a:noFill/>
+          <a:ln>
+            <a:noFill/>
+          </a:ln>
+        </p:spPr>
+      </p:pic>
+    </p:spTree>
+  </p:cSld>
+  <p:clrMapOvr>
+    <a:masterClrMapping/>
+  </p:clrMapOvr>
+</p:sld>
+</file>
+
+<file path=ppt/slides/slide14.xml><?xml version="1.0" encoding="utf-8"?>
+<p:sld xmlns:a="http://schemas.openxmlformats.org/drawingml/2006/main" xmlns:r="http://schemas.openxmlformats.org/officeDocument/2006/relationships" xmlns:mc="http://schemas.openxmlformats.org/markup-compatibility/2006" xmlns:mv="urn:schemas-microsoft-com:mac:vml" xmlns:p="http://schemas.openxmlformats.org/presentationml/2006/main" xmlns:c="http://schemas.openxmlformats.org/drawingml/2006/chart" xmlns:dgm="http://schemas.openxmlformats.org/drawingml/2006/diagram" xmlns:o="urn:schemas-microsoft-com:office:office" xmlns:v="urn:schemas-microsoft-com:vml" xmlns:pvml="urn:schemas-microsoft-com:office:powerpoint" xmlns:com="http://schemas.openxmlformats.org/drawingml/2006/compatibility" xmlns:p14="http://schemas.microsoft.com/office/powerpoint/2010/main" xmlns:p15="http://schemas.microsoft.com/office/powerpoint/2012/main">
+  <p:cSld>
+    <p:spTree>
+      <p:nvGrpSpPr>
+        <p:cNvPr id="172" name="Shape 172"/>
+        <p:cNvGrpSpPr/>
+        <p:nvPr/>
+      </p:nvGrpSpPr>
+      <p:grpSpPr>
+        <a:xfrm>
+          <a:off x="0" y="0"/>
+          <a:ext cx="0" cy="0"/>
+          <a:chOff x="0" y="0"/>
+          <a:chExt cx="0" cy="0"/>
+        </a:xfrm>
+      </p:grpSpPr>
+      <p:sp>
+        <p:nvSpPr>
+          <p:cNvPr id="173" name="Google Shape;173;p26"/>
+          <p:cNvSpPr txBox="1"/>
+          <p:nvPr>
+            <p:ph type="title"/>
+          </p:nvPr>
+        </p:nvSpPr>
+        <p:spPr>
+          <a:xfrm>
+            <a:off x="311700" y="292625"/>
+            <a:ext cx="8520600" cy="572700"/>
+          </a:xfrm>
+          <a:prstGeom prst="rect">
+            <a:avLst/>
+          </a:prstGeom>
+        </p:spPr>
+        <p:txBody>
+          <a:bodyPr anchorCtr="0" anchor="t" bIns="91425" lIns="91425" spcFirstLastPara="1" rIns="91425" wrap="square" tIns="91425">
+            <a:noAutofit/>
+          </a:bodyPr>
+          <a:lstStyle/>
+          <a:p>
+            <a:pPr indent="0" lvl="0" marL="0" rtl="0" algn="ctr">
+              <a:spcBef>
+                <a:spcPts val="0"/>
+              </a:spcBef>
+              <a:spcAft>
+                <a:spcPts val="0"/>
+              </a:spcAft>
+              <a:buNone/>
+            </a:pPr>
+            <a:r>
+              <a:rPr lang="en" sz="1900">
+                <a:solidFill>
+                  <a:srgbClr val="000000"/>
+                </a:solidFill>
+              </a:rPr>
+              <a:t>A few examples 4</a:t>
+            </a:r>
+            <a:endParaRPr/>
+          </a:p>
+        </p:txBody>
+      </p:sp>
+      <p:pic>
+        <p:nvPicPr>
+          <p:cNvPr id="174" name="Google Shape;174;p26"/>
+          <p:cNvPicPr preferRelativeResize="0"/>
+          <p:nvPr/>
+        </p:nvPicPr>
+        <p:blipFill>
+          <a:blip r:embed="rId3">
+            <a:alphaModFix/>
+          </a:blip>
+          <a:stretch>
+            <a:fillRect/>
+          </a:stretch>
+        </p:blipFill>
+        <p:spPr>
+          <a:xfrm>
+            <a:off x="1600200" y="941525"/>
+            <a:ext cx="6428831" cy="3973375"/>
+          </a:xfrm>
+          <a:prstGeom prst="rect">
+            <a:avLst/>
+          </a:prstGeom>
+          <a:noFill/>
+          <a:ln>
+            <a:noFill/>
+          </a:ln>
+        </p:spPr>
+      </p:pic>
+    </p:spTree>
+  </p:cSld>
+  <p:clrMapOvr>
+    <a:masterClrMapping/>
+  </p:clrMapOvr>
+</p:sld>
+</file>
+
+<file path=ppt/slides/slide15.xml><?xml version="1.0" encoding="utf-8"?>
+<p:sld xmlns:a="http://schemas.openxmlformats.org/drawingml/2006/main" xmlns:r="http://schemas.openxmlformats.org/officeDocument/2006/relationships" xmlns:mc="http://schemas.openxmlformats.org/markup-compatibility/2006" xmlns:mv="urn:schemas-microsoft-com:mac:vml" xmlns:p="http://schemas.openxmlformats.org/presentationml/2006/main" xmlns:c="http://schemas.openxmlformats.org/drawingml/2006/chart" xmlns:dgm="http://schemas.openxmlformats.org/drawingml/2006/diagram" xmlns:o="urn:schemas-microsoft-com:office:office" xmlns:v="urn:schemas-microsoft-com:vml" xmlns:pvml="urn:schemas-microsoft-com:office:powerpoint" xmlns:com="http://schemas.openxmlformats.org/drawingml/2006/compatibility" xmlns:p14="http://schemas.microsoft.com/office/powerpoint/2010/main" xmlns:p15="http://schemas.microsoft.com/office/powerpoint/2012/main">
+  <p:cSld>
+    <p:spTree>
+      <p:nvGrpSpPr>
+        <p:cNvPr id="178" name="Shape 178"/>
+        <p:cNvGrpSpPr/>
+        <p:nvPr/>
+      </p:nvGrpSpPr>
+      <p:grpSpPr>
+        <a:xfrm>
+          <a:off x="0" y="0"/>
+          <a:ext cx="0" cy="0"/>
+          <a:chOff x="0" y="0"/>
+          <a:chExt cx="0" cy="0"/>
+        </a:xfrm>
+      </p:grpSpPr>
+      <p:pic>
+        <p:nvPicPr>
+          <p:cNvPr id="179" name="Google Shape;179;p27"/>
+          <p:cNvPicPr preferRelativeResize="0"/>
+          <p:nvPr/>
+        </p:nvPicPr>
+        <p:blipFill>
+          <a:blip r:embed="rId3">
+            <a:alphaModFix/>
+          </a:blip>
+          <a:stretch>
+            <a:fillRect/>
+          </a:stretch>
+        </p:blipFill>
+        <p:spPr>
+          <a:xfrm>
+            <a:off x="76200" y="1295400"/>
+            <a:ext cx="2989474" cy="2989474"/>
+          </a:xfrm>
+          <a:prstGeom prst="rect">
+            <a:avLst/>
+          </a:prstGeom>
+          <a:noFill/>
+          <a:ln>
+            <a:noFill/>
+          </a:ln>
+        </p:spPr>
+      </p:pic>
+      <p:sp>
+        <p:nvSpPr>
+          <p:cNvPr id="180" name="Google Shape;180;p27"/>
+          <p:cNvSpPr txBox="1"/>
+          <p:nvPr/>
+        </p:nvSpPr>
+        <p:spPr>
+          <a:xfrm>
+            <a:off x="3701525" y="282450"/>
+            <a:ext cx="2586600" cy="479400"/>
+          </a:xfrm>
+          <a:prstGeom prst="rect">
+            <a:avLst/>
+          </a:prstGeom>
+          <a:noFill/>
+          <a:ln>
+            <a:noFill/>
+          </a:ln>
+        </p:spPr>
+        <p:txBody>
+          <a:bodyPr anchorCtr="0" anchor="t" bIns="91425" lIns="91425" spcFirstLastPara="1" rIns="91425" wrap="square" tIns="91425">
+            <a:noAutofit/>
+          </a:bodyPr>
+          <a:lstStyle/>
+          <a:p>
+            <a:pPr indent="0" lvl="0" marL="0" rtl="0" algn="l">
+              <a:spcBef>
+                <a:spcPts val="0"/>
+              </a:spcBef>
+              <a:spcAft>
+                <a:spcPts val="0"/>
+              </a:spcAft>
+              <a:buNone/>
+            </a:pPr>
+            <a:r>
+              <a:rPr lang="en" sz="1900"/>
+              <a:t>A few examples 5</a:t>
+            </a:r>
+            <a:endParaRPr sz="1900"/>
+          </a:p>
+        </p:txBody>
+      </p:sp>
+      <p:pic>
+        <p:nvPicPr>
+          <p:cNvPr id="181" name="Google Shape;181;p27"/>
+          <p:cNvPicPr preferRelativeResize="0"/>
+          <p:nvPr/>
+        </p:nvPicPr>
+        <p:blipFill>
+          <a:blip r:embed="rId4">
+            <a:alphaModFix/>
+          </a:blip>
+          <a:stretch>
+            <a:fillRect/>
+          </a:stretch>
+        </p:blipFill>
+        <p:spPr>
+          <a:xfrm>
+            <a:off x="2973125" y="1105750"/>
+            <a:ext cx="2586600" cy="2299184"/>
+          </a:xfrm>
+          <a:prstGeom prst="rect">
+            <a:avLst/>
+          </a:prstGeom>
+          <a:noFill/>
+          <a:ln>
+            <a:noFill/>
+          </a:ln>
+        </p:spPr>
+      </p:pic>
+      <p:sp>
+        <p:nvSpPr>
+          <p:cNvPr id="182" name="Google Shape;182;p27"/>
+          <p:cNvSpPr txBox="1"/>
+          <p:nvPr/>
+        </p:nvSpPr>
+        <p:spPr>
+          <a:xfrm>
+            <a:off x="891925" y="678200"/>
+            <a:ext cx="1902900" cy="388500"/>
+          </a:xfrm>
+          <a:prstGeom prst="rect">
+            <a:avLst/>
+          </a:prstGeom>
+          <a:noFill/>
+          <a:ln>
+            <a:noFill/>
+          </a:ln>
+        </p:spPr>
+        <p:txBody>
+          <a:bodyPr anchorCtr="0" anchor="t" bIns="91425" lIns="91425" spcFirstLastPara="1" rIns="91425" wrap="square" tIns="91425">
+            <a:noAutofit/>
+          </a:bodyPr>
+          <a:lstStyle/>
+          <a:p>
+            <a:pPr indent="0" lvl="0" marL="0" rtl="0" algn="l">
+              <a:spcBef>
+                <a:spcPts val="0"/>
+              </a:spcBef>
+              <a:spcAft>
+                <a:spcPts val="0"/>
+              </a:spcAft>
+              <a:buNone/>
+            </a:pPr>
+            <a:r>
+              <a:rPr lang="en" sz="1200">
+                <a:solidFill>
+                  <a:srgbClr val="222222"/>
+                </a:solidFill>
+                <a:highlight>
+                  <a:srgbClr val="FFFFFF"/>
+                </a:highlight>
+              </a:rPr>
+              <a:t>Hierarchical  graph</a:t>
+            </a:r>
+            <a:endParaRPr/>
+          </a:p>
+        </p:txBody>
+      </p:sp>
+      <p:sp>
+        <p:nvSpPr>
+          <p:cNvPr id="183" name="Google Shape;183;p27"/>
+          <p:cNvSpPr txBox="1"/>
+          <p:nvPr/>
+        </p:nvSpPr>
+        <p:spPr>
+          <a:xfrm>
+            <a:off x="3619375" y="754400"/>
+            <a:ext cx="1293300" cy="388500"/>
+          </a:xfrm>
+          <a:prstGeom prst="rect">
+            <a:avLst/>
+          </a:prstGeom>
+          <a:noFill/>
+          <a:ln>
+            <a:noFill/>
+          </a:ln>
+        </p:spPr>
+        <p:txBody>
+          <a:bodyPr anchorCtr="0" anchor="t" bIns="91425" lIns="91425" spcFirstLastPara="1" rIns="91425" wrap="square" tIns="91425">
+            <a:noAutofit/>
+          </a:bodyPr>
+          <a:lstStyle/>
+          <a:p>
+            <a:pPr indent="0" lvl="0" marL="0" rtl="0" algn="l">
+              <a:spcBef>
+                <a:spcPts val="0"/>
+              </a:spcBef>
+              <a:spcAft>
+                <a:spcPts val="0"/>
+              </a:spcAft>
+              <a:buNone/>
+            </a:pPr>
+            <a:r>
+              <a:rPr lang="en" sz="1200">
+                <a:solidFill>
+                  <a:srgbClr val="222222"/>
+                </a:solidFill>
+                <a:highlight>
+                  <a:srgbClr val="FFFFFF"/>
+                </a:highlight>
+              </a:rPr>
+              <a:t>Tree map</a:t>
+            </a:r>
+            <a:r>
+              <a:rPr lang="en" sz="1200">
+                <a:solidFill>
+                  <a:srgbClr val="222222"/>
+                </a:solidFill>
+                <a:highlight>
+                  <a:srgbClr val="FFFFFF"/>
+                </a:highlight>
+              </a:rPr>
+              <a:t> </a:t>
+            </a:r>
+            <a:endParaRPr/>
+          </a:p>
+        </p:txBody>
+      </p:sp>
+      <p:pic>
+        <p:nvPicPr>
+          <p:cNvPr id="184" name="Google Shape;184;p27"/>
+          <p:cNvPicPr preferRelativeResize="0"/>
+          <p:nvPr/>
+        </p:nvPicPr>
+        <p:blipFill>
+          <a:blip r:embed="rId5">
+            <a:alphaModFix/>
+          </a:blip>
+          <a:stretch>
+            <a:fillRect/>
+          </a:stretch>
+        </p:blipFill>
+        <p:spPr>
+          <a:xfrm>
+            <a:off x="5392374" y="2666850"/>
+            <a:ext cx="3446825" cy="2130330"/>
+          </a:xfrm>
+          <a:prstGeom prst="rect">
+            <a:avLst/>
+          </a:prstGeom>
+          <a:noFill/>
+          <a:ln>
+            <a:noFill/>
+          </a:ln>
+        </p:spPr>
+      </p:pic>
+      <p:sp>
+        <p:nvSpPr>
+          <p:cNvPr id="185" name="Google Shape;185;p27"/>
+          <p:cNvSpPr txBox="1"/>
+          <p:nvPr/>
+        </p:nvSpPr>
+        <p:spPr>
+          <a:xfrm>
+            <a:off x="6286375" y="2126000"/>
+            <a:ext cx="1293300" cy="388500"/>
+          </a:xfrm>
+          <a:prstGeom prst="rect">
+            <a:avLst/>
+          </a:prstGeom>
+          <a:noFill/>
+          <a:ln>
+            <a:noFill/>
+          </a:ln>
+        </p:spPr>
+        <p:txBody>
+          <a:bodyPr anchorCtr="0" anchor="t" bIns="91425" lIns="91425" spcFirstLastPara="1" rIns="91425" wrap="square" tIns="91425">
+            <a:noAutofit/>
+          </a:bodyPr>
+          <a:lstStyle/>
+          <a:p>
+            <a:pPr indent="0" lvl="0" marL="0" rtl="0" algn="l">
+              <a:spcBef>
+                <a:spcPts val="0"/>
+              </a:spcBef>
+              <a:spcAft>
+                <a:spcPts val="0"/>
+              </a:spcAft>
+              <a:buNone/>
+            </a:pPr>
+            <a:r>
+              <a:rPr lang="en" sz="1200">
+                <a:solidFill>
+                  <a:srgbClr val="222222"/>
+                </a:solidFill>
+                <a:highlight>
+                  <a:srgbClr val="FFFFFF"/>
+                </a:highlight>
+              </a:rPr>
+              <a:t>Heat </a:t>
+            </a:r>
+            <a:r>
+              <a:rPr lang="en" sz="1200">
+                <a:solidFill>
+                  <a:srgbClr val="222222"/>
+                </a:solidFill>
+                <a:highlight>
+                  <a:srgbClr val="FFFFFF"/>
+                </a:highlight>
+              </a:rPr>
+              <a:t> map </a:t>
+            </a:r>
+            <a:endParaRPr/>
+          </a:p>
+        </p:txBody>
+      </p:sp>
+    </p:spTree>
+  </p:cSld>
+  <p:clrMapOvr>
+    <a:masterClrMapping/>
+  </p:clrMapOvr>
+</p:sld>
+</file>
+
+<file path=ppt/slides/slide16.xml><?xml version="1.0" encoding="utf-8"?>
+<p:sld xmlns:a="http://schemas.openxmlformats.org/drawingml/2006/main" xmlns:r="http://schemas.openxmlformats.org/officeDocument/2006/relationships" xmlns:mc="http://schemas.openxmlformats.org/markup-compatibility/2006" xmlns:mv="urn:schemas-microsoft-com:mac:vml" xmlns:p="http://schemas.openxmlformats.org/presentationml/2006/main" xmlns:c="http://schemas.openxmlformats.org/drawingml/2006/chart" xmlns:dgm="http://schemas.openxmlformats.org/drawingml/2006/diagram" xmlns:o="urn:schemas-microsoft-com:office:office" xmlns:v="urn:schemas-microsoft-com:vml" xmlns:pvml="urn:schemas-microsoft-com:office:powerpoint" xmlns:com="http://schemas.openxmlformats.org/drawingml/2006/compatibility" xmlns:p14="http://schemas.microsoft.com/office/powerpoint/2010/main" xmlns:p15="http://schemas.microsoft.com/office/powerpoint/2012/main">
+  <p:cSld>
+    <p:spTree>
+      <p:nvGrpSpPr>
+        <p:cNvPr id="189" name="Shape 189"/>
+        <p:cNvGrpSpPr/>
+        <p:nvPr/>
+      </p:nvGrpSpPr>
+      <p:grpSpPr>
+        <a:xfrm>
+          <a:off x="0" y="0"/>
+          <a:ext cx="0" cy="0"/>
+          <a:chOff x="0" y="0"/>
+          <a:chExt cx="0" cy="0"/>
+        </a:xfrm>
+      </p:grpSpPr>
+      <p:sp>
+        <p:nvSpPr>
+          <p:cNvPr id="190" name="Google Shape;190;p28"/>
+          <p:cNvSpPr txBox="1"/>
+          <p:nvPr/>
+        </p:nvSpPr>
+        <p:spPr>
+          <a:xfrm>
+            <a:off x="3701525" y="282450"/>
+            <a:ext cx="2586600" cy="479400"/>
+          </a:xfrm>
+          <a:prstGeom prst="rect">
+            <a:avLst/>
+          </a:prstGeom>
+          <a:noFill/>
+          <a:ln>
+            <a:noFill/>
+          </a:ln>
+        </p:spPr>
+        <p:txBody>
+          <a:bodyPr anchorCtr="0" anchor="t" bIns="91425" lIns="91425" spcFirstLastPara="1" rIns="91425" wrap="square" tIns="91425">
+            <a:noAutofit/>
+          </a:bodyPr>
+          <a:lstStyle/>
+          <a:p>
+            <a:pPr indent="0" lvl="0" marL="0" rtl="0" algn="l">
+              <a:spcBef>
+                <a:spcPts val="0"/>
+              </a:spcBef>
+              <a:spcAft>
+                <a:spcPts val="0"/>
+              </a:spcAft>
+              <a:buNone/>
+            </a:pPr>
+            <a:r>
+              <a:rPr lang="en" sz="1900"/>
+              <a:t>A few examples 6</a:t>
+            </a:r>
+            <a:endParaRPr sz="1900"/>
+          </a:p>
+        </p:txBody>
+      </p:sp>
+      <p:pic>
+        <p:nvPicPr>
+          <p:cNvPr id="191" name="Google Shape;191;p28"/>
+          <p:cNvPicPr preferRelativeResize="0"/>
+          <p:nvPr/>
+        </p:nvPicPr>
+        <p:blipFill>
+          <a:blip r:embed="rId3">
+            <a:alphaModFix/>
+          </a:blip>
+          <a:stretch>
+            <a:fillRect/>
+          </a:stretch>
+        </p:blipFill>
+        <p:spPr>
+          <a:xfrm>
+            <a:off x="314300" y="1522400"/>
+            <a:ext cx="3648175" cy="1762900"/>
+          </a:xfrm>
+          <a:prstGeom prst="rect">
+            <a:avLst/>
+          </a:prstGeom>
+          <a:noFill/>
+          <a:ln>
+            <a:noFill/>
+          </a:ln>
+        </p:spPr>
+      </p:pic>
+      <p:pic>
+        <p:nvPicPr>
+          <p:cNvPr id="192" name="Google Shape;192;p28"/>
+          <p:cNvPicPr preferRelativeResize="0"/>
+          <p:nvPr/>
+        </p:nvPicPr>
+        <p:blipFill>
+          <a:blip r:embed="rId4">
+            <a:alphaModFix/>
+          </a:blip>
+          <a:stretch>
+            <a:fillRect/>
+          </a:stretch>
+        </p:blipFill>
+        <p:spPr>
+          <a:xfrm>
+            <a:off x="4419676" y="761850"/>
+            <a:ext cx="4076850" cy="4076850"/>
+          </a:xfrm>
+          <a:prstGeom prst="rect">
+            <a:avLst/>
+          </a:prstGeom>
+          <a:noFill/>
+          <a:ln>
+            <a:noFill/>
+          </a:ln>
+        </p:spPr>
+      </p:pic>
+    </p:spTree>
+  </p:cSld>
+  <p:clrMapOvr>
+    <a:masterClrMapping/>
+  </p:clrMapOvr>
+</p:sld>
+</file>
+
+<file path=ppt/slides/slide17.xml><?xml version="1.0" encoding="utf-8"?>
+<p:sld xmlns:a="http://schemas.openxmlformats.org/drawingml/2006/main" xmlns:r="http://schemas.openxmlformats.org/officeDocument/2006/relationships" xmlns:mc="http://schemas.openxmlformats.org/markup-compatibility/2006" xmlns:mv="urn:schemas-microsoft-com:mac:vml" xmlns:p="http://schemas.openxmlformats.org/presentationml/2006/main" xmlns:c="http://schemas.openxmlformats.org/drawingml/2006/chart" xmlns:dgm="http://schemas.openxmlformats.org/drawingml/2006/diagram" xmlns:o="urn:schemas-microsoft-com:office:office" xmlns:v="urn:schemas-microsoft-com:vml" xmlns:pvml="urn:schemas-microsoft-com:office:powerpoint" xmlns:com="http://schemas.openxmlformats.org/drawingml/2006/compatibility" xmlns:p14="http://schemas.microsoft.com/office/powerpoint/2010/main" xmlns:p15="http://schemas.microsoft.com/office/powerpoint/2012/main">
+  <p:cSld>
+    <p:spTree>
+      <p:nvGrpSpPr>
+        <p:cNvPr id="196" name="Shape 196"/>
+        <p:cNvGrpSpPr/>
+        <p:nvPr/>
+      </p:nvGrpSpPr>
+      <p:grpSpPr>
+        <a:xfrm>
+          <a:off x="0" y="0"/>
+          <a:ext cx="0" cy="0"/>
+          <a:chOff x="0" y="0"/>
+          <a:chExt cx="0" cy="0"/>
+        </a:xfrm>
+      </p:grpSpPr>
+      <p:sp>
+        <p:nvSpPr>
+          <p:cNvPr id="197" name="Google Shape;197;p29"/>
           <p:cNvSpPr/>
           <p:nvPr/>
         </p:nvSpPr>
@@ -11139,7 +12512,7 @@
       </p:sp>
       <p:sp>
         <p:nvSpPr>
-          <p:cNvPr id="161" name="Google Shape;161;p24"/>
+          <p:cNvPr id="198" name="Google Shape;198;p29"/>
           <p:cNvSpPr/>
           <p:nvPr/>
         </p:nvSpPr>
@@ -11188,10 +12561,10 @@
       </p:sp>
       <p:cxnSp>
         <p:nvCxnSpPr>
-          <p:cNvPr id="162" name="Google Shape;162;p24"/>
+          <p:cNvPr id="199" name="Google Shape;199;p29"/>
           <p:cNvCxnSpPr>
-            <a:stCxn id="160" idx="4"/>
-            <a:endCxn id="161" idx="1"/>
+            <a:stCxn id="197" idx="4"/>
+            <a:endCxn id="198" idx="1"/>
           </p:cNvCxnSpPr>
           <p:nvPr/>
         </p:nvCxnSpPr>
@@ -11217,9 +12590,9 @@
       </p:cxnSp>
       <p:cxnSp>
         <p:nvCxnSpPr>
-          <p:cNvPr id="163" name="Google Shape;163;p24"/>
+          <p:cNvPr id="200" name="Google Shape;200;p29"/>
           <p:cNvCxnSpPr>
-            <a:stCxn id="161" idx="3"/>
+            <a:stCxn id="198" idx="3"/>
           </p:cNvCxnSpPr>
           <p:nvPr/>
         </p:nvCxnSpPr>
@@ -11245,7 +12618,7 @@
       </p:cxnSp>
       <p:pic>
         <p:nvPicPr>
-          <p:cNvPr id="164" name="Google Shape;164;p24"/>
+          <p:cNvPr id="201" name="Google Shape;201;p29"/>
           <p:cNvPicPr preferRelativeResize="0"/>
           <p:nvPr/>
         </p:nvPicPr>
@@ -11273,7 +12646,7 @@
       </p:pic>
       <p:sp>
         <p:nvSpPr>
-          <p:cNvPr id="165" name="Google Shape;165;p24"/>
+          <p:cNvPr id="202" name="Google Shape;202;p29"/>
           <p:cNvSpPr txBox="1"/>
           <p:nvPr/>
         </p:nvSpPr>
@@ -11315,7 +12688,7 @@
       </p:sp>
       <p:sp>
         <p:nvSpPr>
-          <p:cNvPr id="166" name="Google Shape;166;p24"/>
+          <p:cNvPr id="203" name="Google Shape;203;p29"/>
           <p:cNvSpPr txBox="1"/>
           <p:nvPr/>
         </p:nvSpPr>
@@ -11357,7 +12730,7 @@
       </p:sp>
       <p:sp>
         <p:nvSpPr>
-          <p:cNvPr id="167" name="Google Shape;167;p24"/>
+          <p:cNvPr id="204" name="Google Shape;204;p29"/>
           <p:cNvSpPr txBox="1"/>
           <p:nvPr/>
         </p:nvSpPr>
@@ -11406,7 +12779,7 @@
       </p:sp>
       <p:sp>
         <p:nvSpPr>
-          <p:cNvPr id="168" name="Google Shape;168;p24"/>
+          <p:cNvPr id="205" name="Google Shape;205;p29"/>
           <p:cNvSpPr txBox="1"/>
           <p:nvPr/>
         </p:nvSpPr>
@@ -11491,7 +12864,7 @@
       </p:sp>
       <p:sp>
         <p:nvSpPr>
-          <p:cNvPr id="169" name="Google Shape;169;p24"/>
+          <p:cNvPr id="206" name="Google Shape;206;p29"/>
           <p:cNvSpPr txBox="1"/>
           <p:nvPr/>
         </p:nvSpPr>
@@ -11566,7 +12939,7 @@
       </p:sp>
       <p:sp>
         <p:nvSpPr>
-          <p:cNvPr id="170" name="Google Shape;170;p24"/>
+          <p:cNvPr id="207" name="Google Shape;207;p29"/>
           <p:cNvSpPr txBox="1"/>
           <p:nvPr/>
         </p:nvSpPr>
@@ -11621,7 +12994,7 @@
       </p:sp>
       <p:sp>
         <p:nvSpPr>
-          <p:cNvPr id="171" name="Google Shape;171;p24"/>
+          <p:cNvPr id="208" name="Google Shape;208;p29"/>
           <p:cNvSpPr txBox="1"/>
           <p:nvPr/>
         </p:nvSpPr>
@@ -11716,12 +13089,12 @@
 </p:sld>
 </file>
 
-<file path=ppt/slides/slide13.xml><?xml version="1.0" encoding="utf-8"?>
+<file path=ppt/slides/slide18.xml><?xml version="1.0" encoding="utf-8"?>
 <p:sld xmlns:a="http://schemas.openxmlformats.org/drawingml/2006/main" xmlns:r="http://schemas.openxmlformats.org/officeDocument/2006/relationships" xmlns:mc="http://schemas.openxmlformats.org/markup-compatibility/2006" xmlns:mv="urn:schemas-microsoft-com:mac:vml" xmlns:p="http://schemas.openxmlformats.org/presentationml/2006/main" xmlns:c="http://schemas.openxmlformats.org/drawingml/2006/chart" xmlns:dgm="http://schemas.openxmlformats.org/drawingml/2006/diagram" xmlns:o="urn:schemas-microsoft-com:office:office" xmlns:v="urn:schemas-microsoft-com:vml" xmlns:pvml="urn:schemas-microsoft-com:office:powerpoint" xmlns:com="http://schemas.openxmlformats.org/drawingml/2006/compatibility" xmlns:p14="http://schemas.microsoft.com/office/powerpoint/2010/main" xmlns:p15="http://schemas.microsoft.com/office/powerpoint/2012/main">
   <p:cSld>
     <p:spTree>
       <p:nvGrpSpPr>
-        <p:cNvPr id="175" name="Shape 175"/>
+        <p:cNvPr id="212" name="Shape 212"/>
         <p:cNvGrpSpPr/>
         <p:nvPr/>
       </p:nvGrpSpPr>
@@ -11735,7 +13108,7 @@
       </p:grpSpPr>
       <p:sp>
         <p:nvSpPr>
-          <p:cNvPr id="176" name="Google Shape;176;p25"/>
+          <p:cNvPr id="213" name="Google Shape;213;p30"/>
           <p:cNvSpPr txBox="1"/>
           <p:nvPr>
             <p:ph type="title"/>
@@ -11775,7 +13148,7 @@
       </p:sp>
       <p:sp>
         <p:nvSpPr>
-          <p:cNvPr id="177" name="Google Shape;177;p25"/>
+          <p:cNvPr id="214" name="Google Shape;214;p30"/>
           <p:cNvSpPr txBox="1"/>
           <p:nvPr>
             <p:ph idx="1" type="body"/>
@@ -12091,12 +13464,12 @@
 </p:sld>
 </file>
 
-<file path=ppt/slides/slide14.xml><?xml version="1.0" encoding="utf-8"?>
+<file path=ppt/slides/slide19.xml><?xml version="1.0" encoding="utf-8"?>
 <p:sld xmlns:a="http://schemas.openxmlformats.org/drawingml/2006/main" xmlns:r="http://schemas.openxmlformats.org/officeDocument/2006/relationships" xmlns:mc="http://schemas.openxmlformats.org/markup-compatibility/2006" xmlns:mv="urn:schemas-microsoft-com:mac:vml" xmlns:p="http://schemas.openxmlformats.org/presentationml/2006/main" xmlns:c="http://schemas.openxmlformats.org/drawingml/2006/chart" xmlns:dgm="http://schemas.openxmlformats.org/drawingml/2006/diagram" xmlns:o="urn:schemas-microsoft-com:office:office" xmlns:v="urn:schemas-microsoft-com:vml" xmlns:pvml="urn:schemas-microsoft-com:office:powerpoint" xmlns:com="http://schemas.openxmlformats.org/drawingml/2006/compatibility" xmlns:p14="http://schemas.microsoft.com/office/powerpoint/2010/main" xmlns:p15="http://schemas.microsoft.com/office/powerpoint/2012/main">
   <p:cSld>
     <p:spTree>
       <p:nvGrpSpPr>
-        <p:cNvPr id="181" name="Shape 181"/>
+        <p:cNvPr id="218" name="Shape 218"/>
         <p:cNvGrpSpPr/>
         <p:nvPr/>
       </p:nvGrpSpPr>
@@ -12110,7 +13483,7 @@
       </p:grpSpPr>
       <p:sp>
         <p:nvSpPr>
-          <p:cNvPr id="182" name="Google Shape;182;p26"/>
+          <p:cNvPr id="219" name="Google Shape;219;p31"/>
           <p:cNvSpPr txBox="1"/>
           <p:nvPr>
             <p:ph type="title"/>
@@ -12193,7 +13566,7 @@
       </p:sp>
       <p:sp>
         <p:nvSpPr>
-          <p:cNvPr id="183" name="Google Shape;183;p26"/>
+          <p:cNvPr id="220" name="Google Shape;220;p31"/>
           <p:cNvSpPr txBox="1"/>
           <p:nvPr>
             <p:ph idx="1" type="body"/>
@@ -12469,7 +13842,7 @@
       </p:sp>
       <p:sp>
         <p:nvSpPr>
-          <p:cNvPr id="184" name="Google Shape;184;p26"/>
+          <p:cNvPr id="221" name="Google Shape;221;p31"/>
           <p:cNvSpPr txBox="1"/>
           <p:nvPr/>
         </p:nvSpPr>
@@ -12546,2089 +13919,6 @@
           </a:p>
         </p:txBody>
       </p:sp>
-    </p:spTree>
-  </p:cSld>
-  <p:clrMapOvr>
-    <a:masterClrMapping/>
-  </p:clrMapOvr>
-</p:sld>
-</file>
-
-<file path=ppt/slides/slide15.xml><?xml version="1.0" encoding="utf-8"?>
-<p:sld xmlns:a="http://schemas.openxmlformats.org/drawingml/2006/main" xmlns:r="http://schemas.openxmlformats.org/officeDocument/2006/relationships" xmlns:mc="http://schemas.openxmlformats.org/markup-compatibility/2006" xmlns:mv="urn:schemas-microsoft-com:mac:vml" xmlns:p="http://schemas.openxmlformats.org/presentationml/2006/main" xmlns:c="http://schemas.openxmlformats.org/drawingml/2006/chart" xmlns:dgm="http://schemas.openxmlformats.org/drawingml/2006/diagram" xmlns:o="urn:schemas-microsoft-com:office:office" xmlns:v="urn:schemas-microsoft-com:vml" xmlns:pvml="urn:schemas-microsoft-com:office:powerpoint" xmlns:com="http://schemas.openxmlformats.org/drawingml/2006/compatibility" xmlns:p14="http://schemas.microsoft.com/office/powerpoint/2010/main" xmlns:p15="http://schemas.microsoft.com/office/powerpoint/2012/main">
-  <p:cSld>
-    <p:spTree>
-      <p:nvGrpSpPr>
-        <p:cNvPr id="188" name="Shape 188"/>
-        <p:cNvGrpSpPr/>
-        <p:nvPr/>
-      </p:nvGrpSpPr>
-      <p:grpSpPr>
-        <a:xfrm>
-          <a:off x="0" y="0"/>
-          <a:ext cx="0" cy="0"/>
-          <a:chOff x="0" y="0"/>
-          <a:chExt cx="0" cy="0"/>
-        </a:xfrm>
-      </p:grpSpPr>
-      <p:sp>
-        <p:nvSpPr>
-          <p:cNvPr id="189" name="Google Shape;189;p27"/>
-          <p:cNvSpPr txBox="1"/>
-          <p:nvPr>
-            <p:ph type="title"/>
-          </p:nvPr>
-        </p:nvSpPr>
-        <p:spPr>
-          <a:xfrm>
-            <a:off x="311700" y="445025"/>
-            <a:ext cx="8520600" cy="572700"/>
-          </a:xfrm>
-          <a:prstGeom prst="rect">
-            <a:avLst/>
-          </a:prstGeom>
-        </p:spPr>
-        <p:txBody>
-          <a:bodyPr anchorCtr="0" anchor="t" bIns="91425" lIns="91425" spcFirstLastPara="1" rIns="91425" wrap="square" tIns="91425">
-            <a:noAutofit/>
-          </a:bodyPr>
-          <a:lstStyle/>
-          <a:p>
-            <a:pPr indent="0" lvl="0" marL="0" rtl="0" algn="l">
-              <a:lnSpc>
-                <a:spcPct val="115000"/>
-              </a:lnSpc>
-              <a:spcBef>
-                <a:spcPts val="0"/>
-              </a:spcBef>
-              <a:spcAft>
-                <a:spcPts val="0"/>
-              </a:spcAft>
-              <a:buClr>
-                <a:schemeClr val="dk1"/>
-              </a:buClr>
-              <a:buSzPts val="1100"/>
-              <a:buFont typeface="Arial"/>
-              <a:buNone/>
-            </a:pPr>
-            <a:r>
-              <a:rPr lang="en" sz="1800">
-                <a:solidFill>
-                  <a:schemeClr val="dk2"/>
-                </a:solidFill>
-              </a:rPr>
-              <a:t>Building step by step a bar-graph with color transition II part 1</a:t>
-            </a:r>
-            <a:endParaRPr sz="1800">
-              <a:solidFill>
-                <a:schemeClr val="dk2"/>
-              </a:solidFill>
-            </a:endParaRPr>
-          </a:p>
-          <a:p>
-            <a:pPr indent="0" lvl="0" marL="0" rtl="0" algn="l">
-              <a:spcBef>
-                <a:spcPts val="1600"/>
-              </a:spcBef>
-              <a:spcAft>
-                <a:spcPts val="0"/>
-              </a:spcAft>
-              <a:buNone/>
-            </a:pPr>
-            <a:r>
-              <a:t/>
-            </a:r>
-            <a:endParaRPr/>
-          </a:p>
-        </p:txBody>
-      </p:sp>
-      <p:sp>
-        <p:nvSpPr>
-          <p:cNvPr id="190" name="Google Shape;190;p27"/>
-          <p:cNvSpPr txBox="1"/>
-          <p:nvPr>
-            <p:ph idx="1" type="body"/>
-          </p:nvPr>
-        </p:nvSpPr>
-        <p:spPr>
-          <a:xfrm>
-            <a:off x="311700" y="972775"/>
-            <a:ext cx="8520600" cy="4248900"/>
-          </a:xfrm>
-          <a:prstGeom prst="rect">
-            <a:avLst/>
-          </a:prstGeom>
-        </p:spPr>
-        <p:txBody>
-          <a:bodyPr anchorCtr="0" anchor="t" bIns="91425" lIns="91425" spcFirstLastPara="1" rIns="91425" wrap="square" tIns="91425">
-            <a:noAutofit/>
-          </a:bodyPr>
-          <a:lstStyle/>
-          <a:p>
-            <a:pPr indent="0" lvl="0" marL="0" rtl="0" algn="l">
-              <a:spcBef>
-                <a:spcPts val="0"/>
-              </a:spcBef>
-              <a:spcAft>
-                <a:spcPts val="1600"/>
-              </a:spcAft>
-              <a:buNone/>
-            </a:pPr>
-            <a:r>
-              <a:rPr lang="en"/>
-              <a:t>Designing the bar chart</a:t>
-            </a:r>
-            <a:br>
-              <a:rPr lang="en"/>
-            </a:br>
-            <a:r>
-              <a:rPr lang="en" sz="1200">
-                <a:latin typeface="Consolas"/>
-                <a:ea typeface="Consolas"/>
-                <a:cs typeface="Consolas"/>
-                <a:sym typeface="Consolas"/>
-              </a:rPr>
-              <a:t>// set the dimensions and margins of the graph</a:t>
-            </a:r>
-            <a:br>
-              <a:rPr lang="en" sz="1200">
-                <a:latin typeface="Consolas"/>
-                <a:ea typeface="Consolas"/>
-                <a:cs typeface="Consolas"/>
-                <a:sym typeface="Consolas"/>
-              </a:rPr>
-            </a:br>
-            <a:r>
-              <a:rPr lang="en" sz="1200">
-                <a:latin typeface="Consolas"/>
-                <a:ea typeface="Consolas"/>
-                <a:cs typeface="Consolas"/>
-                <a:sym typeface="Consolas"/>
-              </a:rPr>
-              <a:t>	var margin = {top: 40, right: 20, bottom: 70, left: 100},</a:t>
-            </a:r>
-            <a:br>
-              <a:rPr lang="en" sz="1200">
-                <a:latin typeface="Consolas"/>
-                <a:ea typeface="Consolas"/>
-                <a:cs typeface="Consolas"/>
-                <a:sym typeface="Consolas"/>
-              </a:rPr>
-            </a:br>
-            <a:r>
-              <a:rPr lang="en" sz="1200">
-                <a:latin typeface="Consolas"/>
-                <a:ea typeface="Consolas"/>
-                <a:cs typeface="Consolas"/>
-                <a:sym typeface="Consolas"/>
-              </a:rPr>
-              <a:t>	width = 1260 - margin.left - margin.right,</a:t>
-            </a:r>
-            <a:br>
-              <a:rPr lang="en" sz="1200">
-                <a:latin typeface="Consolas"/>
-                <a:ea typeface="Consolas"/>
-                <a:cs typeface="Consolas"/>
-                <a:sym typeface="Consolas"/>
-              </a:rPr>
-            </a:br>
-            <a:r>
-              <a:rPr lang="en" sz="1200">
-                <a:latin typeface="Consolas"/>
-                <a:ea typeface="Consolas"/>
-                <a:cs typeface="Consolas"/>
-                <a:sym typeface="Consolas"/>
-              </a:rPr>
-              <a:t>	height = 700 - margin.top - margin.bottom;</a:t>
-            </a:r>
-            <a:br>
-              <a:rPr lang="en" sz="1200">
-                <a:latin typeface="Consolas"/>
-                <a:ea typeface="Consolas"/>
-                <a:cs typeface="Consolas"/>
-                <a:sym typeface="Consolas"/>
-              </a:rPr>
-            </a:br>
-            <a:r>
-              <a:rPr lang="en" sz="1200">
-                <a:latin typeface="Consolas"/>
-                <a:ea typeface="Consolas"/>
-                <a:cs typeface="Consolas"/>
-                <a:sym typeface="Consolas"/>
-              </a:rPr>
-              <a:t>// Set the ranges and axis</a:t>
-            </a:r>
-            <a:br>
-              <a:rPr lang="en" sz="1200">
-                <a:latin typeface="Consolas"/>
-                <a:ea typeface="Consolas"/>
-                <a:cs typeface="Consolas"/>
-                <a:sym typeface="Consolas"/>
-              </a:rPr>
-            </a:br>
-            <a:r>
-              <a:rPr lang="en" sz="1200">
-                <a:latin typeface="Consolas"/>
-                <a:ea typeface="Consolas"/>
-                <a:cs typeface="Consolas"/>
-                <a:sym typeface="Consolas"/>
-              </a:rPr>
-              <a:t>	var x = d3.scaleBand().range([0, width])</a:t>
-            </a:r>
-            <a:br>
-              <a:rPr lang="en" sz="1200">
-                <a:latin typeface="Consolas"/>
-                <a:ea typeface="Consolas"/>
-                <a:cs typeface="Consolas"/>
-                <a:sym typeface="Consolas"/>
-              </a:rPr>
-            </a:br>
-            <a:r>
-              <a:rPr lang="en" sz="1200">
-                <a:latin typeface="Consolas"/>
-                <a:ea typeface="Consolas"/>
-                <a:cs typeface="Consolas"/>
-                <a:sym typeface="Consolas"/>
-              </a:rPr>
-              <a:t>	var y = d3.scaleLinear().range([height, 0]);</a:t>
-            </a:r>
-            <a:br>
-              <a:rPr lang="en" sz="1200">
-                <a:latin typeface="Consolas"/>
-                <a:ea typeface="Consolas"/>
-                <a:cs typeface="Consolas"/>
-                <a:sym typeface="Consolas"/>
-              </a:rPr>
-            </a:br>
-            <a:r>
-              <a:rPr lang="en" sz="1200">
-                <a:latin typeface="Consolas"/>
-                <a:ea typeface="Consolas"/>
-                <a:cs typeface="Consolas"/>
-                <a:sym typeface="Consolas"/>
-              </a:rPr>
-              <a:t>	var xAxis = d3.axisBottom().scale(x);</a:t>
-            </a:r>
-            <a:br>
-              <a:rPr lang="en" sz="1200">
-                <a:latin typeface="Consolas"/>
-                <a:ea typeface="Consolas"/>
-                <a:cs typeface="Consolas"/>
-                <a:sym typeface="Consolas"/>
-              </a:rPr>
-            </a:br>
-            <a:r>
-              <a:rPr lang="en" sz="1200">
-                <a:latin typeface="Consolas"/>
-                <a:ea typeface="Consolas"/>
-                <a:cs typeface="Consolas"/>
-                <a:sym typeface="Consolas"/>
-              </a:rPr>
-              <a:t>	var yAxis = d3.axisLeft().scale(y).ticks(10);</a:t>
-            </a:r>
-            <a:br>
-              <a:rPr lang="en" sz="1200">
-                <a:latin typeface="Consolas"/>
-                <a:ea typeface="Consolas"/>
-                <a:cs typeface="Consolas"/>
-                <a:sym typeface="Consolas"/>
-              </a:rPr>
-            </a:br>
-            <a:r>
-              <a:rPr lang="en" sz="1200">
-                <a:latin typeface="Consolas"/>
-                <a:ea typeface="Consolas"/>
-                <a:cs typeface="Consolas"/>
-                <a:sym typeface="Consolas"/>
-              </a:rPr>
-              <a:t>// append the svg object to the body of the page</a:t>
-            </a:r>
-            <a:br>
-              <a:rPr lang="en" sz="1200">
-                <a:latin typeface="Consolas"/>
-                <a:ea typeface="Consolas"/>
-                <a:cs typeface="Consolas"/>
-                <a:sym typeface="Consolas"/>
-              </a:rPr>
-            </a:br>
-            <a:r>
-              <a:rPr lang="en" sz="1200">
-                <a:latin typeface="Consolas"/>
-                <a:ea typeface="Consolas"/>
-                <a:cs typeface="Consolas"/>
-                <a:sym typeface="Consolas"/>
-              </a:rPr>
-              <a:t>// append a 'group' element to 'svg'</a:t>
-            </a:r>
-            <a:br>
-              <a:rPr lang="en" sz="1200">
-                <a:latin typeface="Consolas"/>
-                <a:ea typeface="Consolas"/>
-                <a:cs typeface="Consolas"/>
-                <a:sym typeface="Consolas"/>
-              </a:rPr>
-            </a:br>
-            <a:r>
-              <a:rPr lang="en" sz="1200">
-                <a:latin typeface="Consolas"/>
-                <a:ea typeface="Consolas"/>
-                <a:cs typeface="Consolas"/>
-                <a:sym typeface="Consolas"/>
-              </a:rPr>
-              <a:t>// moves the 'group' element to the top left margin</a:t>
-            </a:r>
-            <a:br>
-              <a:rPr lang="en" sz="1200">
-                <a:latin typeface="Consolas"/>
-                <a:ea typeface="Consolas"/>
-                <a:cs typeface="Consolas"/>
-                <a:sym typeface="Consolas"/>
-              </a:rPr>
-            </a:br>
-            <a:r>
-              <a:rPr lang="en" sz="1200">
-                <a:latin typeface="Consolas"/>
-                <a:ea typeface="Consolas"/>
-                <a:cs typeface="Consolas"/>
-                <a:sym typeface="Consolas"/>
-              </a:rPr>
-              <a:t>	var svg = d3.select("body").append("svg")</a:t>
-            </a:r>
-            <a:br>
-              <a:rPr lang="en" sz="1200">
-                <a:latin typeface="Consolas"/>
-                <a:ea typeface="Consolas"/>
-                <a:cs typeface="Consolas"/>
-                <a:sym typeface="Consolas"/>
-              </a:rPr>
-            </a:br>
-            <a:r>
-              <a:rPr lang="en" sz="1200">
-                <a:latin typeface="Consolas"/>
-                <a:ea typeface="Consolas"/>
-                <a:cs typeface="Consolas"/>
-                <a:sym typeface="Consolas"/>
-              </a:rPr>
-              <a:t>	.attr("width", width + margin.left + margin.right)</a:t>
-            </a:r>
-            <a:br>
-              <a:rPr lang="en" sz="1200">
-                <a:latin typeface="Consolas"/>
-                <a:ea typeface="Consolas"/>
-                <a:cs typeface="Consolas"/>
-                <a:sym typeface="Consolas"/>
-              </a:rPr>
-            </a:br>
-            <a:r>
-              <a:rPr lang="en" sz="1200">
-                <a:latin typeface="Consolas"/>
-                <a:ea typeface="Consolas"/>
-                <a:cs typeface="Consolas"/>
-                <a:sym typeface="Consolas"/>
-              </a:rPr>
-              <a:t>	.attr("height", height + margin.top + margin.bottom)</a:t>
-            </a:r>
-            <a:br>
-              <a:rPr lang="en" sz="1200">
-                <a:latin typeface="Consolas"/>
-                <a:ea typeface="Consolas"/>
-                <a:cs typeface="Consolas"/>
-                <a:sym typeface="Consolas"/>
-              </a:rPr>
-            </a:br>
-            <a:r>
-              <a:rPr lang="en" sz="1200">
-                <a:latin typeface="Consolas"/>
-                <a:ea typeface="Consolas"/>
-                <a:cs typeface="Consolas"/>
-                <a:sym typeface="Consolas"/>
-              </a:rPr>
-              <a:t>	.append("g").attr("transform", "translate(" + margin.left + "," + margin.top + ")");</a:t>
-            </a:r>
-            <a:endParaRPr sz="1200">
-              <a:latin typeface="Consolas"/>
-              <a:ea typeface="Consolas"/>
-              <a:cs typeface="Consolas"/>
-              <a:sym typeface="Consolas"/>
-            </a:endParaRPr>
-          </a:p>
-        </p:txBody>
-      </p:sp>
-      <p:sp>
-        <p:nvSpPr>
-          <p:cNvPr id="191" name="Google Shape;191;p27"/>
-          <p:cNvSpPr txBox="1"/>
-          <p:nvPr/>
-        </p:nvSpPr>
-        <p:spPr>
-          <a:xfrm>
-            <a:off x="6572975" y="972775"/>
-            <a:ext cx="2278800" cy="572700"/>
-          </a:xfrm>
-          <a:prstGeom prst="rect">
-            <a:avLst/>
-          </a:prstGeom>
-          <a:noFill/>
-          <a:ln>
-            <a:noFill/>
-          </a:ln>
-        </p:spPr>
-        <p:txBody>
-          <a:bodyPr anchorCtr="0" anchor="t" bIns="91425" lIns="91425" spcFirstLastPara="1" rIns="91425" wrap="square" tIns="91425">
-            <a:noAutofit/>
-          </a:bodyPr>
-          <a:lstStyle/>
-          <a:p>
-            <a:pPr indent="0" lvl="0" marL="0" rtl="0" algn="l">
-              <a:lnSpc>
-                <a:spcPct val="115000"/>
-              </a:lnSpc>
-              <a:spcBef>
-                <a:spcPts val="0"/>
-              </a:spcBef>
-              <a:spcAft>
-                <a:spcPts val="1600"/>
-              </a:spcAft>
-              <a:buNone/>
-            </a:pPr>
-            <a:r>
-              <a:rPr lang="en" sz="1800">
-                <a:solidFill>
-                  <a:schemeClr val="dk2"/>
-                </a:solidFill>
-              </a:rPr>
-              <a:t>Check index_2.htm</a:t>
-            </a:r>
-            <a:endParaRPr/>
-          </a:p>
-        </p:txBody>
-      </p:sp>
-    </p:spTree>
-  </p:cSld>
-  <p:clrMapOvr>
-    <a:masterClrMapping/>
-  </p:clrMapOvr>
-</p:sld>
-</file>
-
-<file path=ppt/slides/slide16.xml><?xml version="1.0" encoding="utf-8"?>
-<p:sld xmlns:a="http://schemas.openxmlformats.org/drawingml/2006/main" xmlns:r="http://schemas.openxmlformats.org/officeDocument/2006/relationships" xmlns:mc="http://schemas.openxmlformats.org/markup-compatibility/2006" xmlns:mv="urn:schemas-microsoft-com:mac:vml" xmlns:p="http://schemas.openxmlformats.org/presentationml/2006/main" xmlns:c="http://schemas.openxmlformats.org/drawingml/2006/chart" xmlns:dgm="http://schemas.openxmlformats.org/drawingml/2006/diagram" xmlns:o="urn:schemas-microsoft-com:office:office" xmlns:v="urn:schemas-microsoft-com:vml" xmlns:pvml="urn:schemas-microsoft-com:office:powerpoint" xmlns:com="http://schemas.openxmlformats.org/drawingml/2006/compatibility" xmlns:p14="http://schemas.microsoft.com/office/powerpoint/2010/main" xmlns:p15="http://schemas.microsoft.com/office/powerpoint/2012/main">
-  <p:cSld>
-    <p:spTree>
-      <p:nvGrpSpPr>
-        <p:cNvPr id="195" name="Shape 195"/>
-        <p:cNvGrpSpPr/>
-        <p:nvPr/>
-      </p:nvGrpSpPr>
-      <p:grpSpPr>
-        <a:xfrm>
-          <a:off x="0" y="0"/>
-          <a:ext cx="0" cy="0"/>
-          <a:chOff x="0" y="0"/>
-          <a:chExt cx="0" cy="0"/>
-        </a:xfrm>
-      </p:grpSpPr>
-      <p:sp>
-        <p:nvSpPr>
-          <p:cNvPr id="196" name="Google Shape;196;p28"/>
-          <p:cNvSpPr txBox="1"/>
-          <p:nvPr>
-            <p:ph type="title"/>
-          </p:nvPr>
-        </p:nvSpPr>
-        <p:spPr>
-          <a:xfrm>
-            <a:off x="311700" y="445025"/>
-            <a:ext cx="8520600" cy="572700"/>
-          </a:xfrm>
-          <a:prstGeom prst="rect">
-            <a:avLst/>
-          </a:prstGeom>
-        </p:spPr>
-        <p:txBody>
-          <a:bodyPr anchorCtr="0" anchor="t" bIns="91425" lIns="91425" spcFirstLastPara="1" rIns="91425" wrap="square" tIns="91425">
-            <a:noAutofit/>
-          </a:bodyPr>
-          <a:lstStyle/>
-          <a:p>
-            <a:pPr indent="0" lvl="0" marL="0" rtl="0" algn="l">
-              <a:lnSpc>
-                <a:spcPct val="115000"/>
-              </a:lnSpc>
-              <a:spcBef>
-                <a:spcPts val="0"/>
-              </a:spcBef>
-              <a:spcAft>
-                <a:spcPts val="0"/>
-              </a:spcAft>
-              <a:buClr>
-                <a:schemeClr val="dk1"/>
-              </a:buClr>
-              <a:buSzPts val="1100"/>
-              <a:buFont typeface="Arial"/>
-              <a:buNone/>
-            </a:pPr>
-            <a:r>
-              <a:rPr lang="en" sz="1800">
-                <a:solidFill>
-                  <a:schemeClr val="dk2"/>
-                </a:solidFill>
-              </a:rPr>
-              <a:t>Building step by step a bar-graph with color transition II part 2</a:t>
-            </a:r>
-            <a:endParaRPr sz="1800">
-              <a:solidFill>
-                <a:schemeClr val="dk2"/>
-              </a:solidFill>
-            </a:endParaRPr>
-          </a:p>
-          <a:p>
-            <a:pPr indent="0" lvl="0" marL="0" rtl="0" algn="l">
-              <a:spcBef>
-                <a:spcPts val="1600"/>
-              </a:spcBef>
-              <a:spcAft>
-                <a:spcPts val="0"/>
-              </a:spcAft>
-              <a:buNone/>
-            </a:pPr>
-            <a:r>
-              <a:t/>
-            </a:r>
-            <a:endParaRPr/>
-          </a:p>
-        </p:txBody>
-      </p:sp>
-      <p:sp>
-        <p:nvSpPr>
-          <p:cNvPr id="197" name="Google Shape;197;p28"/>
-          <p:cNvSpPr txBox="1"/>
-          <p:nvPr>
-            <p:ph idx="1" type="body"/>
-          </p:nvPr>
-        </p:nvSpPr>
-        <p:spPr>
-          <a:xfrm>
-            <a:off x="311700" y="1152475"/>
-            <a:ext cx="8738100" cy="3730500"/>
-          </a:xfrm>
-          <a:prstGeom prst="rect">
-            <a:avLst/>
-          </a:prstGeom>
-        </p:spPr>
-        <p:txBody>
-          <a:bodyPr anchorCtr="0" anchor="t" bIns="91425" lIns="91425" spcFirstLastPara="1" rIns="91425" wrap="square" tIns="91425">
-            <a:noAutofit/>
-          </a:bodyPr>
-          <a:lstStyle/>
-          <a:p>
-            <a:pPr indent="0" lvl="0" marL="0" rtl="0" algn="l">
-              <a:spcBef>
-                <a:spcPts val="0"/>
-              </a:spcBef>
-              <a:spcAft>
-                <a:spcPts val="0"/>
-              </a:spcAft>
-              <a:buNone/>
-            </a:pPr>
-            <a:r>
-              <a:rPr lang="en" sz="1200">
-                <a:latin typeface="Consolas"/>
-                <a:ea typeface="Consolas"/>
-                <a:cs typeface="Consolas"/>
-                <a:sym typeface="Consolas"/>
-              </a:rPr>
-              <a:t>// Scale the range of the data in the domains</a:t>
-            </a:r>
-            <a:br>
-              <a:rPr lang="en" sz="1200">
-                <a:latin typeface="Consolas"/>
-                <a:ea typeface="Consolas"/>
-                <a:cs typeface="Consolas"/>
-                <a:sym typeface="Consolas"/>
-              </a:rPr>
-            </a:br>
-            <a:r>
-              <a:rPr lang="en" sz="1200">
-                <a:latin typeface="Consolas"/>
-                <a:ea typeface="Consolas"/>
-                <a:cs typeface="Consolas"/>
-                <a:sym typeface="Consolas"/>
-              </a:rPr>
-              <a:t>	x.domain(data.map(function(d) { return d.date; }));</a:t>
-            </a:r>
-            <a:br>
-              <a:rPr lang="en" sz="1200">
-                <a:latin typeface="Consolas"/>
-                <a:ea typeface="Consolas"/>
-                <a:cs typeface="Consolas"/>
-                <a:sym typeface="Consolas"/>
-              </a:rPr>
-            </a:br>
-            <a:r>
-              <a:rPr lang="en" sz="1200">
-                <a:latin typeface="Consolas"/>
-                <a:ea typeface="Consolas"/>
-                <a:cs typeface="Consolas"/>
-                <a:sym typeface="Consolas"/>
-              </a:rPr>
-              <a:t>	y.domain([0, d3.max(data, function(d) { return d["Cumulative Confirmed"]; })]);</a:t>
-            </a:r>
-            <a:br>
-              <a:rPr lang="en" sz="1200">
-                <a:latin typeface="Consolas"/>
-                <a:ea typeface="Consolas"/>
-                <a:cs typeface="Consolas"/>
-                <a:sym typeface="Consolas"/>
-              </a:rPr>
-            </a:br>
-            <a:r>
-              <a:rPr lang="en" sz="1200">
-                <a:latin typeface="Consolas"/>
-                <a:ea typeface="Consolas"/>
-                <a:cs typeface="Consolas"/>
-                <a:sym typeface="Consolas"/>
-              </a:rPr>
-              <a:t>// append the rectangles for the bar chart</a:t>
-            </a:r>
-            <a:br>
-              <a:rPr lang="en" sz="1200">
-                <a:latin typeface="Consolas"/>
-                <a:ea typeface="Consolas"/>
-                <a:cs typeface="Consolas"/>
-                <a:sym typeface="Consolas"/>
-              </a:rPr>
-            </a:br>
-            <a:r>
-              <a:rPr lang="en" sz="1200">
-                <a:latin typeface="Consolas"/>
-                <a:ea typeface="Consolas"/>
-                <a:cs typeface="Consolas"/>
-                <a:sym typeface="Consolas"/>
-              </a:rPr>
-              <a:t>	svg.selectAll(".bar").data(data)</a:t>
-            </a:r>
-            <a:br>
-              <a:rPr lang="en" sz="1200">
-                <a:latin typeface="Consolas"/>
-                <a:ea typeface="Consolas"/>
-                <a:cs typeface="Consolas"/>
-                <a:sym typeface="Consolas"/>
-              </a:rPr>
-            </a:br>
-            <a:r>
-              <a:rPr lang="en" sz="1200">
-                <a:latin typeface="Consolas"/>
-                <a:ea typeface="Consolas"/>
-                <a:cs typeface="Consolas"/>
-                <a:sym typeface="Consolas"/>
-              </a:rPr>
-              <a:t>	.enter().append("rect")</a:t>
-            </a:r>
-            <a:br>
-              <a:rPr lang="en" sz="1200">
-                <a:latin typeface="Consolas"/>
-                <a:ea typeface="Consolas"/>
-                <a:cs typeface="Consolas"/>
-                <a:sym typeface="Consolas"/>
-              </a:rPr>
-            </a:br>
-            <a:r>
-              <a:rPr lang="en" sz="1200">
-                <a:latin typeface="Consolas"/>
-                <a:ea typeface="Consolas"/>
-                <a:cs typeface="Consolas"/>
-                <a:sym typeface="Consolas"/>
-              </a:rPr>
-              <a:t>	.attr("class", "bar")</a:t>
-            </a:r>
-            <a:br>
-              <a:rPr lang="en" sz="1200">
-                <a:latin typeface="Consolas"/>
-                <a:ea typeface="Consolas"/>
-                <a:cs typeface="Consolas"/>
-                <a:sym typeface="Consolas"/>
-              </a:rPr>
-            </a:br>
-            <a:r>
-              <a:rPr lang="en" sz="1200">
-                <a:latin typeface="Consolas"/>
-                <a:ea typeface="Consolas"/>
-                <a:cs typeface="Consolas"/>
-                <a:sym typeface="Consolas"/>
-              </a:rPr>
-              <a:t>	.style("fill", 'lime')</a:t>
-            </a:r>
-            <a:br>
-              <a:rPr lang="en" sz="1200">
-                <a:latin typeface="Consolas"/>
-                <a:ea typeface="Consolas"/>
-                <a:cs typeface="Consolas"/>
-                <a:sym typeface="Consolas"/>
-              </a:rPr>
-            </a:br>
-            <a:r>
-              <a:rPr lang="en" sz="1200">
-                <a:latin typeface="Consolas"/>
-                <a:ea typeface="Consolas"/>
-                <a:cs typeface="Consolas"/>
-                <a:sym typeface="Consolas"/>
-              </a:rPr>
-              <a:t>	.attr("x", function(d) { return x(d.date); }).attr("width", 10)</a:t>
-            </a:r>
-            <a:br>
-              <a:rPr lang="en" sz="1200">
-                <a:latin typeface="Consolas"/>
-                <a:ea typeface="Consolas"/>
-                <a:cs typeface="Consolas"/>
-                <a:sym typeface="Consolas"/>
-              </a:rPr>
-            </a:br>
-            <a:r>
-              <a:rPr lang="en" sz="1200">
-                <a:latin typeface="Consolas"/>
-                <a:ea typeface="Consolas"/>
-                <a:cs typeface="Consolas"/>
-                <a:sym typeface="Consolas"/>
-              </a:rPr>
-              <a:t>	.attr("y", function(d) { return y(d["Cumulative Confirmed"]); })</a:t>
-            </a:r>
-            <a:br>
-              <a:rPr lang="en" sz="1200">
-                <a:latin typeface="Consolas"/>
-                <a:ea typeface="Consolas"/>
-                <a:cs typeface="Consolas"/>
-                <a:sym typeface="Consolas"/>
-              </a:rPr>
-            </a:br>
-            <a:r>
-              <a:rPr lang="en" sz="1200">
-                <a:latin typeface="Consolas"/>
-                <a:ea typeface="Consolas"/>
-                <a:cs typeface="Consolas"/>
-                <a:sym typeface="Consolas"/>
-              </a:rPr>
-              <a:t>	.attr("height", function(d) { return height - y(d["Cumulative Confirmed"]); });</a:t>
-            </a:r>
-            <a:br>
-              <a:rPr lang="en" sz="1200">
-                <a:latin typeface="Consolas"/>
-                <a:ea typeface="Consolas"/>
-                <a:cs typeface="Consolas"/>
-                <a:sym typeface="Consolas"/>
-              </a:rPr>
-            </a:br>
-            <a:r>
-              <a:rPr lang="en" sz="1200">
-                <a:latin typeface="Consolas"/>
-                <a:ea typeface="Consolas"/>
-                <a:cs typeface="Consolas"/>
-                <a:sym typeface="Consolas"/>
-              </a:rPr>
-              <a:t>// Axis labels and titles </a:t>
-            </a:r>
-            <a:br>
-              <a:rPr lang="en" sz="1200">
-                <a:latin typeface="Consolas"/>
-                <a:ea typeface="Consolas"/>
-                <a:cs typeface="Consolas"/>
-                <a:sym typeface="Consolas"/>
-              </a:rPr>
-            </a:br>
-            <a:r>
-              <a:rPr lang="en" sz="1200">
-                <a:latin typeface="Consolas"/>
-                <a:ea typeface="Consolas"/>
-                <a:cs typeface="Consolas"/>
-                <a:sym typeface="Consolas"/>
-              </a:rPr>
-              <a:t>	svg.append("g").attr("class", "x axis")</a:t>
-            </a:r>
-            <a:br>
-              <a:rPr lang="en" sz="1200">
-                <a:latin typeface="Consolas"/>
-                <a:ea typeface="Consolas"/>
-                <a:cs typeface="Consolas"/>
-                <a:sym typeface="Consolas"/>
-              </a:rPr>
-            </a:br>
-            <a:r>
-              <a:rPr lang="en" sz="1200">
-                <a:latin typeface="Consolas"/>
-                <a:ea typeface="Consolas"/>
-                <a:cs typeface="Consolas"/>
-                <a:sym typeface="Consolas"/>
-              </a:rPr>
-              <a:t>	.attr("transform", "translate(0," + height + ")").call(xAxis).selectAll("text")</a:t>
-            </a:r>
-            <a:br>
-              <a:rPr lang="en" sz="1200">
-                <a:latin typeface="Consolas"/>
-                <a:ea typeface="Consolas"/>
-                <a:cs typeface="Consolas"/>
-                <a:sym typeface="Consolas"/>
-              </a:rPr>
-            </a:br>
-            <a:r>
-              <a:rPr lang="en" sz="1200">
-                <a:latin typeface="Consolas"/>
-                <a:ea typeface="Consolas"/>
-                <a:cs typeface="Consolas"/>
-                <a:sym typeface="Consolas"/>
-              </a:rPr>
-              <a:t>	.style("text-anchor", "end").attr("dx", "-.8em").attr("dy", "-.55em")</a:t>
-            </a:r>
-            <a:br>
-              <a:rPr lang="en" sz="1200">
-                <a:latin typeface="Consolas"/>
-                <a:ea typeface="Consolas"/>
-                <a:cs typeface="Consolas"/>
-                <a:sym typeface="Consolas"/>
-              </a:rPr>
-            </a:br>
-            <a:r>
-              <a:rPr lang="en" sz="1200">
-                <a:latin typeface="Consolas"/>
-                <a:ea typeface="Consolas"/>
-                <a:cs typeface="Consolas"/>
-                <a:sym typeface="Consolas"/>
-              </a:rPr>
-              <a:t>	.attr("transform", "rotate(-90)" );</a:t>
-            </a:r>
-            <a:endParaRPr sz="1200">
-              <a:latin typeface="Consolas"/>
-              <a:ea typeface="Consolas"/>
-              <a:cs typeface="Consolas"/>
-              <a:sym typeface="Consolas"/>
-            </a:endParaRPr>
-          </a:p>
-          <a:p>
-            <a:pPr indent="0" lvl="0" marL="0" rtl="0" algn="l">
-              <a:spcBef>
-                <a:spcPts val="1600"/>
-              </a:spcBef>
-              <a:spcAft>
-                <a:spcPts val="0"/>
-              </a:spcAft>
-              <a:buNone/>
-            </a:pPr>
-            <a:r>
-              <a:t/>
-            </a:r>
-            <a:endParaRPr sz="1200">
-              <a:latin typeface="Consolas"/>
-              <a:ea typeface="Consolas"/>
-              <a:cs typeface="Consolas"/>
-              <a:sym typeface="Consolas"/>
-            </a:endParaRPr>
-          </a:p>
-          <a:p>
-            <a:pPr indent="0" lvl="0" marL="0" rtl="0" algn="l">
-              <a:spcBef>
-                <a:spcPts val="1600"/>
-              </a:spcBef>
-              <a:spcAft>
-                <a:spcPts val="1600"/>
-              </a:spcAft>
-              <a:buNone/>
-            </a:pPr>
-            <a:r>
-              <a:rPr lang="en" sz="1200">
-                <a:latin typeface="Consolas"/>
-                <a:ea typeface="Consolas"/>
-                <a:cs typeface="Consolas"/>
-                <a:sym typeface="Consolas"/>
-              </a:rPr>
-              <a:t>		  </a:t>
-            </a:r>
-            <a:endParaRPr sz="1200">
-              <a:latin typeface="Consolas"/>
-              <a:ea typeface="Consolas"/>
-              <a:cs typeface="Consolas"/>
-              <a:sym typeface="Consolas"/>
-            </a:endParaRPr>
-          </a:p>
-        </p:txBody>
-      </p:sp>
-    </p:spTree>
-  </p:cSld>
-  <p:clrMapOvr>
-    <a:masterClrMapping/>
-  </p:clrMapOvr>
-</p:sld>
-</file>
-
-<file path=ppt/slides/slide17.xml><?xml version="1.0" encoding="utf-8"?>
-<p:sld xmlns:a="http://schemas.openxmlformats.org/drawingml/2006/main" xmlns:r="http://schemas.openxmlformats.org/officeDocument/2006/relationships" xmlns:mc="http://schemas.openxmlformats.org/markup-compatibility/2006" xmlns:mv="urn:schemas-microsoft-com:mac:vml" xmlns:p="http://schemas.openxmlformats.org/presentationml/2006/main" xmlns:c="http://schemas.openxmlformats.org/drawingml/2006/chart" xmlns:dgm="http://schemas.openxmlformats.org/drawingml/2006/diagram" xmlns:o="urn:schemas-microsoft-com:office:office" xmlns:v="urn:schemas-microsoft-com:vml" xmlns:pvml="urn:schemas-microsoft-com:office:powerpoint" xmlns:com="http://schemas.openxmlformats.org/drawingml/2006/compatibility" xmlns:p14="http://schemas.microsoft.com/office/powerpoint/2010/main" xmlns:p15="http://schemas.microsoft.com/office/powerpoint/2012/main">
-  <p:cSld>
-    <p:spTree>
-      <p:nvGrpSpPr>
-        <p:cNvPr id="201" name="Shape 201"/>
-        <p:cNvGrpSpPr/>
-        <p:nvPr/>
-      </p:nvGrpSpPr>
-      <p:grpSpPr>
-        <a:xfrm>
-          <a:off x="0" y="0"/>
-          <a:ext cx="0" cy="0"/>
-          <a:chOff x="0" y="0"/>
-          <a:chExt cx="0" cy="0"/>
-        </a:xfrm>
-      </p:grpSpPr>
-      <p:sp>
-        <p:nvSpPr>
-          <p:cNvPr id="202" name="Google Shape;202;p29"/>
-          <p:cNvSpPr txBox="1"/>
-          <p:nvPr>
-            <p:ph type="title"/>
-          </p:nvPr>
-        </p:nvSpPr>
-        <p:spPr>
-          <a:xfrm>
-            <a:off x="311700" y="445025"/>
-            <a:ext cx="8520600" cy="572700"/>
-          </a:xfrm>
-          <a:prstGeom prst="rect">
-            <a:avLst/>
-          </a:prstGeom>
-        </p:spPr>
-        <p:txBody>
-          <a:bodyPr anchorCtr="0" anchor="t" bIns="91425" lIns="91425" spcFirstLastPara="1" rIns="91425" wrap="square" tIns="91425">
-            <a:noAutofit/>
-          </a:bodyPr>
-          <a:lstStyle/>
-          <a:p>
-            <a:pPr indent="0" lvl="0" marL="0" rtl="0" algn="l">
-              <a:lnSpc>
-                <a:spcPct val="115000"/>
-              </a:lnSpc>
-              <a:spcBef>
-                <a:spcPts val="0"/>
-              </a:spcBef>
-              <a:spcAft>
-                <a:spcPts val="0"/>
-              </a:spcAft>
-              <a:buClr>
-                <a:schemeClr val="dk1"/>
-              </a:buClr>
-              <a:buSzPts val="1100"/>
-              <a:buFont typeface="Arial"/>
-              <a:buNone/>
-            </a:pPr>
-            <a:r>
-              <a:rPr lang="en" sz="1800">
-                <a:solidFill>
-                  <a:schemeClr val="dk2"/>
-                </a:solidFill>
-              </a:rPr>
-              <a:t>Building step by step a bar-graph with color transition III 1</a:t>
-            </a:r>
-            <a:endParaRPr sz="1800">
-              <a:solidFill>
-                <a:schemeClr val="dk2"/>
-              </a:solidFill>
-            </a:endParaRPr>
-          </a:p>
-          <a:p>
-            <a:pPr indent="0" lvl="0" marL="0" rtl="0" algn="l">
-              <a:spcBef>
-                <a:spcPts val="1600"/>
-              </a:spcBef>
-              <a:spcAft>
-                <a:spcPts val="0"/>
-              </a:spcAft>
-              <a:buNone/>
-            </a:pPr>
-            <a:r>
-              <a:t/>
-            </a:r>
-            <a:endParaRPr/>
-          </a:p>
-        </p:txBody>
-      </p:sp>
-      <p:sp>
-        <p:nvSpPr>
-          <p:cNvPr id="203" name="Google Shape;203;p29"/>
-          <p:cNvSpPr txBox="1"/>
-          <p:nvPr>
-            <p:ph idx="1" type="body"/>
-          </p:nvPr>
-        </p:nvSpPr>
-        <p:spPr>
-          <a:xfrm>
-            <a:off x="311700" y="1152475"/>
-            <a:ext cx="8520600" cy="3416400"/>
-          </a:xfrm>
-          <a:prstGeom prst="rect">
-            <a:avLst/>
-          </a:prstGeom>
-        </p:spPr>
-        <p:txBody>
-          <a:bodyPr anchorCtr="0" anchor="t" bIns="91425" lIns="91425" spcFirstLastPara="1" rIns="91425" wrap="square" tIns="91425">
-            <a:noAutofit/>
-          </a:bodyPr>
-          <a:lstStyle/>
-          <a:p>
-            <a:pPr indent="0" lvl="0" marL="0" rtl="0" algn="l">
-              <a:spcBef>
-                <a:spcPts val="0"/>
-              </a:spcBef>
-              <a:spcAft>
-                <a:spcPts val="0"/>
-              </a:spcAft>
-              <a:buNone/>
-            </a:pPr>
-            <a:r>
-              <a:rPr lang="en"/>
-              <a:t>A </a:t>
-            </a:r>
-            <a:r>
-              <a:rPr lang="en"/>
-              <a:t>(very simple) </a:t>
-            </a:r>
-            <a:r>
-              <a:rPr lang="en"/>
-              <a:t>transition example </a:t>
-            </a:r>
-            <a:endParaRPr/>
-          </a:p>
-          <a:p>
-            <a:pPr indent="0" lvl="0" marL="0" rtl="0" algn="l">
-              <a:spcBef>
-                <a:spcPts val="1600"/>
-              </a:spcBef>
-              <a:spcAft>
-                <a:spcPts val="0"/>
-              </a:spcAft>
-              <a:buNone/>
-            </a:pPr>
-            <a:r>
-              <a:t/>
-            </a:r>
-            <a:endParaRPr/>
-          </a:p>
-          <a:p>
-            <a:pPr indent="0" lvl="0" marL="0" rtl="0" algn="l">
-              <a:spcBef>
-                <a:spcPts val="1600"/>
-              </a:spcBef>
-              <a:spcAft>
-                <a:spcPts val="0"/>
-              </a:spcAft>
-              <a:buNone/>
-            </a:pPr>
-            <a:r>
-              <a:rPr lang="en"/>
-              <a:t>We download two different data set</a:t>
-            </a:r>
-            <a:br>
-              <a:rPr lang="en"/>
-            </a:br>
-            <a:r>
-              <a:rPr lang="en" sz="1200">
-                <a:latin typeface="Consolas"/>
-                <a:ea typeface="Consolas"/>
-                <a:cs typeface="Consolas"/>
-                <a:sym typeface="Consolas"/>
-              </a:rPr>
-              <a:t>let data = await d3.csv("https://claudiotubertini.github.io/WHOmanities/covid_italy.csv")	</a:t>
-            </a:r>
-            <a:endParaRPr sz="1200">
-              <a:latin typeface="Consolas"/>
-              <a:ea typeface="Consolas"/>
-              <a:cs typeface="Consolas"/>
-              <a:sym typeface="Consolas"/>
-            </a:endParaRPr>
-          </a:p>
-          <a:p>
-            <a:pPr indent="0" lvl="0" marL="0" rtl="0" algn="l">
-              <a:spcBef>
-                <a:spcPts val="1600"/>
-              </a:spcBef>
-              <a:spcAft>
-                <a:spcPts val="0"/>
-              </a:spcAft>
-              <a:buNone/>
-            </a:pPr>
-            <a:r>
-              <a:rPr lang="en" sz="1200">
-                <a:latin typeface="Consolas"/>
-                <a:ea typeface="Consolas"/>
-                <a:cs typeface="Consolas"/>
-                <a:sym typeface="Consolas"/>
-              </a:rPr>
-              <a:t>let data2 = await d3.csv("https://claudiotubertini.github.io/WHOmanities/covid_germany.csv")</a:t>
-            </a:r>
-            <a:endParaRPr sz="1200">
-              <a:latin typeface="Consolas"/>
-              <a:ea typeface="Consolas"/>
-              <a:cs typeface="Consolas"/>
-              <a:sym typeface="Consolas"/>
-            </a:endParaRPr>
-          </a:p>
-          <a:p>
-            <a:pPr indent="0" lvl="0" marL="0" rtl="0" algn="l">
-              <a:spcBef>
-                <a:spcPts val="1600"/>
-              </a:spcBef>
-              <a:spcAft>
-                <a:spcPts val="1600"/>
-              </a:spcAft>
-              <a:buNone/>
-            </a:pPr>
-            <a:r>
-              <a:t/>
-            </a:r>
-            <a:endParaRPr sz="1200">
-              <a:latin typeface="Consolas"/>
-              <a:ea typeface="Consolas"/>
-              <a:cs typeface="Consolas"/>
-              <a:sym typeface="Consolas"/>
-            </a:endParaRPr>
-          </a:p>
-        </p:txBody>
-      </p:sp>
-      <p:sp>
-        <p:nvSpPr>
-          <p:cNvPr id="204" name="Google Shape;204;p29"/>
-          <p:cNvSpPr txBox="1"/>
-          <p:nvPr/>
-        </p:nvSpPr>
-        <p:spPr>
-          <a:xfrm>
-            <a:off x="6575875" y="1106825"/>
-            <a:ext cx="2317800" cy="455700"/>
-          </a:xfrm>
-          <a:prstGeom prst="rect">
-            <a:avLst/>
-          </a:prstGeom>
-          <a:noFill/>
-          <a:ln cap="flat" cmpd="sng" w="19050">
-            <a:solidFill>
-              <a:srgbClr val="000000"/>
-            </a:solidFill>
-            <a:prstDash val="solid"/>
-            <a:round/>
-            <a:headEnd len="sm" w="sm" type="none"/>
-            <a:tailEnd len="sm" w="sm" type="none"/>
-          </a:ln>
-        </p:spPr>
-        <p:txBody>
-          <a:bodyPr anchorCtr="0" anchor="t" bIns="91425" lIns="91425" spcFirstLastPara="1" rIns="91425" wrap="square" tIns="91425">
-            <a:noAutofit/>
-          </a:bodyPr>
-          <a:lstStyle/>
-          <a:p>
-            <a:pPr indent="0" lvl="0" marL="0" rtl="0" algn="l">
-              <a:spcBef>
-                <a:spcPts val="0"/>
-              </a:spcBef>
-              <a:spcAft>
-                <a:spcPts val="0"/>
-              </a:spcAft>
-              <a:buNone/>
-            </a:pPr>
-            <a:r>
-              <a:rPr lang="en" sz="1800"/>
-              <a:t>Check index_3.html</a:t>
-            </a:r>
-            <a:endParaRPr sz="1800"/>
-          </a:p>
-        </p:txBody>
-      </p:sp>
-    </p:spTree>
-  </p:cSld>
-  <p:clrMapOvr>
-    <a:masterClrMapping/>
-  </p:clrMapOvr>
-</p:sld>
-</file>
-
-<file path=ppt/slides/slide18.xml><?xml version="1.0" encoding="utf-8"?>
-<p:sld xmlns:a="http://schemas.openxmlformats.org/drawingml/2006/main" xmlns:r="http://schemas.openxmlformats.org/officeDocument/2006/relationships" xmlns:mc="http://schemas.openxmlformats.org/markup-compatibility/2006" xmlns:mv="urn:schemas-microsoft-com:mac:vml" xmlns:p="http://schemas.openxmlformats.org/presentationml/2006/main" xmlns:c="http://schemas.openxmlformats.org/drawingml/2006/chart" xmlns:dgm="http://schemas.openxmlformats.org/drawingml/2006/diagram" xmlns:o="urn:schemas-microsoft-com:office:office" xmlns:v="urn:schemas-microsoft-com:vml" xmlns:pvml="urn:schemas-microsoft-com:office:powerpoint" xmlns:com="http://schemas.openxmlformats.org/drawingml/2006/compatibility" xmlns:p14="http://schemas.microsoft.com/office/powerpoint/2010/main" xmlns:p15="http://schemas.microsoft.com/office/powerpoint/2012/main">
-  <p:cSld>
-    <p:spTree>
-      <p:nvGrpSpPr>
-        <p:cNvPr id="208" name="Shape 208"/>
-        <p:cNvGrpSpPr/>
-        <p:nvPr/>
-      </p:nvGrpSpPr>
-      <p:grpSpPr>
-        <a:xfrm>
-          <a:off x="0" y="0"/>
-          <a:ext cx="0" cy="0"/>
-          <a:chOff x="0" y="0"/>
-          <a:chExt cx="0" cy="0"/>
-        </a:xfrm>
-      </p:grpSpPr>
-      <p:sp>
-        <p:nvSpPr>
-          <p:cNvPr id="209" name="Google Shape;209;p30"/>
-          <p:cNvSpPr txBox="1"/>
-          <p:nvPr>
-            <p:ph type="title"/>
-          </p:nvPr>
-        </p:nvSpPr>
-        <p:spPr>
-          <a:xfrm>
-            <a:off x="311700" y="445025"/>
-            <a:ext cx="8520600" cy="572700"/>
-          </a:xfrm>
-          <a:prstGeom prst="rect">
-            <a:avLst/>
-          </a:prstGeom>
-        </p:spPr>
-        <p:txBody>
-          <a:bodyPr anchorCtr="0" anchor="t" bIns="91425" lIns="91425" spcFirstLastPara="1" rIns="91425" wrap="square" tIns="91425">
-            <a:noAutofit/>
-          </a:bodyPr>
-          <a:lstStyle/>
-          <a:p>
-            <a:pPr indent="0" lvl="0" marL="0" rtl="0" algn="l">
-              <a:lnSpc>
-                <a:spcPct val="115000"/>
-              </a:lnSpc>
-              <a:spcBef>
-                <a:spcPts val="0"/>
-              </a:spcBef>
-              <a:spcAft>
-                <a:spcPts val="1600"/>
-              </a:spcAft>
-              <a:buClr>
-                <a:schemeClr val="dk1"/>
-              </a:buClr>
-              <a:buSzPts val="1100"/>
-              <a:buFont typeface="Arial"/>
-              <a:buNone/>
-            </a:pPr>
-            <a:r>
-              <a:rPr lang="en" sz="1800">
-                <a:solidFill>
-                  <a:schemeClr val="dk2"/>
-                </a:solidFill>
-              </a:rPr>
-              <a:t>Building step by step a bar-graph with color transition III 2</a:t>
-            </a:r>
-            <a:endParaRPr/>
-          </a:p>
-        </p:txBody>
-      </p:sp>
-      <p:sp>
-        <p:nvSpPr>
-          <p:cNvPr id="210" name="Google Shape;210;p30"/>
-          <p:cNvSpPr txBox="1"/>
-          <p:nvPr>
-            <p:ph idx="1" type="body"/>
-          </p:nvPr>
-        </p:nvSpPr>
-        <p:spPr>
-          <a:xfrm>
-            <a:off x="311700" y="1152475"/>
-            <a:ext cx="8520600" cy="3416400"/>
-          </a:xfrm>
-          <a:prstGeom prst="rect">
-            <a:avLst/>
-          </a:prstGeom>
-        </p:spPr>
-        <p:txBody>
-          <a:bodyPr anchorCtr="0" anchor="t" bIns="91425" lIns="91425" spcFirstLastPara="1" rIns="91425" wrap="square" tIns="91425">
-            <a:noAutofit/>
-          </a:bodyPr>
-          <a:lstStyle/>
-          <a:p>
-            <a:pPr indent="0" lvl="0" marL="0" rtl="0" algn="l">
-              <a:spcBef>
-                <a:spcPts val="0"/>
-              </a:spcBef>
-              <a:spcAft>
-                <a:spcPts val="0"/>
-              </a:spcAft>
-              <a:buClr>
-                <a:schemeClr val="dk1"/>
-              </a:buClr>
-              <a:buSzPts val="1100"/>
-              <a:buFont typeface="Arial"/>
-              <a:buNone/>
-            </a:pPr>
-            <a:r>
-              <a:rPr lang="en"/>
-              <a:t>We create an onclick event on the svg</a:t>
-            </a:r>
-            <a:endParaRPr sz="2400"/>
-          </a:p>
-          <a:p>
-            <a:pPr indent="0" lvl="0" marL="0" rtl="0" algn="l">
-              <a:spcBef>
-                <a:spcPts val="1600"/>
-              </a:spcBef>
-              <a:spcAft>
-                <a:spcPts val="0"/>
-              </a:spcAft>
-              <a:buClr>
-                <a:schemeClr val="dk1"/>
-              </a:buClr>
-              <a:buSzPts val="1100"/>
-              <a:buFont typeface="Arial"/>
-              <a:buNone/>
-            </a:pPr>
-            <a:r>
-              <a:rPr lang="en" sz="1200">
-                <a:latin typeface="Consolas"/>
-                <a:ea typeface="Consolas"/>
-                <a:cs typeface="Consolas"/>
-                <a:sym typeface="Consolas"/>
-              </a:rPr>
-              <a:t>svg.on( "click", function() {</a:t>
-            </a:r>
-            <a:br>
-              <a:rPr lang="en" sz="1200">
-                <a:latin typeface="Consolas"/>
-                <a:ea typeface="Consolas"/>
-                <a:cs typeface="Consolas"/>
-                <a:sym typeface="Consolas"/>
-              </a:rPr>
-            </a:br>
-            <a:r>
-              <a:rPr lang="en" sz="1200">
-                <a:latin typeface="Consolas"/>
-                <a:ea typeface="Consolas"/>
-                <a:cs typeface="Consolas"/>
-                <a:sym typeface="Consolas"/>
-              </a:rPr>
-              <a:t>	[ data, data2 ] = [ data2, data ];</a:t>
-            </a:r>
-            <a:br>
-              <a:rPr lang="en" sz="1200">
-                <a:latin typeface="Consolas"/>
-                <a:ea typeface="Consolas"/>
-                <a:cs typeface="Consolas"/>
-                <a:sym typeface="Consolas"/>
-              </a:rPr>
-            </a:br>
-            <a:r>
-              <a:rPr lang="en" sz="1200">
-                <a:latin typeface="Consolas"/>
-                <a:ea typeface="Consolas"/>
-                <a:cs typeface="Consolas"/>
-                <a:sym typeface="Consolas"/>
-              </a:rPr>
-              <a:t>	mycolor = (mycolor == "steelblue")? "lime" : "steelblue";</a:t>
-            </a:r>
-            <a:br>
-              <a:rPr lang="en" sz="1200">
-                <a:latin typeface="Consolas"/>
-                <a:ea typeface="Consolas"/>
-                <a:cs typeface="Consolas"/>
-                <a:sym typeface="Consolas"/>
-              </a:rPr>
-            </a:br>
-            <a:r>
-              <a:rPr lang="en" sz="1200">
-                <a:latin typeface="Consolas"/>
-                <a:ea typeface="Consolas"/>
-                <a:cs typeface="Consolas"/>
-                <a:sym typeface="Consolas"/>
-              </a:rPr>
-              <a:t>	svg.selectAll(".bar").data(data)</a:t>
-            </a:r>
-            <a:br>
-              <a:rPr lang="en" sz="1200">
-                <a:latin typeface="Consolas"/>
-                <a:ea typeface="Consolas"/>
-                <a:cs typeface="Consolas"/>
-                <a:sym typeface="Consolas"/>
-              </a:rPr>
-            </a:br>
-            <a:r>
-              <a:rPr lang="en" sz="1200">
-                <a:latin typeface="Consolas"/>
-                <a:ea typeface="Consolas"/>
-                <a:cs typeface="Consolas"/>
-                <a:sym typeface="Consolas"/>
-              </a:rPr>
-              <a:t>	.transition().duration( 1000 ).delay( (d,i)=&gt;100*i )</a:t>
-            </a:r>
-            <a:br>
-              <a:rPr lang="en" sz="1200">
-                <a:latin typeface="Consolas"/>
-                <a:ea typeface="Consolas"/>
-                <a:cs typeface="Consolas"/>
-                <a:sym typeface="Consolas"/>
-              </a:rPr>
-            </a:br>
-            <a:r>
-              <a:rPr lang="en" sz="1200">
-                <a:latin typeface="Consolas"/>
-                <a:ea typeface="Consolas"/>
-                <a:cs typeface="Consolas"/>
-                <a:sym typeface="Consolas"/>
-              </a:rPr>
-              <a:t>	.style("fill", mycolor)</a:t>
-            </a:r>
-            <a:br>
-              <a:rPr lang="en" sz="1200">
-                <a:latin typeface="Consolas"/>
-                <a:ea typeface="Consolas"/>
-                <a:cs typeface="Consolas"/>
-                <a:sym typeface="Consolas"/>
-              </a:rPr>
-            </a:br>
-            <a:r>
-              <a:rPr lang="en" sz="1200">
-                <a:latin typeface="Consolas"/>
-                <a:ea typeface="Consolas"/>
-                <a:cs typeface="Consolas"/>
-                <a:sym typeface="Consolas"/>
-              </a:rPr>
-              <a:t>	.attr("x", function(d) { return x(d.date); })</a:t>
-            </a:r>
-            <a:br>
-              <a:rPr lang="en" sz="1200">
-                <a:latin typeface="Consolas"/>
-                <a:ea typeface="Consolas"/>
-                <a:cs typeface="Consolas"/>
-                <a:sym typeface="Consolas"/>
-              </a:rPr>
-            </a:br>
-            <a:r>
-              <a:rPr lang="en" sz="1200">
-                <a:latin typeface="Consolas"/>
-                <a:ea typeface="Consolas"/>
-                <a:cs typeface="Consolas"/>
-                <a:sym typeface="Consolas"/>
-              </a:rPr>
-              <a:t>	.attr("width", 10)</a:t>
-            </a:r>
-            <a:br>
-              <a:rPr lang="en" sz="1200">
-                <a:latin typeface="Consolas"/>
-                <a:ea typeface="Consolas"/>
-                <a:cs typeface="Consolas"/>
-                <a:sym typeface="Consolas"/>
-              </a:rPr>
-            </a:br>
-            <a:r>
-              <a:rPr lang="en" sz="1200">
-                <a:latin typeface="Consolas"/>
-                <a:ea typeface="Consolas"/>
-                <a:cs typeface="Consolas"/>
-                <a:sym typeface="Consolas"/>
-              </a:rPr>
-              <a:t>	.attr("y", function(d) { return y(d["Cumulative Confirmed"]); })</a:t>
-            </a:r>
-            <a:br>
-              <a:rPr lang="en" sz="1200">
-                <a:latin typeface="Consolas"/>
-                <a:ea typeface="Consolas"/>
-                <a:cs typeface="Consolas"/>
-                <a:sym typeface="Consolas"/>
-              </a:rPr>
-            </a:br>
-            <a:r>
-              <a:rPr lang="en" sz="1200">
-                <a:latin typeface="Consolas"/>
-                <a:ea typeface="Consolas"/>
-                <a:cs typeface="Consolas"/>
-                <a:sym typeface="Consolas"/>
-              </a:rPr>
-              <a:t>	.attr("height", function(d) { return height - y(d["Cumulative Confirmed"]); });</a:t>
-            </a:r>
-            <a:br>
-              <a:rPr lang="en" sz="1200">
-                <a:latin typeface="Consolas"/>
-                <a:ea typeface="Consolas"/>
-                <a:cs typeface="Consolas"/>
-                <a:sym typeface="Consolas"/>
-              </a:rPr>
-            </a:br>
-            <a:r>
-              <a:rPr lang="en" sz="1200">
-                <a:latin typeface="Consolas"/>
-                <a:ea typeface="Consolas"/>
-                <a:cs typeface="Consolas"/>
-                <a:sym typeface="Consolas"/>
-              </a:rPr>
-              <a:t>	});</a:t>
-            </a:r>
-            <a:endParaRPr sz="1200">
-              <a:latin typeface="Consolas"/>
-              <a:ea typeface="Consolas"/>
-              <a:cs typeface="Consolas"/>
-              <a:sym typeface="Consolas"/>
-            </a:endParaRPr>
-          </a:p>
-          <a:p>
-            <a:pPr indent="0" lvl="0" marL="0" rtl="0" algn="l">
-              <a:spcBef>
-                <a:spcPts val="1600"/>
-              </a:spcBef>
-              <a:spcAft>
-                <a:spcPts val="0"/>
-              </a:spcAft>
-              <a:buClr>
-                <a:schemeClr val="dk1"/>
-              </a:buClr>
-              <a:buSzPts val="1100"/>
-              <a:buFont typeface="Arial"/>
-              <a:buNone/>
-            </a:pPr>
-            <a:r>
-              <a:t/>
-            </a:r>
-            <a:endParaRPr sz="1200">
-              <a:latin typeface="Consolas"/>
-              <a:ea typeface="Consolas"/>
-              <a:cs typeface="Consolas"/>
-              <a:sym typeface="Consolas"/>
-            </a:endParaRPr>
-          </a:p>
-          <a:p>
-            <a:pPr indent="0" lvl="0" marL="0" rtl="0" algn="l">
-              <a:spcBef>
-                <a:spcPts val="1600"/>
-              </a:spcBef>
-              <a:spcAft>
-                <a:spcPts val="1600"/>
-              </a:spcAft>
-              <a:buNone/>
-            </a:pPr>
-            <a:r>
-              <a:t/>
-            </a:r>
-            <a:endParaRPr/>
-          </a:p>
-        </p:txBody>
-      </p:sp>
-    </p:spTree>
-  </p:cSld>
-  <p:clrMapOvr>
-    <a:masterClrMapping/>
-  </p:clrMapOvr>
-</p:sld>
-</file>
-
-<file path=ppt/slides/slide19.xml><?xml version="1.0" encoding="utf-8"?>
-<p:sld xmlns:a="http://schemas.openxmlformats.org/drawingml/2006/main" xmlns:r="http://schemas.openxmlformats.org/officeDocument/2006/relationships" xmlns:mc="http://schemas.openxmlformats.org/markup-compatibility/2006" xmlns:mv="urn:schemas-microsoft-com:mac:vml" xmlns:p="http://schemas.openxmlformats.org/presentationml/2006/main" xmlns:c="http://schemas.openxmlformats.org/drawingml/2006/chart" xmlns:dgm="http://schemas.openxmlformats.org/drawingml/2006/diagram" xmlns:o="urn:schemas-microsoft-com:office:office" xmlns:v="urn:schemas-microsoft-com:vml" xmlns:pvml="urn:schemas-microsoft-com:office:powerpoint" xmlns:com="http://schemas.openxmlformats.org/drawingml/2006/compatibility" xmlns:p14="http://schemas.microsoft.com/office/powerpoint/2010/main" xmlns:p15="http://schemas.microsoft.com/office/powerpoint/2012/main">
-  <p:cSld>
-    <p:spTree>
-      <p:nvGrpSpPr>
-        <p:cNvPr id="214" name="Shape 214"/>
-        <p:cNvGrpSpPr/>
-        <p:nvPr/>
-      </p:nvGrpSpPr>
-      <p:grpSpPr>
-        <a:xfrm>
-          <a:off x="0" y="0"/>
-          <a:ext cx="0" cy="0"/>
-          <a:chOff x="0" y="0"/>
-          <a:chExt cx="0" cy="0"/>
-        </a:xfrm>
-      </p:grpSpPr>
-      <p:sp>
-        <p:nvSpPr>
-          <p:cNvPr id="215" name="Google Shape;215;p31"/>
-          <p:cNvSpPr txBox="1"/>
-          <p:nvPr>
-            <p:ph type="title"/>
-          </p:nvPr>
-        </p:nvSpPr>
-        <p:spPr>
-          <a:xfrm>
-            <a:off x="311700" y="445025"/>
-            <a:ext cx="8520600" cy="572700"/>
-          </a:xfrm>
-          <a:prstGeom prst="rect">
-            <a:avLst/>
-          </a:prstGeom>
-        </p:spPr>
-        <p:txBody>
-          <a:bodyPr anchorCtr="0" anchor="t" bIns="91425" lIns="91425" spcFirstLastPara="1" rIns="91425" wrap="square" tIns="91425">
-            <a:noAutofit/>
-          </a:bodyPr>
-          <a:lstStyle/>
-          <a:p>
-            <a:pPr indent="0" lvl="0" marL="0" rtl="0" algn="ctr">
-              <a:spcBef>
-                <a:spcPts val="0"/>
-              </a:spcBef>
-              <a:spcAft>
-                <a:spcPts val="0"/>
-              </a:spcAft>
-              <a:buNone/>
-            </a:pPr>
-            <a:r>
-              <a:rPr lang="en"/>
-              <a:t>Distributable scripting content </a:t>
-            </a:r>
-            <a:endParaRPr/>
-          </a:p>
-        </p:txBody>
-      </p:sp>
-      <p:sp>
-        <p:nvSpPr>
-          <p:cNvPr id="216" name="Google Shape;216;p31"/>
-          <p:cNvSpPr txBox="1"/>
-          <p:nvPr>
-            <p:ph idx="1" type="body"/>
-          </p:nvPr>
-        </p:nvSpPr>
-        <p:spPr>
-          <a:xfrm>
-            <a:off x="311700" y="1152475"/>
-            <a:ext cx="8520600" cy="3990900"/>
-          </a:xfrm>
-          <a:prstGeom prst="rect">
-            <a:avLst/>
-          </a:prstGeom>
-        </p:spPr>
-        <p:txBody>
-          <a:bodyPr anchorCtr="0" anchor="t" bIns="91425" lIns="91425" spcFirstLastPara="1" rIns="91425" wrap="square" tIns="91425">
-            <a:noAutofit/>
-          </a:bodyPr>
-          <a:lstStyle/>
-          <a:p>
-            <a:pPr indent="0" lvl="0" marL="0" rtl="0" algn="l">
-              <a:spcBef>
-                <a:spcPts val="0"/>
-              </a:spcBef>
-              <a:spcAft>
-                <a:spcPts val="0"/>
-              </a:spcAft>
-              <a:buNone/>
-            </a:pPr>
-            <a:r>
-              <a:rPr lang="en"/>
-              <a:t>Content can present both in web site and books (epub)</a:t>
-            </a:r>
-            <a:endParaRPr/>
-          </a:p>
-          <a:p>
-            <a:pPr indent="0" lvl="0" marL="0" rtl="0" algn="ctr">
-              <a:spcBef>
-                <a:spcPts val="1600"/>
-              </a:spcBef>
-              <a:spcAft>
-                <a:spcPts val="0"/>
-              </a:spcAft>
-              <a:buNone/>
-            </a:pPr>
-            <a:r>
-              <a:rPr b="1" lang="en">
-                <a:highlight>
-                  <a:srgbClr val="FFFF00"/>
-                </a:highlight>
-              </a:rPr>
-              <a:t>Books can be read offline, are shareable, and are durable</a:t>
-            </a:r>
-            <a:endParaRPr b="1">
-              <a:highlight>
-                <a:srgbClr val="FFFF00"/>
-              </a:highlight>
-            </a:endParaRPr>
-          </a:p>
-          <a:p>
-            <a:pPr indent="0" lvl="0" marL="0" rtl="0" algn="l">
-              <a:lnSpc>
-                <a:spcPct val="197727"/>
-              </a:lnSpc>
-              <a:spcBef>
-                <a:spcPts val="1600"/>
-              </a:spcBef>
-              <a:spcAft>
-                <a:spcPts val="2300"/>
-              </a:spcAft>
-              <a:buNone/>
-            </a:pPr>
-            <a:r>
-              <a:t/>
-            </a:r>
-            <a:endParaRPr/>
-          </a:p>
-        </p:txBody>
-      </p:sp>
-      <p:sp>
-        <p:nvSpPr>
-          <p:cNvPr id="217" name="Google Shape;217;p31"/>
-          <p:cNvSpPr txBox="1"/>
-          <p:nvPr/>
-        </p:nvSpPr>
-        <p:spPr>
-          <a:xfrm>
-            <a:off x="4935150" y="2750925"/>
-            <a:ext cx="3515700" cy="2122500"/>
-          </a:xfrm>
-          <a:prstGeom prst="rect">
-            <a:avLst/>
-          </a:prstGeom>
-          <a:noFill/>
-          <a:ln cap="flat" cmpd="sng" w="19050">
-            <a:solidFill>
-              <a:srgbClr val="000000"/>
-            </a:solidFill>
-            <a:prstDash val="solid"/>
-            <a:round/>
-            <a:headEnd len="sm" w="sm" type="none"/>
-            <a:tailEnd len="sm" w="sm" type="none"/>
-          </a:ln>
-        </p:spPr>
-        <p:txBody>
-          <a:bodyPr anchorCtr="0" anchor="t" bIns="91425" lIns="91425" spcFirstLastPara="1" rIns="91425" wrap="square" tIns="91425">
-            <a:noAutofit/>
-          </a:bodyPr>
-          <a:lstStyle/>
-          <a:p>
-            <a:pPr indent="0" lvl="0" marL="0" rtl="0" algn="l">
-              <a:lnSpc>
-                <a:spcPct val="115000"/>
-              </a:lnSpc>
-              <a:spcBef>
-                <a:spcPts val="0"/>
-              </a:spcBef>
-              <a:spcAft>
-                <a:spcPts val="0"/>
-              </a:spcAft>
-              <a:buClr>
-                <a:schemeClr val="dk1"/>
-              </a:buClr>
-              <a:buSzPts val="1100"/>
-              <a:buFont typeface="Arial"/>
-              <a:buNone/>
-            </a:pPr>
-            <a:r>
-              <a:rPr lang="en" sz="1800">
-                <a:solidFill>
-                  <a:schemeClr val="dk2"/>
-                </a:solidFill>
-              </a:rPr>
-              <a:t>ePub3:</a:t>
-            </a:r>
-            <a:r>
-              <a:rPr lang="en" sz="1800">
-                <a:solidFill>
-                  <a:schemeClr val="dk2"/>
-                </a:solidFill>
-              </a:rPr>
-              <a:t> insert interactive content using D3, canvas or webGL in an iframe</a:t>
-            </a:r>
-            <a:endParaRPr sz="1800">
-              <a:solidFill>
-                <a:schemeClr val="dk2"/>
-              </a:solidFill>
-            </a:endParaRPr>
-          </a:p>
-          <a:p>
-            <a:pPr indent="0" lvl="0" marL="0" rtl="0" algn="l">
-              <a:lnSpc>
-                <a:spcPct val="115000"/>
-              </a:lnSpc>
-              <a:spcBef>
-                <a:spcPts val="1600"/>
-              </a:spcBef>
-              <a:spcAft>
-                <a:spcPts val="0"/>
-              </a:spcAft>
-              <a:buClr>
-                <a:schemeClr val="dk1"/>
-              </a:buClr>
-              <a:buSzPts val="1100"/>
-              <a:buFont typeface="Arial"/>
-              <a:buNone/>
-            </a:pPr>
-            <a:r>
-              <a:rPr lang="en" sz="1500" u="sng">
-                <a:solidFill>
-                  <a:schemeClr val="accent5"/>
-                </a:solidFill>
-                <a:hlinkClick r:id="rId3"/>
-              </a:rPr>
-              <a:t>https://www.w3.org/publishing/epub32/epub-contentdocs.html#example-4</a:t>
-            </a:r>
-            <a:endParaRPr sz="2200">
-              <a:solidFill>
-                <a:schemeClr val="dk2"/>
-              </a:solidFill>
-            </a:endParaRPr>
-          </a:p>
-          <a:p>
-            <a:pPr indent="0" lvl="0" marL="0" rtl="0" algn="l">
-              <a:spcBef>
-                <a:spcPts val="1600"/>
-              </a:spcBef>
-              <a:spcAft>
-                <a:spcPts val="0"/>
-              </a:spcAft>
-              <a:buNone/>
-            </a:pPr>
-            <a:r>
-              <a:t/>
-            </a:r>
-            <a:endParaRPr/>
-          </a:p>
-        </p:txBody>
-      </p:sp>
-      <p:sp>
-        <p:nvSpPr>
-          <p:cNvPr id="218" name="Google Shape;218;p31"/>
-          <p:cNvSpPr txBox="1"/>
-          <p:nvPr/>
-        </p:nvSpPr>
-        <p:spPr>
-          <a:xfrm>
-            <a:off x="612000" y="2743675"/>
-            <a:ext cx="3112200" cy="2122500"/>
-          </a:xfrm>
-          <a:prstGeom prst="rect">
-            <a:avLst/>
-          </a:prstGeom>
-          <a:noFill/>
-          <a:ln cap="flat" cmpd="sng" w="19050">
-            <a:solidFill>
-              <a:srgbClr val="000000"/>
-            </a:solidFill>
-            <a:prstDash val="solid"/>
-            <a:round/>
-            <a:headEnd len="sm" w="sm" type="none"/>
-            <a:tailEnd len="sm" w="sm" type="none"/>
-          </a:ln>
-        </p:spPr>
-        <p:txBody>
-          <a:bodyPr anchorCtr="0" anchor="t" bIns="91425" lIns="91425" spcFirstLastPara="1" rIns="91425" wrap="square" tIns="91425">
-            <a:noAutofit/>
-          </a:bodyPr>
-          <a:lstStyle/>
-          <a:p>
-            <a:pPr indent="0" lvl="0" marL="0" rtl="0" algn="l">
-              <a:lnSpc>
-                <a:spcPct val="115000"/>
-              </a:lnSpc>
-              <a:spcBef>
-                <a:spcPts val="0"/>
-              </a:spcBef>
-              <a:spcAft>
-                <a:spcPts val="0"/>
-              </a:spcAft>
-              <a:buClr>
-                <a:schemeClr val="dk1"/>
-              </a:buClr>
-              <a:buSzPts val="1100"/>
-              <a:buFont typeface="Arial"/>
-              <a:buNone/>
-            </a:pPr>
-            <a:r>
-              <a:rPr lang="en" sz="1800">
-                <a:solidFill>
-                  <a:schemeClr val="dk2"/>
-                </a:solidFill>
-              </a:rPr>
-              <a:t>If you want to distribute your content as a multi device app try:</a:t>
-            </a:r>
-            <a:endParaRPr sz="1800">
-              <a:solidFill>
-                <a:schemeClr val="dk2"/>
-              </a:solidFill>
-            </a:endParaRPr>
-          </a:p>
-          <a:p>
-            <a:pPr indent="0" lvl="0" marL="0" rtl="0" algn="l">
-              <a:lnSpc>
-                <a:spcPct val="197727"/>
-              </a:lnSpc>
-              <a:spcBef>
-                <a:spcPts val="1600"/>
-              </a:spcBef>
-              <a:spcAft>
-                <a:spcPts val="0"/>
-              </a:spcAft>
-              <a:buClr>
-                <a:schemeClr val="dk1"/>
-              </a:buClr>
-              <a:buSzPts val="1100"/>
-              <a:buFont typeface="Arial"/>
-              <a:buNone/>
-            </a:pPr>
-            <a:r>
-              <a:rPr b="1" lang="en" sz="1800">
-                <a:solidFill>
-                  <a:srgbClr val="5B708B"/>
-                </a:solidFill>
-                <a:highlight>
-                  <a:srgbClr val="FFFFFF"/>
-                </a:highlight>
-              </a:rPr>
-              <a:t>Ionic Framework 5 (</a:t>
-            </a:r>
-            <a:r>
-              <a:rPr lang="en" sz="1500" u="sng">
-                <a:solidFill>
-                  <a:schemeClr val="accent5"/>
-                </a:solidFill>
-                <a:hlinkClick r:id="rId4"/>
-              </a:rPr>
-              <a:t>https://ionicframework.com/</a:t>
-            </a:r>
-            <a:r>
-              <a:rPr lang="en" sz="1800">
-                <a:solidFill>
-                  <a:schemeClr val="dk2"/>
-                </a:solidFill>
-              </a:rPr>
-              <a:t>)</a:t>
-            </a:r>
-            <a:endParaRPr sz="1800">
-              <a:solidFill>
-                <a:schemeClr val="dk2"/>
-              </a:solidFill>
-            </a:endParaRPr>
-          </a:p>
-          <a:p>
-            <a:pPr indent="0" lvl="0" marL="0" rtl="0" algn="l">
-              <a:spcBef>
-                <a:spcPts val="2300"/>
-              </a:spcBef>
-              <a:spcAft>
-                <a:spcPts val="0"/>
-              </a:spcAft>
-              <a:buNone/>
-            </a:pPr>
-            <a:r>
-              <a:t/>
-            </a:r>
-            <a:endParaRPr/>
-          </a:p>
-        </p:txBody>
-      </p:sp>
-      <p:cxnSp>
-        <p:nvCxnSpPr>
-          <p:cNvPr id="219" name="Google Shape;219;p31"/>
-          <p:cNvCxnSpPr>
-            <a:endCxn id="218" idx="0"/>
-          </p:cNvCxnSpPr>
-          <p:nvPr/>
-        </p:nvCxnSpPr>
-        <p:spPr>
-          <a:xfrm flipH="1">
-            <a:off x="2168100" y="2148475"/>
-            <a:ext cx="2050800" cy="595200"/>
-          </a:xfrm>
-          <a:prstGeom prst="straightConnector1">
-            <a:avLst/>
-          </a:prstGeom>
-          <a:noFill/>
-          <a:ln cap="flat" cmpd="sng" w="9525">
-            <a:solidFill>
-              <a:schemeClr val="dk2"/>
-            </a:solidFill>
-            <a:prstDash val="solid"/>
-            <a:round/>
-            <a:headEnd len="med" w="med" type="none"/>
-            <a:tailEnd len="med" w="med" type="triangle"/>
-          </a:ln>
-        </p:spPr>
-      </p:cxnSp>
-      <p:cxnSp>
-        <p:nvCxnSpPr>
-          <p:cNvPr id="220" name="Google Shape;220;p31"/>
-          <p:cNvCxnSpPr>
-            <a:endCxn id="217" idx="0"/>
-          </p:cNvCxnSpPr>
-          <p:nvPr/>
-        </p:nvCxnSpPr>
-        <p:spPr>
-          <a:xfrm>
-            <a:off x="4349100" y="2135625"/>
-            <a:ext cx="2343900" cy="615300"/>
-          </a:xfrm>
-          <a:prstGeom prst="straightConnector1">
-            <a:avLst/>
-          </a:prstGeom>
-          <a:noFill/>
-          <a:ln cap="flat" cmpd="sng" w="9525">
-            <a:solidFill>
-              <a:schemeClr val="dk2"/>
-            </a:solidFill>
-            <a:prstDash val="solid"/>
-            <a:round/>
-            <a:headEnd len="med" w="med" type="none"/>
-            <a:tailEnd len="med" w="med" type="triangle"/>
-          </a:ln>
-        </p:spPr>
-      </p:cxnSp>
-      <p:sp>
-        <p:nvSpPr>
-          <p:cNvPr id="221" name="Google Shape;221;p31"/>
-          <p:cNvSpPr txBox="1"/>
-          <p:nvPr/>
-        </p:nvSpPr>
-        <p:spPr>
-          <a:xfrm>
-            <a:off x="7825925" y="764900"/>
-            <a:ext cx="1171800" cy="833400"/>
-          </a:xfrm>
-          <a:prstGeom prst="rect">
-            <a:avLst/>
-          </a:prstGeom>
-          <a:noFill/>
-          <a:ln cap="flat" cmpd="sng" w="19050">
-            <a:solidFill>
-              <a:srgbClr val="000000"/>
-            </a:solidFill>
-            <a:prstDash val="solid"/>
-            <a:round/>
-            <a:headEnd len="sm" w="sm" type="none"/>
-            <a:tailEnd len="sm" w="sm" type="none"/>
-          </a:ln>
-        </p:spPr>
-        <p:txBody>
-          <a:bodyPr anchorCtr="0" anchor="t" bIns="91425" lIns="91425" spcFirstLastPara="1" rIns="91425" wrap="square" tIns="91425">
-            <a:noAutofit/>
-          </a:bodyPr>
-          <a:lstStyle/>
-          <a:p>
-            <a:pPr indent="0" lvl="0" marL="0" rtl="0" algn="l">
-              <a:spcBef>
-                <a:spcPts val="0"/>
-              </a:spcBef>
-              <a:spcAft>
-                <a:spcPts val="0"/>
-              </a:spcAft>
-              <a:buNone/>
-            </a:pPr>
-            <a:r>
-              <a:rPr lang="en"/>
-              <a:t>Online? May be on paper</a:t>
-            </a:r>
-            <a:endParaRPr/>
-          </a:p>
-        </p:txBody>
-      </p:sp>
-      <p:cxnSp>
-        <p:nvCxnSpPr>
-          <p:cNvPr id="222" name="Google Shape;222;p31"/>
-          <p:cNvCxnSpPr>
-            <a:stCxn id="221" idx="1"/>
-          </p:cNvCxnSpPr>
-          <p:nvPr/>
-        </p:nvCxnSpPr>
-        <p:spPr>
-          <a:xfrm flipH="1">
-            <a:off x="7409225" y="1181600"/>
-            <a:ext cx="416700" cy="524100"/>
-          </a:xfrm>
-          <a:prstGeom prst="curvedConnector2">
-            <a:avLst/>
-          </a:prstGeom>
-          <a:noFill/>
-          <a:ln cap="flat" cmpd="sng" w="19050">
-            <a:solidFill>
-              <a:schemeClr val="dk2"/>
-            </a:solidFill>
-            <a:prstDash val="solid"/>
-            <a:round/>
-            <a:headEnd len="med" w="med" type="none"/>
-            <a:tailEnd len="med" w="med" type="none"/>
-          </a:ln>
-        </p:spPr>
-      </p:cxnSp>
     </p:spTree>
   </p:cSld>
   <p:clrMapOvr>
@@ -15206,7 +14496,7 @@
   <p:cSld>
     <p:spTree>
       <p:nvGrpSpPr>
-        <p:cNvPr id="226" name="Shape 226"/>
+        <p:cNvPr id="225" name="Shape 225"/>
         <p:cNvGrpSpPr/>
         <p:nvPr/>
       </p:nvGrpSpPr>
@@ -15220,7 +14510,7 @@
       </p:grpSpPr>
       <p:sp>
         <p:nvSpPr>
-          <p:cNvPr id="227" name="Google Shape;227;p32"/>
+          <p:cNvPr id="226" name="Google Shape;226;p32"/>
           <p:cNvSpPr txBox="1"/>
           <p:nvPr>
             <p:ph type="title"/>
@@ -15242,25 +14532,2108 @@
           <a:lstStyle/>
           <a:p>
             <a:pPr indent="0" lvl="0" marL="0" rtl="0" algn="l">
-              <a:spcBef>
-                <a:spcPts val="0"/>
-              </a:spcBef>
-              <a:spcAft>
-                <a:spcPts val="0"/>
+              <a:lnSpc>
+                <a:spcPct val="115000"/>
+              </a:lnSpc>
+              <a:spcBef>
+                <a:spcPts val="0"/>
+              </a:spcBef>
+              <a:spcAft>
+                <a:spcPts val="0"/>
+              </a:spcAft>
+              <a:buClr>
+                <a:schemeClr val="dk1"/>
+              </a:buClr>
+              <a:buSzPts val="1100"/>
+              <a:buFont typeface="Arial"/>
+              <a:buNone/>
+            </a:pPr>
+            <a:r>
+              <a:rPr lang="en" sz="1800">
+                <a:solidFill>
+                  <a:schemeClr val="dk2"/>
+                </a:solidFill>
+              </a:rPr>
+              <a:t>Building step by step a bar-graph with color transition II part 1</a:t>
+            </a:r>
+            <a:endParaRPr sz="1800">
+              <a:solidFill>
+                <a:schemeClr val="dk2"/>
+              </a:solidFill>
+            </a:endParaRPr>
+          </a:p>
+          <a:p>
+            <a:pPr indent="0" lvl="0" marL="0" rtl="0" algn="l">
+              <a:spcBef>
+                <a:spcPts val="1600"/>
+              </a:spcBef>
+              <a:spcAft>
+                <a:spcPts val="0"/>
+              </a:spcAft>
+              <a:buNone/>
+            </a:pPr>
+            <a:r>
+              <a:t/>
+            </a:r>
+            <a:endParaRPr/>
+          </a:p>
+        </p:txBody>
+      </p:sp>
+      <p:sp>
+        <p:nvSpPr>
+          <p:cNvPr id="227" name="Google Shape;227;p32"/>
+          <p:cNvSpPr txBox="1"/>
+          <p:nvPr>
+            <p:ph idx="1" type="body"/>
+          </p:nvPr>
+        </p:nvSpPr>
+        <p:spPr>
+          <a:xfrm>
+            <a:off x="311700" y="972775"/>
+            <a:ext cx="8520600" cy="4248900"/>
+          </a:xfrm>
+          <a:prstGeom prst="rect">
+            <a:avLst/>
+          </a:prstGeom>
+        </p:spPr>
+        <p:txBody>
+          <a:bodyPr anchorCtr="0" anchor="t" bIns="91425" lIns="91425" spcFirstLastPara="1" rIns="91425" wrap="square" tIns="91425">
+            <a:noAutofit/>
+          </a:bodyPr>
+          <a:lstStyle/>
+          <a:p>
+            <a:pPr indent="0" lvl="0" marL="0" rtl="0" algn="l">
+              <a:spcBef>
+                <a:spcPts val="0"/>
+              </a:spcBef>
+              <a:spcAft>
+                <a:spcPts val="1600"/>
               </a:spcAft>
               <a:buNone/>
             </a:pPr>
             <a:r>
               <a:rPr lang="en"/>
-              <a:t>D3 Bibliography</a:t>
-            </a:r>
-            <a:endParaRPr/>
+              <a:t>Designing the bar chart</a:t>
+            </a:r>
+            <a:br>
+              <a:rPr lang="en"/>
+            </a:br>
+            <a:r>
+              <a:rPr lang="en" sz="1200">
+                <a:latin typeface="Consolas"/>
+                <a:ea typeface="Consolas"/>
+                <a:cs typeface="Consolas"/>
+                <a:sym typeface="Consolas"/>
+              </a:rPr>
+              <a:t>// set the dimensions and margins of the graph</a:t>
+            </a:r>
+            <a:br>
+              <a:rPr lang="en" sz="1200">
+                <a:latin typeface="Consolas"/>
+                <a:ea typeface="Consolas"/>
+                <a:cs typeface="Consolas"/>
+                <a:sym typeface="Consolas"/>
+              </a:rPr>
+            </a:br>
+            <a:r>
+              <a:rPr lang="en" sz="1200">
+                <a:latin typeface="Consolas"/>
+                <a:ea typeface="Consolas"/>
+                <a:cs typeface="Consolas"/>
+                <a:sym typeface="Consolas"/>
+              </a:rPr>
+              <a:t>	var margin = {top: 40, right: 20, bottom: 70, left: 100},</a:t>
+            </a:r>
+            <a:br>
+              <a:rPr lang="en" sz="1200">
+                <a:latin typeface="Consolas"/>
+                <a:ea typeface="Consolas"/>
+                <a:cs typeface="Consolas"/>
+                <a:sym typeface="Consolas"/>
+              </a:rPr>
+            </a:br>
+            <a:r>
+              <a:rPr lang="en" sz="1200">
+                <a:latin typeface="Consolas"/>
+                <a:ea typeface="Consolas"/>
+                <a:cs typeface="Consolas"/>
+                <a:sym typeface="Consolas"/>
+              </a:rPr>
+              <a:t>	width = 1260 - margin.left - margin.right,</a:t>
+            </a:r>
+            <a:br>
+              <a:rPr lang="en" sz="1200">
+                <a:latin typeface="Consolas"/>
+                <a:ea typeface="Consolas"/>
+                <a:cs typeface="Consolas"/>
+                <a:sym typeface="Consolas"/>
+              </a:rPr>
+            </a:br>
+            <a:r>
+              <a:rPr lang="en" sz="1200">
+                <a:latin typeface="Consolas"/>
+                <a:ea typeface="Consolas"/>
+                <a:cs typeface="Consolas"/>
+                <a:sym typeface="Consolas"/>
+              </a:rPr>
+              <a:t>	height = 700 - margin.top - margin.bottom;</a:t>
+            </a:r>
+            <a:br>
+              <a:rPr lang="en" sz="1200">
+                <a:latin typeface="Consolas"/>
+                <a:ea typeface="Consolas"/>
+                <a:cs typeface="Consolas"/>
+                <a:sym typeface="Consolas"/>
+              </a:rPr>
+            </a:br>
+            <a:r>
+              <a:rPr lang="en" sz="1200">
+                <a:latin typeface="Consolas"/>
+                <a:ea typeface="Consolas"/>
+                <a:cs typeface="Consolas"/>
+                <a:sym typeface="Consolas"/>
+              </a:rPr>
+              <a:t>// Set the ranges and axis</a:t>
+            </a:r>
+            <a:br>
+              <a:rPr lang="en" sz="1200">
+                <a:latin typeface="Consolas"/>
+                <a:ea typeface="Consolas"/>
+                <a:cs typeface="Consolas"/>
+                <a:sym typeface="Consolas"/>
+              </a:rPr>
+            </a:br>
+            <a:r>
+              <a:rPr lang="en" sz="1200">
+                <a:latin typeface="Consolas"/>
+                <a:ea typeface="Consolas"/>
+                <a:cs typeface="Consolas"/>
+                <a:sym typeface="Consolas"/>
+              </a:rPr>
+              <a:t>	var x = d3.scaleBand().range([0, width])</a:t>
+            </a:r>
+            <a:br>
+              <a:rPr lang="en" sz="1200">
+                <a:latin typeface="Consolas"/>
+                <a:ea typeface="Consolas"/>
+                <a:cs typeface="Consolas"/>
+                <a:sym typeface="Consolas"/>
+              </a:rPr>
+            </a:br>
+            <a:r>
+              <a:rPr lang="en" sz="1200">
+                <a:latin typeface="Consolas"/>
+                <a:ea typeface="Consolas"/>
+                <a:cs typeface="Consolas"/>
+                <a:sym typeface="Consolas"/>
+              </a:rPr>
+              <a:t>	var y = d3.scaleLinear().range([height, 0]);</a:t>
+            </a:r>
+            <a:br>
+              <a:rPr lang="en" sz="1200">
+                <a:latin typeface="Consolas"/>
+                <a:ea typeface="Consolas"/>
+                <a:cs typeface="Consolas"/>
+                <a:sym typeface="Consolas"/>
+              </a:rPr>
+            </a:br>
+            <a:r>
+              <a:rPr lang="en" sz="1200">
+                <a:latin typeface="Consolas"/>
+                <a:ea typeface="Consolas"/>
+                <a:cs typeface="Consolas"/>
+                <a:sym typeface="Consolas"/>
+              </a:rPr>
+              <a:t>	var xAxis = d3.axisBottom().scale(x);</a:t>
+            </a:r>
+            <a:br>
+              <a:rPr lang="en" sz="1200">
+                <a:latin typeface="Consolas"/>
+                <a:ea typeface="Consolas"/>
+                <a:cs typeface="Consolas"/>
+                <a:sym typeface="Consolas"/>
+              </a:rPr>
+            </a:br>
+            <a:r>
+              <a:rPr lang="en" sz="1200">
+                <a:latin typeface="Consolas"/>
+                <a:ea typeface="Consolas"/>
+                <a:cs typeface="Consolas"/>
+                <a:sym typeface="Consolas"/>
+              </a:rPr>
+              <a:t>	var yAxis = d3.axisLeft().scale(y).ticks(10);</a:t>
+            </a:r>
+            <a:br>
+              <a:rPr lang="en" sz="1200">
+                <a:latin typeface="Consolas"/>
+                <a:ea typeface="Consolas"/>
+                <a:cs typeface="Consolas"/>
+                <a:sym typeface="Consolas"/>
+              </a:rPr>
+            </a:br>
+            <a:r>
+              <a:rPr lang="en" sz="1200">
+                <a:latin typeface="Consolas"/>
+                <a:ea typeface="Consolas"/>
+                <a:cs typeface="Consolas"/>
+                <a:sym typeface="Consolas"/>
+              </a:rPr>
+              <a:t>// append the svg object to the body of the page</a:t>
+            </a:r>
+            <a:br>
+              <a:rPr lang="en" sz="1200">
+                <a:latin typeface="Consolas"/>
+                <a:ea typeface="Consolas"/>
+                <a:cs typeface="Consolas"/>
+                <a:sym typeface="Consolas"/>
+              </a:rPr>
+            </a:br>
+            <a:r>
+              <a:rPr lang="en" sz="1200">
+                <a:latin typeface="Consolas"/>
+                <a:ea typeface="Consolas"/>
+                <a:cs typeface="Consolas"/>
+                <a:sym typeface="Consolas"/>
+              </a:rPr>
+              <a:t>// append a 'group' element to 'svg'</a:t>
+            </a:r>
+            <a:br>
+              <a:rPr lang="en" sz="1200">
+                <a:latin typeface="Consolas"/>
+                <a:ea typeface="Consolas"/>
+                <a:cs typeface="Consolas"/>
+                <a:sym typeface="Consolas"/>
+              </a:rPr>
+            </a:br>
+            <a:r>
+              <a:rPr lang="en" sz="1200">
+                <a:latin typeface="Consolas"/>
+                <a:ea typeface="Consolas"/>
+                <a:cs typeface="Consolas"/>
+                <a:sym typeface="Consolas"/>
+              </a:rPr>
+              <a:t>// moves the 'group' element to the top left margin</a:t>
+            </a:r>
+            <a:br>
+              <a:rPr lang="en" sz="1200">
+                <a:latin typeface="Consolas"/>
+                <a:ea typeface="Consolas"/>
+                <a:cs typeface="Consolas"/>
+                <a:sym typeface="Consolas"/>
+              </a:rPr>
+            </a:br>
+            <a:r>
+              <a:rPr lang="en" sz="1200">
+                <a:latin typeface="Consolas"/>
+                <a:ea typeface="Consolas"/>
+                <a:cs typeface="Consolas"/>
+                <a:sym typeface="Consolas"/>
+              </a:rPr>
+              <a:t>	var svg = d3.select("body").append("svg")</a:t>
+            </a:r>
+            <a:br>
+              <a:rPr lang="en" sz="1200">
+                <a:latin typeface="Consolas"/>
+                <a:ea typeface="Consolas"/>
+                <a:cs typeface="Consolas"/>
+                <a:sym typeface="Consolas"/>
+              </a:rPr>
+            </a:br>
+            <a:r>
+              <a:rPr lang="en" sz="1200">
+                <a:latin typeface="Consolas"/>
+                <a:ea typeface="Consolas"/>
+                <a:cs typeface="Consolas"/>
+                <a:sym typeface="Consolas"/>
+              </a:rPr>
+              <a:t>	.attr("width", width + margin.left + margin.right)</a:t>
+            </a:r>
+            <a:br>
+              <a:rPr lang="en" sz="1200">
+                <a:latin typeface="Consolas"/>
+                <a:ea typeface="Consolas"/>
+                <a:cs typeface="Consolas"/>
+                <a:sym typeface="Consolas"/>
+              </a:rPr>
+            </a:br>
+            <a:r>
+              <a:rPr lang="en" sz="1200">
+                <a:latin typeface="Consolas"/>
+                <a:ea typeface="Consolas"/>
+                <a:cs typeface="Consolas"/>
+                <a:sym typeface="Consolas"/>
+              </a:rPr>
+              <a:t>	.attr("height", height + margin.top + margin.bottom)</a:t>
+            </a:r>
+            <a:br>
+              <a:rPr lang="en" sz="1200">
+                <a:latin typeface="Consolas"/>
+                <a:ea typeface="Consolas"/>
+                <a:cs typeface="Consolas"/>
+                <a:sym typeface="Consolas"/>
+              </a:rPr>
+            </a:br>
+            <a:r>
+              <a:rPr lang="en" sz="1200">
+                <a:latin typeface="Consolas"/>
+                <a:ea typeface="Consolas"/>
+                <a:cs typeface="Consolas"/>
+                <a:sym typeface="Consolas"/>
+              </a:rPr>
+              <a:t>	.append("g").attr("transform", "translate(" + margin.left + "," + margin.top + ")");</a:t>
+            </a:r>
+            <a:endParaRPr sz="1200">
+              <a:latin typeface="Consolas"/>
+              <a:ea typeface="Consolas"/>
+              <a:cs typeface="Consolas"/>
+              <a:sym typeface="Consolas"/>
+            </a:endParaRPr>
           </a:p>
         </p:txBody>
       </p:sp>
       <p:sp>
         <p:nvSpPr>
           <p:cNvPr id="228" name="Google Shape;228;p32"/>
+          <p:cNvSpPr txBox="1"/>
+          <p:nvPr/>
+        </p:nvSpPr>
+        <p:spPr>
+          <a:xfrm>
+            <a:off x="6572975" y="972775"/>
+            <a:ext cx="2278800" cy="572700"/>
+          </a:xfrm>
+          <a:prstGeom prst="rect">
+            <a:avLst/>
+          </a:prstGeom>
+          <a:noFill/>
+          <a:ln>
+            <a:noFill/>
+          </a:ln>
+        </p:spPr>
+        <p:txBody>
+          <a:bodyPr anchorCtr="0" anchor="t" bIns="91425" lIns="91425" spcFirstLastPara="1" rIns="91425" wrap="square" tIns="91425">
+            <a:noAutofit/>
+          </a:bodyPr>
+          <a:lstStyle/>
+          <a:p>
+            <a:pPr indent="0" lvl="0" marL="0" rtl="0" algn="l">
+              <a:lnSpc>
+                <a:spcPct val="115000"/>
+              </a:lnSpc>
+              <a:spcBef>
+                <a:spcPts val="0"/>
+              </a:spcBef>
+              <a:spcAft>
+                <a:spcPts val="1600"/>
+              </a:spcAft>
+              <a:buNone/>
+            </a:pPr>
+            <a:r>
+              <a:rPr lang="en" sz="1800">
+                <a:solidFill>
+                  <a:schemeClr val="dk2"/>
+                </a:solidFill>
+              </a:rPr>
+              <a:t>Check index_2.htm</a:t>
+            </a:r>
+            <a:endParaRPr/>
+          </a:p>
+        </p:txBody>
+      </p:sp>
+    </p:spTree>
+  </p:cSld>
+  <p:clrMapOvr>
+    <a:masterClrMapping/>
+  </p:clrMapOvr>
+</p:sld>
+</file>
+
+<file path=ppt/slides/slide21.xml><?xml version="1.0" encoding="utf-8"?>
+<p:sld xmlns:a="http://schemas.openxmlformats.org/drawingml/2006/main" xmlns:r="http://schemas.openxmlformats.org/officeDocument/2006/relationships" xmlns:mc="http://schemas.openxmlformats.org/markup-compatibility/2006" xmlns:mv="urn:schemas-microsoft-com:mac:vml" xmlns:p="http://schemas.openxmlformats.org/presentationml/2006/main" xmlns:c="http://schemas.openxmlformats.org/drawingml/2006/chart" xmlns:dgm="http://schemas.openxmlformats.org/drawingml/2006/diagram" xmlns:o="urn:schemas-microsoft-com:office:office" xmlns:v="urn:schemas-microsoft-com:vml" xmlns:pvml="urn:schemas-microsoft-com:office:powerpoint" xmlns:com="http://schemas.openxmlformats.org/drawingml/2006/compatibility" xmlns:p14="http://schemas.microsoft.com/office/powerpoint/2010/main" xmlns:p15="http://schemas.microsoft.com/office/powerpoint/2012/main">
+  <p:cSld>
+    <p:spTree>
+      <p:nvGrpSpPr>
+        <p:cNvPr id="232" name="Shape 232"/>
+        <p:cNvGrpSpPr/>
+        <p:nvPr/>
+      </p:nvGrpSpPr>
+      <p:grpSpPr>
+        <a:xfrm>
+          <a:off x="0" y="0"/>
+          <a:ext cx="0" cy="0"/>
+          <a:chOff x="0" y="0"/>
+          <a:chExt cx="0" cy="0"/>
+        </a:xfrm>
+      </p:grpSpPr>
+      <p:sp>
+        <p:nvSpPr>
+          <p:cNvPr id="233" name="Google Shape;233;p33"/>
+          <p:cNvSpPr txBox="1"/>
+          <p:nvPr>
+            <p:ph type="title"/>
+          </p:nvPr>
+        </p:nvSpPr>
+        <p:spPr>
+          <a:xfrm>
+            <a:off x="311700" y="445025"/>
+            <a:ext cx="8520600" cy="572700"/>
+          </a:xfrm>
+          <a:prstGeom prst="rect">
+            <a:avLst/>
+          </a:prstGeom>
+        </p:spPr>
+        <p:txBody>
+          <a:bodyPr anchorCtr="0" anchor="t" bIns="91425" lIns="91425" spcFirstLastPara="1" rIns="91425" wrap="square" tIns="91425">
+            <a:noAutofit/>
+          </a:bodyPr>
+          <a:lstStyle/>
+          <a:p>
+            <a:pPr indent="0" lvl="0" marL="0" rtl="0" algn="l">
+              <a:lnSpc>
+                <a:spcPct val="115000"/>
+              </a:lnSpc>
+              <a:spcBef>
+                <a:spcPts val="0"/>
+              </a:spcBef>
+              <a:spcAft>
+                <a:spcPts val="0"/>
+              </a:spcAft>
+              <a:buClr>
+                <a:schemeClr val="dk1"/>
+              </a:buClr>
+              <a:buSzPts val="1100"/>
+              <a:buFont typeface="Arial"/>
+              <a:buNone/>
+            </a:pPr>
+            <a:r>
+              <a:rPr lang="en" sz="1800">
+                <a:solidFill>
+                  <a:schemeClr val="dk2"/>
+                </a:solidFill>
+              </a:rPr>
+              <a:t>Building step by step a bar-graph with color transition II part 2</a:t>
+            </a:r>
+            <a:endParaRPr sz="1800">
+              <a:solidFill>
+                <a:schemeClr val="dk2"/>
+              </a:solidFill>
+            </a:endParaRPr>
+          </a:p>
+          <a:p>
+            <a:pPr indent="0" lvl="0" marL="0" rtl="0" algn="l">
+              <a:spcBef>
+                <a:spcPts val="1600"/>
+              </a:spcBef>
+              <a:spcAft>
+                <a:spcPts val="0"/>
+              </a:spcAft>
+              <a:buNone/>
+            </a:pPr>
+            <a:r>
+              <a:t/>
+            </a:r>
+            <a:endParaRPr/>
+          </a:p>
+        </p:txBody>
+      </p:sp>
+      <p:sp>
+        <p:nvSpPr>
+          <p:cNvPr id="234" name="Google Shape;234;p33"/>
+          <p:cNvSpPr txBox="1"/>
+          <p:nvPr>
+            <p:ph idx="1" type="body"/>
+          </p:nvPr>
+        </p:nvSpPr>
+        <p:spPr>
+          <a:xfrm>
+            <a:off x="311700" y="1152475"/>
+            <a:ext cx="8738100" cy="3730500"/>
+          </a:xfrm>
+          <a:prstGeom prst="rect">
+            <a:avLst/>
+          </a:prstGeom>
+        </p:spPr>
+        <p:txBody>
+          <a:bodyPr anchorCtr="0" anchor="t" bIns="91425" lIns="91425" spcFirstLastPara="1" rIns="91425" wrap="square" tIns="91425">
+            <a:noAutofit/>
+          </a:bodyPr>
+          <a:lstStyle/>
+          <a:p>
+            <a:pPr indent="0" lvl="0" marL="0" rtl="0" algn="l">
+              <a:spcBef>
+                <a:spcPts val="0"/>
+              </a:spcBef>
+              <a:spcAft>
+                <a:spcPts val="0"/>
+              </a:spcAft>
+              <a:buNone/>
+            </a:pPr>
+            <a:r>
+              <a:rPr lang="en" sz="1200">
+                <a:latin typeface="Consolas"/>
+                <a:ea typeface="Consolas"/>
+                <a:cs typeface="Consolas"/>
+                <a:sym typeface="Consolas"/>
+              </a:rPr>
+              <a:t>// Scale the range of the data in the domains</a:t>
+            </a:r>
+            <a:br>
+              <a:rPr lang="en" sz="1200">
+                <a:latin typeface="Consolas"/>
+                <a:ea typeface="Consolas"/>
+                <a:cs typeface="Consolas"/>
+                <a:sym typeface="Consolas"/>
+              </a:rPr>
+            </a:br>
+            <a:r>
+              <a:rPr lang="en" sz="1200">
+                <a:latin typeface="Consolas"/>
+                <a:ea typeface="Consolas"/>
+                <a:cs typeface="Consolas"/>
+                <a:sym typeface="Consolas"/>
+              </a:rPr>
+              <a:t>	x.domain(data.map(function(d) { return d.date; }));</a:t>
+            </a:r>
+            <a:br>
+              <a:rPr lang="en" sz="1200">
+                <a:latin typeface="Consolas"/>
+                <a:ea typeface="Consolas"/>
+                <a:cs typeface="Consolas"/>
+                <a:sym typeface="Consolas"/>
+              </a:rPr>
+            </a:br>
+            <a:r>
+              <a:rPr lang="en" sz="1200">
+                <a:latin typeface="Consolas"/>
+                <a:ea typeface="Consolas"/>
+                <a:cs typeface="Consolas"/>
+                <a:sym typeface="Consolas"/>
+              </a:rPr>
+              <a:t>	y.domain([0, d3.max(data, function(d) { return d["Cumulative Confirmed"]; })]);</a:t>
+            </a:r>
+            <a:br>
+              <a:rPr lang="en" sz="1200">
+                <a:latin typeface="Consolas"/>
+                <a:ea typeface="Consolas"/>
+                <a:cs typeface="Consolas"/>
+                <a:sym typeface="Consolas"/>
+              </a:rPr>
+            </a:br>
+            <a:r>
+              <a:rPr lang="en" sz="1200">
+                <a:latin typeface="Consolas"/>
+                <a:ea typeface="Consolas"/>
+                <a:cs typeface="Consolas"/>
+                <a:sym typeface="Consolas"/>
+              </a:rPr>
+              <a:t>// append the rectangles for the bar chart</a:t>
+            </a:r>
+            <a:br>
+              <a:rPr lang="en" sz="1200">
+                <a:latin typeface="Consolas"/>
+                <a:ea typeface="Consolas"/>
+                <a:cs typeface="Consolas"/>
+                <a:sym typeface="Consolas"/>
+              </a:rPr>
+            </a:br>
+            <a:r>
+              <a:rPr lang="en" sz="1200">
+                <a:latin typeface="Consolas"/>
+                <a:ea typeface="Consolas"/>
+                <a:cs typeface="Consolas"/>
+                <a:sym typeface="Consolas"/>
+              </a:rPr>
+              <a:t>	svg.selectAll(".bar").data(data)</a:t>
+            </a:r>
+            <a:br>
+              <a:rPr lang="en" sz="1200">
+                <a:latin typeface="Consolas"/>
+                <a:ea typeface="Consolas"/>
+                <a:cs typeface="Consolas"/>
+                <a:sym typeface="Consolas"/>
+              </a:rPr>
+            </a:br>
+            <a:r>
+              <a:rPr lang="en" sz="1200">
+                <a:latin typeface="Consolas"/>
+                <a:ea typeface="Consolas"/>
+                <a:cs typeface="Consolas"/>
+                <a:sym typeface="Consolas"/>
+              </a:rPr>
+              <a:t>	.enter().append("rect")</a:t>
+            </a:r>
+            <a:br>
+              <a:rPr lang="en" sz="1200">
+                <a:latin typeface="Consolas"/>
+                <a:ea typeface="Consolas"/>
+                <a:cs typeface="Consolas"/>
+                <a:sym typeface="Consolas"/>
+              </a:rPr>
+            </a:br>
+            <a:r>
+              <a:rPr lang="en" sz="1200">
+                <a:latin typeface="Consolas"/>
+                <a:ea typeface="Consolas"/>
+                <a:cs typeface="Consolas"/>
+                <a:sym typeface="Consolas"/>
+              </a:rPr>
+              <a:t>	.attr("class", "bar")</a:t>
+            </a:r>
+            <a:br>
+              <a:rPr lang="en" sz="1200">
+                <a:latin typeface="Consolas"/>
+                <a:ea typeface="Consolas"/>
+                <a:cs typeface="Consolas"/>
+                <a:sym typeface="Consolas"/>
+              </a:rPr>
+            </a:br>
+            <a:r>
+              <a:rPr lang="en" sz="1200">
+                <a:latin typeface="Consolas"/>
+                <a:ea typeface="Consolas"/>
+                <a:cs typeface="Consolas"/>
+                <a:sym typeface="Consolas"/>
+              </a:rPr>
+              <a:t>	.style("fill", 'lime')</a:t>
+            </a:r>
+            <a:br>
+              <a:rPr lang="en" sz="1200">
+                <a:latin typeface="Consolas"/>
+                <a:ea typeface="Consolas"/>
+                <a:cs typeface="Consolas"/>
+                <a:sym typeface="Consolas"/>
+              </a:rPr>
+            </a:br>
+            <a:r>
+              <a:rPr lang="en" sz="1200">
+                <a:latin typeface="Consolas"/>
+                <a:ea typeface="Consolas"/>
+                <a:cs typeface="Consolas"/>
+                <a:sym typeface="Consolas"/>
+              </a:rPr>
+              <a:t>	.attr("x", function(d) { return x(d.date); }).attr("width", 10)</a:t>
+            </a:r>
+            <a:br>
+              <a:rPr lang="en" sz="1200">
+                <a:latin typeface="Consolas"/>
+                <a:ea typeface="Consolas"/>
+                <a:cs typeface="Consolas"/>
+                <a:sym typeface="Consolas"/>
+              </a:rPr>
+            </a:br>
+            <a:r>
+              <a:rPr lang="en" sz="1200">
+                <a:latin typeface="Consolas"/>
+                <a:ea typeface="Consolas"/>
+                <a:cs typeface="Consolas"/>
+                <a:sym typeface="Consolas"/>
+              </a:rPr>
+              <a:t>	.attr("y", function(d) { return y(d["Cumulative Confirmed"]); })</a:t>
+            </a:r>
+            <a:br>
+              <a:rPr lang="en" sz="1200">
+                <a:latin typeface="Consolas"/>
+                <a:ea typeface="Consolas"/>
+                <a:cs typeface="Consolas"/>
+                <a:sym typeface="Consolas"/>
+              </a:rPr>
+            </a:br>
+            <a:r>
+              <a:rPr lang="en" sz="1200">
+                <a:latin typeface="Consolas"/>
+                <a:ea typeface="Consolas"/>
+                <a:cs typeface="Consolas"/>
+                <a:sym typeface="Consolas"/>
+              </a:rPr>
+              <a:t>	.attr("height", function(d) { return height - y(d["Cumulative Confirmed"]); });</a:t>
+            </a:r>
+            <a:br>
+              <a:rPr lang="en" sz="1200">
+                <a:latin typeface="Consolas"/>
+                <a:ea typeface="Consolas"/>
+                <a:cs typeface="Consolas"/>
+                <a:sym typeface="Consolas"/>
+              </a:rPr>
+            </a:br>
+            <a:r>
+              <a:rPr lang="en" sz="1200">
+                <a:latin typeface="Consolas"/>
+                <a:ea typeface="Consolas"/>
+                <a:cs typeface="Consolas"/>
+                <a:sym typeface="Consolas"/>
+              </a:rPr>
+              <a:t>// Axis labels and titles </a:t>
+            </a:r>
+            <a:br>
+              <a:rPr lang="en" sz="1200">
+                <a:latin typeface="Consolas"/>
+                <a:ea typeface="Consolas"/>
+                <a:cs typeface="Consolas"/>
+                <a:sym typeface="Consolas"/>
+              </a:rPr>
+            </a:br>
+            <a:r>
+              <a:rPr lang="en" sz="1200">
+                <a:latin typeface="Consolas"/>
+                <a:ea typeface="Consolas"/>
+                <a:cs typeface="Consolas"/>
+                <a:sym typeface="Consolas"/>
+              </a:rPr>
+              <a:t>	svg.append("g").attr("class", "x axis")</a:t>
+            </a:r>
+            <a:br>
+              <a:rPr lang="en" sz="1200">
+                <a:latin typeface="Consolas"/>
+                <a:ea typeface="Consolas"/>
+                <a:cs typeface="Consolas"/>
+                <a:sym typeface="Consolas"/>
+              </a:rPr>
+            </a:br>
+            <a:r>
+              <a:rPr lang="en" sz="1200">
+                <a:latin typeface="Consolas"/>
+                <a:ea typeface="Consolas"/>
+                <a:cs typeface="Consolas"/>
+                <a:sym typeface="Consolas"/>
+              </a:rPr>
+              <a:t>	.attr("transform", "translate(0," + height + ")").call(xAxis).selectAll("text")</a:t>
+            </a:r>
+            <a:br>
+              <a:rPr lang="en" sz="1200">
+                <a:latin typeface="Consolas"/>
+                <a:ea typeface="Consolas"/>
+                <a:cs typeface="Consolas"/>
+                <a:sym typeface="Consolas"/>
+              </a:rPr>
+            </a:br>
+            <a:r>
+              <a:rPr lang="en" sz="1200">
+                <a:latin typeface="Consolas"/>
+                <a:ea typeface="Consolas"/>
+                <a:cs typeface="Consolas"/>
+                <a:sym typeface="Consolas"/>
+              </a:rPr>
+              <a:t>	.style("text-anchor", "end").attr("dx", "-.8em").attr("dy", "-.55em")</a:t>
+            </a:r>
+            <a:br>
+              <a:rPr lang="en" sz="1200">
+                <a:latin typeface="Consolas"/>
+                <a:ea typeface="Consolas"/>
+                <a:cs typeface="Consolas"/>
+                <a:sym typeface="Consolas"/>
+              </a:rPr>
+            </a:br>
+            <a:r>
+              <a:rPr lang="en" sz="1200">
+                <a:latin typeface="Consolas"/>
+                <a:ea typeface="Consolas"/>
+                <a:cs typeface="Consolas"/>
+                <a:sym typeface="Consolas"/>
+              </a:rPr>
+              <a:t>	.attr("transform", "rotate(-90)" );</a:t>
+            </a:r>
+            <a:endParaRPr sz="1200">
+              <a:latin typeface="Consolas"/>
+              <a:ea typeface="Consolas"/>
+              <a:cs typeface="Consolas"/>
+              <a:sym typeface="Consolas"/>
+            </a:endParaRPr>
+          </a:p>
+          <a:p>
+            <a:pPr indent="0" lvl="0" marL="0" rtl="0" algn="l">
+              <a:spcBef>
+                <a:spcPts val="1600"/>
+              </a:spcBef>
+              <a:spcAft>
+                <a:spcPts val="0"/>
+              </a:spcAft>
+              <a:buNone/>
+            </a:pPr>
+            <a:r>
+              <a:t/>
+            </a:r>
+            <a:endParaRPr sz="1200">
+              <a:latin typeface="Consolas"/>
+              <a:ea typeface="Consolas"/>
+              <a:cs typeface="Consolas"/>
+              <a:sym typeface="Consolas"/>
+            </a:endParaRPr>
+          </a:p>
+          <a:p>
+            <a:pPr indent="0" lvl="0" marL="0" rtl="0" algn="l">
+              <a:spcBef>
+                <a:spcPts val="1600"/>
+              </a:spcBef>
+              <a:spcAft>
+                <a:spcPts val="1600"/>
+              </a:spcAft>
+              <a:buNone/>
+            </a:pPr>
+            <a:r>
+              <a:rPr lang="en" sz="1200">
+                <a:latin typeface="Consolas"/>
+                <a:ea typeface="Consolas"/>
+                <a:cs typeface="Consolas"/>
+                <a:sym typeface="Consolas"/>
+              </a:rPr>
+              <a:t>		  </a:t>
+            </a:r>
+            <a:endParaRPr sz="1200">
+              <a:latin typeface="Consolas"/>
+              <a:ea typeface="Consolas"/>
+              <a:cs typeface="Consolas"/>
+              <a:sym typeface="Consolas"/>
+            </a:endParaRPr>
+          </a:p>
+        </p:txBody>
+      </p:sp>
+    </p:spTree>
+  </p:cSld>
+  <p:clrMapOvr>
+    <a:masterClrMapping/>
+  </p:clrMapOvr>
+</p:sld>
+</file>
+
+<file path=ppt/slides/slide22.xml><?xml version="1.0" encoding="utf-8"?>
+<p:sld xmlns:a="http://schemas.openxmlformats.org/drawingml/2006/main" xmlns:r="http://schemas.openxmlformats.org/officeDocument/2006/relationships" xmlns:mc="http://schemas.openxmlformats.org/markup-compatibility/2006" xmlns:mv="urn:schemas-microsoft-com:mac:vml" xmlns:p="http://schemas.openxmlformats.org/presentationml/2006/main" xmlns:c="http://schemas.openxmlformats.org/drawingml/2006/chart" xmlns:dgm="http://schemas.openxmlformats.org/drawingml/2006/diagram" xmlns:o="urn:schemas-microsoft-com:office:office" xmlns:v="urn:schemas-microsoft-com:vml" xmlns:pvml="urn:schemas-microsoft-com:office:powerpoint" xmlns:com="http://schemas.openxmlformats.org/drawingml/2006/compatibility" xmlns:p14="http://schemas.microsoft.com/office/powerpoint/2010/main" xmlns:p15="http://schemas.microsoft.com/office/powerpoint/2012/main">
+  <p:cSld>
+    <p:spTree>
+      <p:nvGrpSpPr>
+        <p:cNvPr id="238" name="Shape 238"/>
+        <p:cNvGrpSpPr/>
+        <p:nvPr/>
+      </p:nvGrpSpPr>
+      <p:grpSpPr>
+        <a:xfrm>
+          <a:off x="0" y="0"/>
+          <a:ext cx="0" cy="0"/>
+          <a:chOff x="0" y="0"/>
+          <a:chExt cx="0" cy="0"/>
+        </a:xfrm>
+      </p:grpSpPr>
+      <p:sp>
+        <p:nvSpPr>
+          <p:cNvPr id="239" name="Google Shape;239;p34"/>
+          <p:cNvSpPr txBox="1"/>
+          <p:nvPr>
+            <p:ph type="title"/>
+          </p:nvPr>
+        </p:nvSpPr>
+        <p:spPr>
+          <a:xfrm>
+            <a:off x="311700" y="445025"/>
+            <a:ext cx="8520600" cy="572700"/>
+          </a:xfrm>
+          <a:prstGeom prst="rect">
+            <a:avLst/>
+          </a:prstGeom>
+        </p:spPr>
+        <p:txBody>
+          <a:bodyPr anchorCtr="0" anchor="t" bIns="91425" lIns="91425" spcFirstLastPara="1" rIns="91425" wrap="square" tIns="91425">
+            <a:noAutofit/>
+          </a:bodyPr>
+          <a:lstStyle/>
+          <a:p>
+            <a:pPr indent="0" lvl="0" marL="0" rtl="0" algn="l">
+              <a:lnSpc>
+                <a:spcPct val="115000"/>
+              </a:lnSpc>
+              <a:spcBef>
+                <a:spcPts val="0"/>
+              </a:spcBef>
+              <a:spcAft>
+                <a:spcPts val="0"/>
+              </a:spcAft>
+              <a:buClr>
+                <a:schemeClr val="dk1"/>
+              </a:buClr>
+              <a:buSzPts val="1100"/>
+              <a:buFont typeface="Arial"/>
+              <a:buNone/>
+            </a:pPr>
+            <a:r>
+              <a:rPr lang="en" sz="1800">
+                <a:solidFill>
+                  <a:schemeClr val="dk2"/>
+                </a:solidFill>
+              </a:rPr>
+              <a:t>Building step by step a bar-graph with color transition III 1</a:t>
+            </a:r>
+            <a:endParaRPr sz="1800">
+              <a:solidFill>
+                <a:schemeClr val="dk2"/>
+              </a:solidFill>
+            </a:endParaRPr>
+          </a:p>
+          <a:p>
+            <a:pPr indent="0" lvl="0" marL="0" rtl="0" algn="l">
+              <a:spcBef>
+                <a:spcPts val="1600"/>
+              </a:spcBef>
+              <a:spcAft>
+                <a:spcPts val="0"/>
+              </a:spcAft>
+              <a:buNone/>
+            </a:pPr>
+            <a:r>
+              <a:t/>
+            </a:r>
+            <a:endParaRPr/>
+          </a:p>
+        </p:txBody>
+      </p:sp>
+      <p:sp>
+        <p:nvSpPr>
+          <p:cNvPr id="240" name="Google Shape;240;p34"/>
+          <p:cNvSpPr txBox="1"/>
+          <p:nvPr>
+            <p:ph idx="1" type="body"/>
+          </p:nvPr>
+        </p:nvSpPr>
+        <p:spPr>
+          <a:xfrm>
+            <a:off x="311700" y="1152475"/>
+            <a:ext cx="8520600" cy="3416400"/>
+          </a:xfrm>
+          <a:prstGeom prst="rect">
+            <a:avLst/>
+          </a:prstGeom>
+        </p:spPr>
+        <p:txBody>
+          <a:bodyPr anchorCtr="0" anchor="t" bIns="91425" lIns="91425" spcFirstLastPara="1" rIns="91425" wrap="square" tIns="91425">
+            <a:noAutofit/>
+          </a:bodyPr>
+          <a:lstStyle/>
+          <a:p>
+            <a:pPr indent="0" lvl="0" marL="0" rtl="0" algn="l">
+              <a:spcBef>
+                <a:spcPts val="0"/>
+              </a:spcBef>
+              <a:spcAft>
+                <a:spcPts val="0"/>
+              </a:spcAft>
+              <a:buNone/>
+            </a:pPr>
+            <a:r>
+              <a:rPr lang="en"/>
+              <a:t>A </a:t>
+            </a:r>
+            <a:r>
+              <a:rPr lang="en"/>
+              <a:t>(very simple) </a:t>
+            </a:r>
+            <a:r>
+              <a:rPr lang="en"/>
+              <a:t>transition example </a:t>
+            </a:r>
+            <a:endParaRPr/>
+          </a:p>
+          <a:p>
+            <a:pPr indent="0" lvl="0" marL="0" rtl="0" algn="l">
+              <a:spcBef>
+                <a:spcPts val="1600"/>
+              </a:spcBef>
+              <a:spcAft>
+                <a:spcPts val="0"/>
+              </a:spcAft>
+              <a:buNone/>
+            </a:pPr>
+            <a:r>
+              <a:t/>
+            </a:r>
+            <a:endParaRPr/>
+          </a:p>
+          <a:p>
+            <a:pPr indent="0" lvl="0" marL="0" rtl="0" algn="l">
+              <a:spcBef>
+                <a:spcPts val="1600"/>
+              </a:spcBef>
+              <a:spcAft>
+                <a:spcPts val="0"/>
+              </a:spcAft>
+              <a:buNone/>
+            </a:pPr>
+            <a:r>
+              <a:rPr lang="en"/>
+              <a:t>We download two different data set</a:t>
+            </a:r>
+            <a:br>
+              <a:rPr lang="en"/>
+            </a:br>
+            <a:r>
+              <a:rPr lang="en" sz="1200">
+                <a:latin typeface="Consolas"/>
+                <a:ea typeface="Consolas"/>
+                <a:cs typeface="Consolas"/>
+                <a:sym typeface="Consolas"/>
+              </a:rPr>
+              <a:t>let data = await d3.csv("https://claudiotubertini.github.io/WHOmanities/covid_italy.csv")	</a:t>
+            </a:r>
+            <a:endParaRPr sz="1200">
+              <a:latin typeface="Consolas"/>
+              <a:ea typeface="Consolas"/>
+              <a:cs typeface="Consolas"/>
+              <a:sym typeface="Consolas"/>
+            </a:endParaRPr>
+          </a:p>
+          <a:p>
+            <a:pPr indent="0" lvl="0" marL="0" rtl="0" algn="l">
+              <a:spcBef>
+                <a:spcPts val="1600"/>
+              </a:spcBef>
+              <a:spcAft>
+                <a:spcPts val="0"/>
+              </a:spcAft>
+              <a:buNone/>
+            </a:pPr>
+            <a:r>
+              <a:rPr lang="en" sz="1200">
+                <a:latin typeface="Consolas"/>
+                <a:ea typeface="Consolas"/>
+                <a:cs typeface="Consolas"/>
+                <a:sym typeface="Consolas"/>
+              </a:rPr>
+              <a:t>let data2 = await d3.csv("https://claudiotubertini.github.io/WHOmanities/covid_germany.csv")</a:t>
+            </a:r>
+            <a:endParaRPr sz="1200">
+              <a:latin typeface="Consolas"/>
+              <a:ea typeface="Consolas"/>
+              <a:cs typeface="Consolas"/>
+              <a:sym typeface="Consolas"/>
+            </a:endParaRPr>
+          </a:p>
+          <a:p>
+            <a:pPr indent="0" lvl="0" marL="0" rtl="0" algn="l">
+              <a:spcBef>
+                <a:spcPts val="1600"/>
+              </a:spcBef>
+              <a:spcAft>
+                <a:spcPts val="1600"/>
+              </a:spcAft>
+              <a:buNone/>
+            </a:pPr>
+            <a:r>
+              <a:t/>
+            </a:r>
+            <a:endParaRPr sz="1200">
+              <a:latin typeface="Consolas"/>
+              <a:ea typeface="Consolas"/>
+              <a:cs typeface="Consolas"/>
+              <a:sym typeface="Consolas"/>
+            </a:endParaRPr>
+          </a:p>
+        </p:txBody>
+      </p:sp>
+      <p:sp>
+        <p:nvSpPr>
+          <p:cNvPr id="241" name="Google Shape;241;p34"/>
+          <p:cNvSpPr txBox="1"/>
+          <p:nvPr/>
+        </p:nvSpPr>
+        <p:spPr>
+          <a:xfrm>
+            <a:off x="6575875" y="1106825"/>
+            <a:ext cx="2317800" cy="455700"/>
+          </a:xfrm>
+          <a:prstGeom prst="rect">
+            <a:avLst/>
+          </a:prstGeom>
+          <a:noFill/>
+          <a:ln cap="flat" cmpd="sng" w="19050">
+            <a:solidFill>
+              <a:srgbClr val="000000"/>
+            </a:solidFill>
+            <a:prstDash val="solid"/>
+            <a:round/>
+            <a:headEnd len="sm" w="sm" type="none"/>
+            <a:tailEnd len="sm" w="sm" type="none"/>
+          </a:ln>
+        </p:spPr>
+        <p:txBody>
+          <a:bodyPr anchorCtr="0" anchor="t" bIns="91425" lIns="91425" spcFirstLastPara="1" rIns="91425" wrap="square" tIns="91425">
+            <a:noAutofit/>
+          </a:bodyPr>
+          <a:lstStyle/>
+          <a:p>
+            <a:pPr indent="0" lvl="0" marL="0" rtl="0" algn="l">
+              <a:spcBef>
+                <a:spcPts val="0"/>
+              </a:spcBef>
+              <a:spcAft>
+                <a:spcPts val="0"/>
+              </a:spcAft>
+              <a:buNone/>
+            </a:pPr>
+            <a:r>
+              <a:rPr lang="en" sz="1800"/>
+              <a:t>Check index_3.html</a:t>
+            </a:r>
+            <a:endParaRPr sz="1800"/>
+          </a:p>
+        </p:txBody>
+      </p:sp>
+    </p:spTree>
+  </p:cSld>
+  <p:clrMapOvr>
+    <a:masterClrMapping/>
+  </p:clrMapOvr>
+</p:sld>
+</file>
+
+<file path=ppt/slides/slide23.xml><?xml version="1.0" encoding="utf-8"?>
+<p:sld xmlns:a="http://schemas.openxmlformats.org/drawingml/2006/main" xmlns:r="http://schemas.openxmlformats.org/officeDocument/2006/relationships" xmlns:mc="http://schemas.openxmlformats.org/markup-compatibility/2006" xmlns:mv="urn:schemas-microsoft-com:mac:vml" xmlns:p="http://schemas.openxmlformats.org/presentationml/2006/main" xmlns:c="http://schemas.openxmlformats.org/drawingml/2006/chart" xmlns:dgm="http://schemas.openxmlformats.org/drawingml/2006/diagram" xmlns:o="urn:schemas-microsoft-com:office:office" xmlns:v="urn:schemas-microsoft-com:vml" xmlns:pvml="urn:schemas-microsoft-com:office:powerpoint" xmlns:com="http://schemas.openxmlformats.org/drawingml/2006/compatibility" xmlns:p14="http://schemas.microsoft.com/office/powerpoint/2010/main" xmlns:p15="http://schemas.microsoft.com/office/powerpoint/2012/main">
+  <p:cSld>
+    <p:spTree>
+      <p:nvGrpSpPr>
+        <p:cNvPr id="245" name="Shape 245"/>
+        <p:cNvGrpSpPr/>
+        <p:nvPr/>
+      </p:nvGrpSpPr>
+      <p:grpSpPr>
+        <a:xfrm>
+          <a:off x="0" y="0"/>
+          <a:ext cx="0" cy="0"/>
+          <a:chOff x="0" y="0"/>
+          <a:chExt cx="0" cy="0"/>
+        </a:xfrm>
+      </p:grpSpPr>
+      <p:sp>
+        <p:nvSpPr>
+          <p:cNvPr id="246" name="Google Shape;246;p35"/>
+          <p:cNvSpPr txBox="1"/>
+          <p:nvPr>
+            <p:ph type="title"/>
+          </p:nvPr>
+        </p:nvSpPr>
+        <p:spPr>
+          <a:xfrm>
+            <a:off x="311700" y="445025"/>
+            <a:ext cx="8520600" cy="572700"/>
+          </a:xfrm>
+          <a:prstGeom prst="rect">
+            <a:avLst/>
+          </a:prstGeom>
+        </p:spPr>
+        <p:txBody>
+          <a:bodyPr anchorCtr="0" anchor="t" bIns="91425" lIns="91425" spcFirstLastPara="1" rIns="91425" wrap="square" tIns="91425">
+            <a:noAutofit/>
+          </a:bodyPr>
+          <a:lstStyle/>
+          <a:p>
+            <a:pPr indent="0" lvl="0" marL="0" rtl="0" algn="l">
+              <a:lnSpc>
+                <a:spcPct val="115000"/>
+              </a:lnSpc>
+              <a:spcBef>
+                <a:spcPts val="0"/>
+              </a:spcBef>
+              <a:spcAft>
+                <a:spcPts val="1600"/>
+              </a:spcAft>
+              <a:buClr>
+                <a:schemeClr val="dk1"/>
+              </a:buClr>
+              <a:buSzPts val="1100"/>
+              <a:buFont typeface="Arial"/>
+              <a:buNone/>
+            </a:pPr>
+            <a:r>
+              <a:rPr lang="en" sz="1800">
+                <a:solidFill>
+                  <a:schemeClr val="dk2"/>
+                </a:solidFill>
+              </a:rPr>
+              <a:t>Building step by step a bar-graph with color transition III 2</a:t>
+            </a:r>
+            <a:endParaRPr/>
+          </a:p>
+        </p:txBody>
+      </p:sp>
+      <p:sp>
+        <p:nvSpPr>
+          <p:cNvPr id="247" name="Google Shape;247;p35"/>
+          <p:cNvSpPr txBox="1"/>
+          <p:nvPr>
+            <p:ph idx="1" type="body"/>
+          </p:nvPr>
+        </p:nvSpPr>
+        <p:spPr>
+          <a:xfrm>
+            <a:off x="311700" y="1152475"/>
+            <a:ext cx="8520600" cy="3416400"/>
+          </a:xfrm>
+          <a:prstGeom prst="rect">
+            <a:avLst/>
+          </a:prstGeom>
+        </p:spPr>
+        <p:txBody>
+          <a:bodyPr anchorCtr="0" anchor="t" bIns="91425" lIns="91425" spcFirstLastPara="1" rIns="91425" wrap="square" tIns="91425">
+            <a:noAutofit/>
+          </a:bodyPr>
+          <a:lstStyle/>
+          <a:p>
+            <a:pPr indent="0" lvl="0" marL="0" rtl="0" algn="l">
+              <a:spcBef>
+                <a:spcPts val="0"/>
+              </a:spcBef>
+              <a:spcAft>
+                <a:spcPts val="0"/>
+              </a:spcAft>
+              <a:buClr>
+                <a:schemeClr val="dk1"/>
+              </a:buClr>
+              <a:buSzPts val="1100"/>
+              <a:buFont typeface="Arial"/>
+              <a:buNone/>
+            </a:pPr>
+            <a:r>
+              <a:rPr lang="en"/>
+              <a:t>We create an onclick event on the svg</a:t>
+            </a:r>
+            <a:endParaRPr sz="2400"/>
+          </a:p>
+          <a:p>
+            <a:pPr indent="0" lvl="0" marL="0" rtl="0" algn="l">
+              <a:spcBef>
+                <a:spcPts val="1600"/>
+              </a:spcBef>
+              <a:spcAft>
+                <a:spcPts val="0"/>
+              </a:spcAft>
+              <a:buClr>
+                <a:schemeClr val="dk1"/>
+              </a:buClr>
+              <a:buSzPts val="1100"/>
+              <a:buFont typeface="Arial"/>
+              <a:buNone/>
+            </a:pPr>
+            <a:r>
+              <a:rPr lang="en" sz="1200">
+                <a:latin typeface="Consolas"/>
+                <a:ea typeface="Consolas"/>
+                <a:cs typeface="Consolas"/>
+                <a:sym typeface="Consolas"/>
+              </a:rPr>
+              <a:t>svg.on( "click", function() {</a:t>
+            </a:r>
+            <a:br>
+              <a:rPr lang="en" sz="1200">
+                <a:latin typeface="Consolas"/>
+                <a:ea typeface="Consolas"/>
+                <a:cs typeface="Consolas"/>
+                <a:sym typeface="Consolas"/>
+              </a:rPr>
+            </a:br>
+            <a:r>
+              <a:rPr lang="en" sz="1200">
+                <a:latin typeface="Consolas"/>
+                <a:ea typeface="Consolas"/>
+                <a:cs typeface="Consolas"/>
+                <a:sym typeface="Consolas"/>
+              </a:rPr>
+              <a:t>	[ data, data2 ] = [ data2, data ];</a:t>
+            </a:r>
+            <a:br>
+              <a:rPr lang="en" sz="1200">
+                <a:latin typeface="Consolas"/>
+                <a:ea typeface="Consolas"/>
+                <a:cs typeface="Consolas"/>
+                <a:sym typeface="Consolas"/>
+              </a:rPr>
+            </a:br>
+            <a:r>
+              <a:rPr lang="en" sz="1200">
+                <a:latin typeface="Consolas"/>
+                <a:ea typeface="Consolas"/>
+                <a:cs typeface="Consolas"/>
+                <a:sym typeface="Consolas"/>
+              </a:rPr>
+              <a:t>	mycolor = (mycolor == "steelblue")? "lime" : "steelblue";</a:t>
+            </a:r>
+            <a:br>
+              <a:rPr lang="en" sz="1200">
+                <a:latin typeface="Consolas"/>
+                <a:ea typeface="Consolas"/>
+                <a:cs typeface="Consolas"/>
+                <a:sym typeface="Consolas"/>
+              </a:rPr>
+            </a:br>
+            <a:r>
+              <a:rPr lang="en" sz="1200">
+                <a:latin typeface="Consolas"/>
+                <a:ea typeface="Consolas"/>
+                <a:cs typeface="Consolas"/>
+                <a:sym typeface="Consolas"/>
+              </a:rPr>
+              <a:t>	svg.selectAll(".bar").data(data)</a:t>
+            </a:r>
+            <a:br>
+              <a:rPr lang="en" sz="1200">
+                <a:latin typeface="Consolas"/>
+                <a:ea typeface="Consolas"/>
+                <a:cs typeface="Consolas"/>
+                <a:sym typeface="Consolas"/>
+              </a:rPr>
+            </a:br>
+            <a:r>
+              <a:rPr lang="en" sz="1200">
+                <a:latin typeface="Consolas"/>
+                <a:ea typeface="Consolas"/>
+                <a:cs typeface="Consolas"/>
+                <a:sym typeface="Consolas"/>
+              </a:rPr>
+              <a:t>	.transition().duration( 1000 ).delay( (d,i)=&gt;100*i )</a:t>
+            </a:r>
+            <a:br>
+              <a:rPr lang="en" sz="1200">
+                <a:latin typeface="Consolas"/>
+                <a:ea typeface="Consolas"/>
+                <a:cs typeface="Consolas"/>
+                <a:sym typeface="Consolas"/>
+              </a:rPr>
+            </a:br>
+            <a:r>
+              <a:rPr lang="en" sz="1200">
+                <a:latin typeface="Consolas"/>
+                <a:ea typeface="Consolas"/>
+                <a:cs typeface="Consolas"/>
+                <a:sym typeface="Consolas"/>
+              </a:rPr>
+              <a:t>	.style("fill", mycolor)</a:t>
+            </a:r>
+            <a:br>
+              <a:rPr lang="en" sz="1200">
+                <a:latin typeface="Consolas"/>
+                <a:ea typeface="Consolas"/>
+                <a:cs typeface="Consolas"/>
+                <a:sym typeface="Consolas"/>
+              </a:rPr>
+            </a:br>
+            <a:r>
+              <a:rPr lang="en" sz="1200">
+                <a:latin typeface="Consolas"/>
+                <a:ea typeface="Consolas"/>
+                <a:cs typeface="Consolas"/>
+                <a:sym typeface="Consolas"/>
+              </a:rPr>
+              <a:t>	.attr("x", function(d) { return x(d.date); })</a:t>
+            </a:r>
+            <a:br>
+              <a:rPr lang="en" sz="1200">
+                <a:latin typeface="Consolas"/>
+                <a:ea typeface="Consolas"/>
+                <a:cs typeface="Consolas"/>
+                <a:sym typeface="Consolas"/>
+              </a:rPr>
+            </a:br>
+            <a:r>
+              <a:rPr lang="en" sz="1200">
+                <a:latin typeface="Consolas"/>
+                <a:ea typeface="Consolas"/>
+                <a:cs typeface="Consolas"/>
+                <a:sym typeface="Consolas"/>
+              </a:rPr>
+              <a:t>	.attr("width", 10)</a:t>
+            </a:r>
+            <a:br>
+              <a:rPr lang="en" sz="1200">
+                <a:latin typeface="Consolas"/>
+                <a:ea typeface="Consolas"/>
+                <a:cs typeface="Consolas"/>
+                <a:sym typeface="Consolas"/>
+              </a:rPr>
+            </a:br>
+            <a:r>
+              <a:rPr lang="en" sz="1200">
+                <a:latin typeface="Consolas"/>
+                <a:ea typeface="Consolas"/>
+                <a:cs typeface="Consolas"/>
+                <a:sym typeface="Consolas"/>
+              </a:rPr>
+              <a:t>	.attr("y", function(d) { return y(d["Cumulative Confirmed"]); })</a:t>
+            </a:r>
+            <a:br>
+              <a:rPr lang="en" sz="1200">
+                <a:latin typeface="Consolas"/>
+                <a:ea typeface="Consolas"/>
+                <a:cs typeface="Consolas"/>
+                <a:sym typeface="Consolas"/>
+              </a:rPr>
+            </a:br>
+            <a:r>
+              <a:rPr lang="en" sz="1200">
+                <a:latin typeface="Consolas"/>
+                <a:ea typeface="Consolas"/>
+                <a:cs typeface="Consolas"/>
+                <a:sym typeface="Consolas"/>
+              </a:rPr>
+              <a:t>	.attr("height", function(d) { return height - y(d["Cumulative Confirmed"]); });</a:t>
+            </a:r>
+            <a:br>
+              <a:rPr lang="en" sz="1200">
+                <a:latin typeface="Consolas"/>
+                <a:ea typeface="Consolas"/>
+                <a:cs typeface="Consolas"/>
+                <a:sym typeface="Consolas"/>
+              </a:rPr>
+            </a:br>
+            <a:r>
+              <a:rPr lang="en" sz="1200">
+                <a:latin typeface="Consolas"/>
+                <a:ea typeface="Consolas"/>
+                <a:cs typeface="Consolas"/>
+                <a:sym typeface="Consolas"/>
+              </a:rPr>
+              <a:t>	});</a:t>
+            </a:r>
+            <a:endParaRPr sz="1200">
+              <a:latin typeface="Consolas"/>
+              <a:ea typeface="Consolas"/>
+              <a:cs typeface="Consolas"/>
+              <a:sym typeface="Consolas"/>
+            </a:endParaRPr>
+          </a:p>
+          <a:p>
+            <a:pPr indent="0" lvl="0" marL="0" rtl="0" algn="l">
+              <a:spcBef>
+                <a:spcPts val="1600"/>
+              </a:spcBef>
+              <a:spcAft>
+                <a:spcPts val="0"/>
+              </a:spcAft>
+              <a:buClr>
+                <a:schemeClr val="dk1"/>
+              </a:buClr>
+              <a:buSzPts val="1100"/>
+              <a:buFont typeface="Arial"/>
+              <a:buNone/>
+            </a:pPr>
+            <a:r>
+              <a:t/>
+            </a:r>
+            <a:endParaRPr sz="1200">
+              <a:latin typeface="Consolas"/>
+              <a:ea typeface="Consolas"/>
+              <a:cs typeface="Consolas"/>
+              <a:sym typeface="Consolas"/>
+            </a:endParaRPr>
+          </a:p>
+          <a:p>
+            <a:pPr indent="0" lvl="0" marL="0" rtl="0" algn="l">
+              <a:spcBef>
+                <a:spcPts val="1600"/>
+              </a:spcBef>
+              <a:spcAft>
+                <a:spcPts val="1600"/>
+              </a:spcAft>
+              <a:buNone/>
+            </a:pPr>
+            <a:r>
+              <a:t/>
+            </a:r>
+            <a:endParaRPr/>
+          </a:p>
+        </p:txBody>
+      </p:sp>
+    </p:spTree>
+  </p:cSld>
+  <p:clrMapOvr>
+    <a:masterClrMapping/>
+  </p:clrMapOvr>
+</p:sld>
+</file>
+
+<file path=ppt/slides/slide24.xml><?xml version="1.0" encoding="utf-8"?>
+<p:sld xmlns:a="http://schemas.openxmlformats.org/drawingml/2006/main" xmlns:r="http://schemas.openxmlformats.org/officeDocument/2006/relationships" xmlns:mc="http://schemas.openxmlformats.org/markup-compatibility/2006" xmlns:mv="urn:schemas-microsoft-com:mac:vml" xmlns:p="http://schemas.openxmlformats.org/presentationml/2006/main" xmlns:c="http://schemas.openxmlformats.org/drawingml/2006/chart" xmlns:dgm="http://schemas.openxmlformats.org/drawingml/2006/diagram" xmlns:o="urn:schemas-microsoft-com:office:office" xmlns:v="urn:schemas-microsoft-com:vml" xmlns:pvml="urn:schemas-microsoft-com:office:powerpoint" xmlns:com="http://schemas.openxmlformats.org/drawingml/2006/compatibility" xmlns:p14="http://schemas.microsoft.com/office/powerpoint/2010/main" xmlns:p15="http://schemas.microsoft.com/office/powerpoint/2012/main">
+  <p:cSld>
+    <p:spTree>
+      <p:nvGrpSpPr>
+        <p:cNvPr id="251" name="Shape 251"/>
+        <p:cNvGrpSpPr/>
+        <p:nvPr/>
+      </p:nvGrpSpPr>
+      <p:grpSpPr>
+        <a:xfrm>
+          <a:off x="0" y="0"/>
+          <a:ext cx="0" cy="0"/>
+          <a:chOff x="0" y="0"/>
+          <a:chExt cx="0" cy="0"/>
+        </a:xfrm>
+      </p:grpSpPr>
+      <p:sp>
+        <p:nvSpPr>
+          <p:cNvPr id="252" name="Google Shape;252;p36"/>
+          <p:cNvSpPr txBox="1"/>
+          <p:nvPr>
+            <p:ph type="title"/>
+          </p:nvPr>
+        </p:nvSpPr>
+        <p:spPr>
+          <a:xfrm>
+            <a:off x="311700" y="445025"/>
+            <a:ext cx="8520600" cy="572700"/>
+          </a:xfrm>
+          <a:prstGeom prst="rect">
+            <a:avLst/>
+          </a:prstGeom>
+        </p:spPr>
+        <p:txBody>
+          <a:bodyPr anchorCtr="0" anchor="t" bIns="91425" lIns="91425" spcFirstLastPara="1" rIns="91425" wrap="square" tIns="91425">
+            <a:noAutofit/>
+          </a:bodyPr>
+          <a:lstStyle/>
+          <a:p>
+            <a:pPr indent="0" lvl="0" marL="0" rtl="0" algn="ctr">
+              <a:spcBef>
+                <a:spcPts val="0"/>
+              </a:spcBef>
+              <a:spcAft>
+                <a:spcPts val="0"/>
+              </a:spcAft>
+              <a:buNone/>
+            </a:pPr>
+            <a:r>
+              <a:rPr lang="en"/>
+              <a:t>Distributable scripting content </a:t>
+            </a:r>
+            <a:endParaRPr/>
+          </a:p>
+        </p:txBody>
+      </p:sp>
+      <p:sp>
+        <p:nvSpPr>
+          <p:cNvPr id="253" name="Google Shape;253;p36"/>
+          <p:cNvSpPr txBox="1"/>
+          <p:nvPr>
+            <p:ph idx="1" type="body"/>
+          </p:nvPr>
+        </p:nvSpPr>
+        <p:spPr>
+          <a:xfrm>
+            <a:off x="311700" y="1152475"/>
+            <a:ext cx="8520600" cy="3990900"/>
+          </a:xfrm>
+          <a:prstGeom prst="rect">
+            <a:avLst/>
+          </a:prstGeom>
+        </p:spPr>
+        <p:txBody>
+          <a:bodyPr anchorCtr="0" anchor="t" bIns="91425" lIns="91425" spcFirstLastPara="1" rIns="91425" wrap="square" tIns="91425">
+            <a:noAutofit/>
+          </a:bodyPr>
+          <a:lstStyle/>
+          <a:p>
+            <a:pPr indent="0" lvl="0" marL="0" rtl="0" algn="l">
+              <a:spcBef>
+                <a:spcPts val="0"/>
+              </a:spcBef>
+              <a:spcAft>
+                <a:spcPts val="0"/>
+              </a:spcAft>
+              <a:buNone/>
+            </a:pPr>
+            <a:r>
+              <a:rPr lang="en"/>
+              <a:t>Content can present both in web site and books (epub)</a:t>
+            </a:r>
+            <a:endParaRPr/>
+          </a:p>
+          <a:p>
+            <a:pPr indent="0" lvl="0" marL="0" rtl="0" algn="ctr">
+              <a:spcBef>
+                <a:spcPts val="1600"/>
+              </a:spcBef>
+              <a:spcAft>
+                <a:spcPts val="0"/>
+              </a:spcAft>
+              <a:buNone/>
+            </a:pPr>
+            <a:r>
+              <a:rPr b="1" lang="en">
+                <a:highlight>
+                  <a:srgbClr val="FFFF00"/>
+                </a:highlight>
+              </a:rPr>
+              <a:t>Books can be read offline, are shareable, and are durable</a:t>
+            </a:r>
+            <a:endParaRPr b="1">
+              <a:highlight>
+                <a:srgbClr val="FFFF00"/>
+              </a:highlight>
+            </a:endParaRPr>
+          </a:p>
+          <a:p>
+            <a:pPr indent="0" lvl="0" marL="0" rtl="0" algn="l">
+              <a:lnSpc>
+                <a:spcPct val="197727"/>
+              </a:lnSpc>
+              <a:spcBef>
+                <a:spcPts val="1600"/>
+              </a:spcBef>
+              <a:spcAft>
+                <a:spcPts val="2300"/>
+              </a:spcAft>
+              <a:buNone/>
+            </a:pPr>
+            <a:r>
+              <a:t/>
+            </a:r>
+            <a:endParaRPr/>
+          </a:p>
+        </p:txBody>
+      </p:sp>
+      <p:sp>
+        <p:nvSpPr>
+          <p:cNvPr id="254" name="Google Shape;254;p36"/>
+          <p:cNvSpPr txBox="1"/>
+          <p:nvPr/>
+        </p:nvSpPr>
+        <p:spPr>
+          <a:xfrm>
+            <a:off x="4935150" y="2750925"/>
+            <a:ext cx="3515700" cy="2122500"/>
+          </a:xfrm>
+          <a:prstGeom prst="rect">
+            <a:avLst/>
+          </a:prstGeom>
+          <a:noFill/>
+          <a:ln cap="flat" cmpd="sng" w="19050">
+            <a:solidFill>
+              <a:srgbClr val="000000"/>
+            </a:solidFill>
+            <a:prstDash val="solid"/>
+            <a:round/>
+            <a:headEnd len="sm" w="sm" type="none"/>
+            <a:tailEnd len="sm" w="sm" type="none"/>
+          </a:ln>
+        </p:spPr>
+        <p:txBody>
+          <a:bodyPr anchorCtr="0" anchor="t" bIns="91425" lIns="91425" spcFirstLastPara="1" rIns="91425" wrap="square" tIns="91425">
+            <a:noAutofit/>
+          </a:bodyPr>
+          <a:lstStyle/>
+          <a:p>
+            <a:pPr indent="0" lvl="0" marL="0" rtl="0" algn="l">
+              <a:lnSpc>
+                <a:spcPct val="115000"/>
+              </a:lnSpc>
+              <a:spcBef>
+                <a:spcPts val="0"/>
+              </a:spcBef>
+              <a:spcAft>
+                <a:spcPts val="0"/>
+              </a:spcAft>
+              <a:buClr>
+                <a:schemeClr val="dk1"/>
+              </a:buClr>
+              <a:buSzPts val="1100"/>
+              <a:buFont typeface="Arial"/>
+              <a:buNone/>
+            </a:pPr>
+            <a:r>
+              <a:rPr lang="en" sz="1800">
+                <a:solidFill>
+                  <a:schemeClr val="dk2"/>
+                </a:solidFill>
+              </a:rPr>
+              <a:t>ePub3:</a:t>
+            </a:r>
+            <a:r>
+              <a:rPr lang="en" sz="1800">
+                <a:solidFill>
+                  <a:schemeClr val="dk2"/>
+                </a:solidFill>
+              </a:rPr>
+              <a:t> insert interactive content using D3, canvas or webGL in an iframe</a:t>
+            </a:r>
+            <a:endParaRPr sz="1800">
+              <a:solidFill>
+                <a:schemeClr val="dk2"/>
+              </a:solidFill>
+            </a:endParaRPr>
+          </a:p>
+          <a:p>
+            <a:pPr indent="0" lvl="0" marL="0" rtl="0" algn="l">
+              <a:lnSpc>
+                <a:spcPct val="115000"/>
+              </a:lnSpc>
+              <a:spcBef>
+                <a:spcPts val="1600"/>
+              </a:spcBef>
+              <a:spcAft>
+                <a:spcPts val="0"/>
+              </a:spcAft>
+              <a:buClr>
+                <a:schemeClr val="dk1"/>
+              </a:buClr>
+              <a:buSzPts val="1100"/>
+              <a:buFont typeface="Arial"/>
+              <a:buNone/>
+            </a:pPr>
+            <a:r>
+              <a:rPr lang="en" sz="1500" u="sng">
+                <a:solidFill>
+                  <a:schemeClr val="accent5"/>
+                </a:solidFill>
+                <a:hlinkClick r:id="rId3"/>
+              </a:rPr>
+              <a:t>https://www.w3.org/publishing/epub32/epub-contentdocs.html#example-4</a:t>
+            </a:r>
+            <a:endParaRPr sz="2200">
+              <a:solidFill>
+                <a:schemeClr val="dk2"/>
+              </a:solidFill>
+            </a:endParaRPr>
+          </a:p>
+          <a:p>
+            <a:pPr indent="0" lvl="0" marL="0" rtl="0" algn="l">
+              <a:spcBef>
+                <a:spcPts val="1600"/>
+              </a:spcBef>
+              <a:spcAft>
+                <a:spcPts val="0"/>
+              </a:spcAft>
+              <a:buNone/>
+            </a:pPr>
+            <a:r>
+              <a:t/>
+            </a:r>
+            <a:endParaRPr/>
+          </a:p>
+        </p:txBody>
+      </p:sp>
+      <p:sp>
+        <p:nvSpPr>
+          <p:cNvPr id="255" name="Google Shape;255;p36"/>
+          <p:cNvSpPr txBox="1"/>
+          <p:nvPr/>
+        </p:nvSpPr>
+        <p:spPr>
+          <a:xfrm>
+            <a:off x="612000" y="2743675"/>
+            <a:ext cx="3112200" cy="2122500"/>
+          </a:xfrm>
+          <a:prstGeom prst="rect">
+            <a:avLst/>
+          </a:prstGeom>
+          <a:noFill/>
+          <a:ln cap="flat" cmpd="sng" w="19050">
+            <a:solidFill>
+              <a:srgbClr val="000000"/>
+            </a:solidFill>
+            <a:prstDash val="solid"/>
+            <a:round/>
+            <a:headEnd len="sm" w="sm" type="none"/>
+            <a:tailEnd len="sm" w="sm" type="none"/>
+          </a:ln>
+        </p:spPr>
+        <p:txBody>
+          <a:bodyPr anchorCtr="0" anchor="t" bIns="91425" lIns="91425" spcFirstLastPara="1" rIns="91425" wrap="square" tIns="91425">
+            <a:noAutofit/>
+          </a:bodyPr>
+          <a:lstStyle/>
+          <a:p>
+            <a:pPr indent="0" lvl="0" marL="0" rtl="0" algn="l">
+              <a:lnSpc>
+                <a:spcPct val="115000"/>
+              </a:lnSpc>
+              <a:spcBef>
+                <a:spcPts val="0"/>
+              </a:spcBef>
+              <a:spcAft>
+                <a:spcPts val="0"/>
+              </a:spcAft>
+              <a:buClr>
+                <a:schemeClr val="dk1"/>
+              </a:buClr>
+              <a:buSzPts val="1100"/>
+              <a:buFont typeface="Arial"/>
+              <a:buNone/>
+            </a:pPr>
+            <a:r>
+              <a:rPr lang="en" sz="1800">
+                <a:solidFill>
+                  <a:schemeClr val="dk2"/>
+                </a:solidFill>
+              </a:rPr>
+              <a:t>If you want to distribute your content as a multi device app try:</a:t>
+            </a:r>
+            <a:endParaRPr sz="1800">
+              <a:solidFill>
+                <a:schemeClr val="dk2"/>
+              </a:solidFill>
+            </a:endParaRPr>
+          </a:p>
+          <a:p>
+            <a:pPr indent="0" lvl="0" marL="0" rtl="0" algn="l">
+              <a:lnSpc>
+                <a:spcPct val="197727"/>
+              </a:lnSpc>
+              <a:spcBef>
+                <a:spcPts val="1600"/>
+              </a:spcBef>
+              <a:spcAft>
+                <a:spcPts val="0"/>
+              </a:spcAft>
+              <a:buClr>
+                <a:schemeClr val="dk1"/>
+              </a:buClr>
+              <a:buSzPts val="1100"/>
+              <a:buFont typeface="Arial"/>
+              <a:buNone/>
+            </a:pPr>
+            <a:r>
+              <a:rPr b="1" lang="en" sz="1800">
+                <a:solidFill>
+                  <a:srgbClr val="5B708B"/>
+                </a:solidFill>
+                <a:highlight>
+                  <a:srgbClr val="FFFFFF"/>
+                </a:highlight>
+              </a:rPr>
+              <a:t>Ionic Framework 5 (</a:t>
+            </a:r>
+            <a:r>
+              <a:rPr lang="en" sz="1500" u="sng">
+                <a:solidFill>
+                  <a:schemeClr val="accent5"/>
+                </a:solidFill>
+                <a:hlinkClick r:id="rId4"/>
+              </a:rPr>
+              <a:t>https://ionicframework.com/</a:t>
+            </a:r>
+            <a:r>
+              <a:rPr lang="en" sz="1800">
+                <a:solidFill>
+                  <a:schemeClr val="dk2"/>
+                </a:solidFill>
+              </a:rPr>
+              <a:t>)</a:t>
+            </a:r>
+            <a:endParaRPr sz="1800">
+              <a:solidFill>
+                <a:schemeClr val="dk2"/>
+              </a:solidFill>
+            </a:endParaRPr>
+          </a:p>
+          <a:p>
+            <a:pPr indent="0" lvl="0" marL="0" rtl="0" algn="l">
+              <a:spcBef>
+                <a:spcPts val="2300"/>
+              </a:spcBef>
+              <a:spcAft>
+                <a:spcPts val="0"/>
+              </a:spcAft>
+              <a:buNone/>
+            </a:pPr>
+            <a:r>
+              <a:t/>
+            </a:r>
+            <a:endParaRPr/>
+          </a:p>
+        </p:txBody>
+      </p:sp>
+      <p:cxnSp>
+        <p:nvCxnSpPr>
+          <p:cNvPr id="256" name="Google Shape;256;p36"/>
+          <p:cNvCxnSpPr>
+            <a:endCxn id="255" idx="0"/>
+          </p:cNvCxnSpPr>
+          <p:nvPr/>
+        </p:nvCxnSpPr>
+        <p:spPr>
+          <a:xfrm flipH="1">
+            <a:off x="2168100" y="2148475"/>
+            <a:ext cx="2050800" cy="595200"/>
+          </a:xfrm>
+          <a:prstGeom prst="straightConnector1">
+            <a:avLst/>
+          </a:prstGeom>
+          <a:noFill/>
+          <a:ln cap="flat" cmpd="sng" w="9525">
+            <a:solidFill>
+              <a:schemeClr val="dk2"/>
+            </a:solidFill>
+            <a:prstDash val="solid"/>
+            <a:round/>
+            <a:headEnd len="med" w="med" type="none"/>
+            <a:tailEnd len="med" w="med" type="triangle"/>
+          </a:ln>
+        </p:spPr>
+      </p:cxnSp>
+      <p:cxnSp>
+        <p:nvCxnSpPr>
+          <p:cNvPr id="257" name="Google Shape;257;p36"/>
+          <p:cNvCxnSpPr>
+            <a:endCxn id="254" idx="0"/>
+          </p:cNvCxnSpPr>
+          <p:nvPr/>
+        </p:nvCxnSpPr>
+        <p:spPr>
+          <a:xfrm>
+            <a:off x="4349100" y="2135625"/>
+            <a:ext cx="2343900" cy="615300"/>
+          </a:xfrm>
+          <a:prstGeom prst="straightConnector1">
+            <a:avLst/>
+          </a:prstGeom>
+          <a:noFill/>
+          <a:ln cap="flat" cmpd="sng" w="9525">
+            <a:solidFill>
+              <a:schemeClr val="dk2"/>
+            </a:solidFill>
+            <a:prstDash val="solid"/>
+            <a:round/>
+            <a:headEnd len="med" w="med" type="none"/>
+            <a:tailEnd len="med" w="med" type="triangle"/>
+          </a:ln>
+        </p:spPr>
+      </p:cxnSp>
+      <p:sp>
+        <p:nvSpPr>
+          <p:cNvPr id="258" name="Google Shape;258;p36"/>
+          <p:cNvSpPr txBox="1"/>
+          <p:nvPr/>
+        </p:nvSpPr>
+        <p:spPr>
+          <a:xfrm>
+            <a:off x="7825925" y="764900"/>
+            <a:ext cx="1171800" cy="833400"/>
+          </a:xfrm>
+          <a:prstGeom prst="rect">
+            <a:avLst/>
+          </a:prstGeom>
+          <a:noFill/>
+          <a:ln cap="flat" cmpd="sng" w="19050">
+            <a:solidFill>
+              <a:srgbClr val="000000"/>
+            </a:solidFill>
+            <a:prstDash val="solid"/>
+            <a:round/>
+            <a:headEnd len="sm" w="sm" type="none"/>
+            <a:tailEnd len="sm" w="sm" type="none"/>
+          </a:ln>
+        </p:spPr>
+        <p:txBody>
+          <a:bodyPr anchorCtr="0" anchor="t" bIns="91425" lIns="91425" spcFirstLastPara="1" rIns="91425" wrap="square" tIns="91425">
+            <a:noAutofit/>
+          </a:bodyPr>
+          <a:lstStyle/>
+          <a:p>
+            <a:pPr indent="0" lvl="0" marL="0" rtl="0" algn="l">
+              <a:spcBef>
+                <a:spcPts val="0"/>
+              </a:spcBef>
+              <a:spcAft>
+                <a:spcPts val="0"/>
+              </a:spcAft>
+              <a:buNone/>
+            </a:pPr>
+            <a:r>
+              <a:rPr lang="en"/>
+              <a:t>Online? May be on paper</a:t>
+            </a:r>
+            <a:endParaRPr/>
+          </a:p>
+        </p:txBody>
+      </p:sp>
+      <p:cxnSp>
+        <p:nvCxnSpPr>
+          <p:cNvPr id="259" name="Google Shape;259;p36"/>
+          <p:cNvCxnSpPr>
+            <a:stCxn id="258" idx="1"/>
+          </p:cNvCxnSpPr>
+          <p:nvPr/>
+        </p:nvCxnSpPr>
+        <p:spPr>
+          <a:xfrm flipH="1">
+            <a:off x="7409225" y="1181600"/>
+            <a:ext cx="416700" cy="524100"/>
+          </a:xfrm>
+          <a:prstGeom prst="curvedConnector2">
+            <a:avLst/>
+          </a:prstGeom>
+          <a:noFill/>
+          <a:ln cap="flat" cmpd="sng" w="19050">
+            <a:solidFill>
+              <a:schemeClr val="dk2"/>
+            </a:solidFill>
+            <a:prstDash val="solid"/>
+            <a:round/>
+            <a:headEnd len="med" w="med" type="none"/>
+            <a:tailEnd len="med" w="med" type="none"/>
+          </a:ln>
+        </p:spPr>
+      </p:cxnSp>
+    </p:spTree>
+  </p:cSld>
+  <p:clrMapOvr>
+    <a:masterClrMapping/>
+  </p:clrMapOvr>
+</p:sld>
+</file>
+
+<file path=ppt/slides/slide25.xml><?xml version="1.0" encoding="utf-8"?>
+<p:sld xmlns:a="http://schemas.openxmlformats.org/drawingml/2006/main" xmlns:r="http://schemas.openxmlformats.org/officeDocument/2006/relationships" xmlns:mc="http://schemas.openxmlformats.org/markup-compatibility/2006" xmlns:mv="urn:schemas-microsoft-com:mac:vml" xmlns:p="http://schemas.openxmlformats.org/presentationml/2006/main" xmlns:c="http://schemas.openxmlformats.org/drawingml/2006/chart" xmlns:dgm="http://schemas.openxmlformats.org/drawingml/2006/diagram" xmlns:o="urn:schemas-microsoft-com:office:office" xmlns:v="urn:schemas-microsoft-com:vml" xmlns:pvml="urn:schemas-microsoft-com:office:powerpoint" xmlns:com="http://schemas.openxmlformats.org/drawingml/2006/compatibility" xmlns:p14="http://schemas.microsoft.com/office/powerpoint/2010/main" xmlns:p15="http://schemas.microsoft.com/office/powerpoint/2012/main">
+  <p:cSld>
+    <p:spTree>
+      <p:nvGrpSpPr>
+        <p:cNvPr id="263" name="Shape 263"/>
+        <p:cNvGrpSpPr/>
+        <p:nvPr/>
+      </p:nvGrpSpPr>
+      <p:grpSpPr>
+        <a:xfrm>
+          <a:off x="0" y="0"/>
+          <a:ext cx="0" cy="0"/>
+          <a:chOff x="0" y="0"/>
+          <a:chExt cx="0" cy="0"/>
+        </a:xfrm>
+      </p:grpSpPr>
+      <p:sp>
+        <p:nvSpPr>
+          <p:cNvPr id="264" name="Google Shape;264;p37"/>
+          <p:cNvSpPr txBox="1"/>
+          <p:nvPr>
+            <p:ph type="title"/>
+          </p:nvPr>
+        </p:nvSpPr>
+        <p:spPr>
+          <a:xfrm>
+            <a:off x="311700" y="445025"/>
+            <a:ext cx="8520600" cy="572700"/>
+          </a:xfrm>
+          <a:prstGeom prst="rect">
+            <a:avLst/>
+          </a:prstGeom>
+        </p:spPr>
+        <p:txBody>
+          <a:bodyPr anchorCtr="0" anchor="t" bIns="91425" lIns="91425" spcFirstLastPara="1" rIns="91425" wrap="square" tIns="91425">
+            <a:noAutofit/>
+          </a:bodyPr>
+          <a:lstStyle/>
+          <a:p>
+            <a:pPr indent="0" lvl="0" marL="0" rtl="0" algn="l">
+              <a:spcBef>
+                <a:spcPts val="0"/>
+              </a:spcBef>
+              <a:spcAft>
+                <a:spcPts val="0"/>
+              </a:spcAft>
+              <a:buNone/>
+            </a:pPr>
+            <a:r>
+              <a:rPr lang="en"/>
+              <a:t>D3 Bibliography</a:t>
+            </a:r>
+            <a:endParaRPr/>
+          </a:p>
+        </p:txBody>
+      </p:sp>
+      <p:sp>
+        <p:nvSpPr>
+          <p:cNvPr id="265" name="Google Shape;265;p37"/>
           <p:cNvSpPr txBox="1"/>
           <p:nvPr>
             <p:ph idx="1" type="body"/>
@@ -21345,6 +22718,285 @@
 </file>
 
 <file path=ppt/theme/theme1.xml><?xml version="1.0" encoding="utf-8"?>
+<a:theme xmlns:a="http://schemas.openxmlformats.org/drawingml/2006/main" xmlns:r="http://schemas.openxmlformats.org/officeDocument/2006/relationships" name="Simple Light">
+  <a:themeElements>
+    <a:clrScheme name="Simple Light">
+      <a:dk1>
+        <a:srgbClr val="000000"/>
+      </a:dk1>
+      <a:lt1>
+        <a:srgbClr val="FFFFFF"/>
+      </a:lt1>
+      <a:dk2>
+        <a:srgbClr val="595959"/>
+      </a:dk2>
+      <a:lt2>
+        <a:srgbClr val="EEEEEE"/>
+      </a:lt2>
+      <a:accent1>
+        <a:srgbClr val="FFAB40"/>
+      </a:accent1>
+      <a:accent2>
+        <a:srgbClr val="212121"/>
+      </a:accent2>
+      <a:accent3>
+        <a:srgbClr val="78909C"/>
+      </a:accent3>
+      <a:accent4>
+        <a:srgbClr val="FFAB40"/>
+      </a:accent4>
+      <a:accent5>
+        <a:srgbClr val="0097A7"/>
+      </a:accent5>
+      <a:accent6>
+        <a:srgbClr val="EEFF41"/>
+      </a:accent6>
+      <a:hlink>
+        <a:srgbClr val="0097A7"/>
+      </a:hlink>
+      <a:folHlink>
+        <a:srgbClr val="0097A7"/>
+      </a:folHlink>
+    </a:clrScheme>
+    <a:fontScheme name="Office">
+      <a:majorFont>
+        <a:latin typeface="Arial"/>
+        <a:ea typeface=""/>
+        <a:cs typeface=""/>
+        <a:font script="Jpan" typeface="ＭＳ Ｐゴシック"/>
+        <a:font script="Hang" typeface="맑은 고딕"/>
+        <a:font script="Hans" typeface="宋体"/>
+        <a:font script="Hant" typeface="新細明體"/>
+        <a:font script="Arab" typeface="Times New Roman"/>
+        <a:font script="Hebr" typeface="Times New Roman"/>
+        <a:font script="Thai" typeface="Angsana New"/>
+        <a:font script="Ethi" typeface="Nyala"/>
+        <a:font script="Beng" typeface="Vrinda"/>
+        <a:font script="Gujr" typeface="Shruti"/>
+        <a:font script="Khmr" typeface="MoolBoran"/>
+        <a:font script="Knda" typeface="Tunga"/>
+        <a:font script="Guru" typeface="Raavi"/>
+        <a:font script="Cans" typeface="Euphemia"/>
+        <a:font script="Cher" typeface="Plantagenet Cherokee"/>
+        <a:font script="Yiii" typeface="Microsoft Yi Baiti"/>
+        <a:font script="Tibt" typeface="Microsoft Himalaya"/>
+        <a:font script="Thaa" typeface="MV Boli"/>
+        <a:font script="Deva" typeface="Mangal"/>
+        <a:font script="Telu" typeface="Gautami"/>
+        <a:font script="Taml" typeface="Latha"/>
+        <a:font script="Syrc" typeface="Estrangelo Edessa"/>
+        <a:font script="Orya" typeface="Kalinga"/>
+        <a:font script="Mlym" typeface="Kartika"/>
+        <a:font script="Laoo" typeface="DokChampa"/>
+        <a:font script="Sinh" typeface="Iskoola Pota"/>
+        <a:font script="Mong" typeface="Mongolian Baiti"/>
+        <a:font script="Viet" typeface="Times New Roman"/>
+        <a:font script="Uigh" typeface="Microsoft Uighur"/>
+        <a:font script="Geor" typeface="Sylfaen"/>
+      </a:majorFont>
+      <a:minorFont>
+        <a:latin typeface="Arial"/>
+        <a:ea typeface=""/>
+        <a:cs typeface=""/>
+        <a:font script="Jpan" typeface="ＭＳ Ｐゴシック"/>
+        <a:font script="Hang" typeface="맑은 고딕"/>
+        <a:font script="Hans" typeface="宋体"/>
+        <a:font script="Hant" typeface="新細明體"/>
+        <a:font script="Arab" typeface="Arial"/>
+        <a:font script="Hebr" typeface="Arial"/>
+        <a:font script="Thai" typeface="Cordia New"/>
+        <a:font script="Ethi" typeface="Nyala"/>
+        <a:font script="Beng" typeface="Vrinda"/>
+        <a:font script="Gujr" typeface="Shruti"/>
+        <a:font script="Khmr" typeface="DaunPenh"/>
+        <a:font script="Knda" typeface="Tunga"/>
+        <a:font script="Guru" typeface="Raavi"/>
+        <a:font script="Cans" typeface="Euphemia"/>
+        <a:font script="Cher" typeface="Plantagenet Cherokee"/>
+        <a:font script="Yiii" typeface="Microsoft Yi Baiti"/>
+        <a:font script="Tibt" typeface="Microsoft Himalaya"/>
+        <a:font script="Thaa" typeface="MV Boli"/>
+        <a:font script="Deva" typeface="Mangal"/>
+        <a:font script="Telu" typeface="Gautami"/>
+        <a:font script="Taml" typeface="Latha"/>
+        <a:font script="Syrc" typeface="Estrangelo Edessa"/>
+        <a:font script="Orya" typeface="Kalinga"/>
+        <a:font script="Mlym" typeface="Kartika"/>
+        <a:font script="Laoo" typeface="DokChampa"/>
+        <a:font script="Sinh" typeface="Iskoola Pota"/>
+        <a:font script="Mong" typeface="Mongolian Baiti"/>
+        <a:font script="Viet" typeface="Arial"/>
+        <a:font script="Uigh" typeface="Microsoft Uighur"/>
+        <a:font script="Geor" typeface="Sylfaen"/>
+      </a:minorFont>
+    </a:fontScheme>
+    <a:fmtScheme name="Office">
+      <a:fillStyleLst>
+        <a:solidFill>
+          <a:schemeClr val="phClr"/>
+        </a:solidFill>
+        <a:gradFill rotWithShape="1">
+          <a:gsLst>
+            <a:gs pos="0">
+              <a:schemeClr val="phClr">
+                <a:tint val="50000"/>
+                <a:satMod val="300000"/>
+              </a:schemeClr>
+            </a:gs>
+            <a:gs pos="35000">
+              <a:schemeClr val="phClr">
+                <a:tint val="37000"/>
+                <a:satMod val="300000"/>
+              </a:schemeClr>
+            </a:gs>
+            <a:gs pos="100000">
+              <a:schemeClr val="phClr">
+                <a:tint val="15000"/>
+                <a:satMod val="350000"/>
+              </a:schemeClr>
+            </a:gs>
+          </a:gsLst>
+          <a:lin ang="16200000" scaled="1"/>
+        </a:gradFill>
+        <a:gradFill rotWithShape="1">
+          <a:gsLst>
+            <a:gs pos="0">
+              <a:schemeClr val="phClr">
+                <a:tint val="100000"/>
+                <a:shade val="100000"/>
+                <a:satMod val="130000"/>
+              </a:schemeClr>
+            </a:gs>
+            <a:gs pos="100000">
+              <a:schemeClr val="phClr">
+                <a:tint val="50000"/>
+                <a:shade val="100000"/>
+                <a:satMod val="350000"/>
+              </a:schemeClr>
+            </a:gs>
+          </a:gsLst>
+          <a:lin ang="16200000" scaled="0"/>
+        </a:gradFill>
+      </a:fillStyleLst>
+      <a:lnStyleLst>
+        <a:ln w="9525" cap="flat" cmpd="sng" algn="ctr">
+          <a:solidFill>
+            <a:schemeClr val="phClr">
+              <a:shade val="95000"/>
+              <a:satMod val="105000"/>
+            </a:schemeClr>
+          </a:solidFill>
+          <a:prstDash val="solid"/>
+        </a:ln>
+        <a:ln w="25400" cap="flat" cmpd="sng" algn="ctr">
+          <a:solidFill>
+            <a:schemeClr val="phClr"/>
+          </a:solidFill>
+          <a:prstDash val="solid"/>
+        </a:ln>
+        <a:ln w="38100" cap="flat" cmpd="sng" algn="ctr">
+          <a:solidFill>
+            <a:schemeClr val="phClr"/>
+          </a:solidFill>
+          <a:prstDash val="solid"/>
+        </a:ln>
+      </a:lnStyleLst>
+      <a:effectStyleLst>
+        <a:effectStyle>
+          <a:effectLst>
+            <a:outerShdw blurRad="40000" dist="20000" dir="5400000" rotWithShape="0">
+              <a:srgbClr val="000000">
+                <a:alpha val="38000"/>
+              </a:srgbClr>
+            </a:outerShdw>
+          </a:effectLst>
+        </a:effectStyle>
+        <a:effectStyle>
+          <a:effectLst>
+            <a:outerShdw blurRad="40000" dist="23000" dir="5400000" rotWithShape="0">
+              <a:srgbClr val="000000">
+                <a:alpha val="35000"/>
+              </a:srgbClr>
+            </a:outerShdw>
+          </a:effectLst>
+        </a:effectStyle>
+        <a:effectStyle>
+          <a:effectLst>
+            <a:outerShdw blurRad="40000" dist="23000" dir="5400000" rotWithShape="0">
+              <a:srgbClr val="000000">
+                <a:alpha val="35000"/>
+              </a:srgbClr>
+            </a:outerShdw>
+          </a:effectLst>
+          <a:scene3d>
+            <a:camera prst="orthographicFront">
+              <a:rot lat="0" lon="0" rev="0"/>
+            </a:camera>
+            <a:lightRig rig="threePt" dir="t">
+              <a:rot lat="0" lon="0" rev="1200000"/>
+            </a:lightRig>
+          </a:scene3d>
+          <a:sp3d>
+            <a:bevelT w="63500" h="25400"/>
+          </a:sp3d>
+        </a:effectStyle>
+      </a:effectStyleLst>
+      <a:bgFillStyleLst>
+        <a:solidFill>
+          <a:schemeClr val="phClr"/>
+        </a:solidFill>
+        <a:gradFill rotWithShape="1">
+          <a:gsLst>
+            <a:gs pos="0">
+              <a:schemeClr val="phClr">
+                <a:tint val="40000"/>
+                <a:satMod val="350000"/>
+              </a:schemeClr>
+            </a:gs>
+            <a:gs pos="40000">
+              <a:schemeClr val="phClr">
+                <a:tint val="45000"/>
+                <a:shade val="99000"/>
+                <a:satMod val="350000"/>
+              </a:schemeClr>
+            </a:gs>
+            <a:gs pos="100000">
+              <a:schemeClr val="phClr">
+                <a:shade val="20000"/>
+                <a:satMod val="255000"/>
+              </a:schemeClr>
+            </a:gs>
+          </a:gsLst>
+          <a:path path="circle">
+            <a:fillToRect l="50000" t="-80000" r="50000" b="180000"/>
+          </a:path>
+        </a:gradFill>
+        <a:gradFill rotWithShape="1">
+          <a:gsLst>
+            <a:gs pos="0">
+              <a:schemeClr val="phClr">
+                <a:tint val="80000"/>
+                <a:satMod val="300000"/>
+              </a:schemeClr>
+            </a:gs>
+            <a:gs pos="100000">
+              <a:schemeClr val="phClr">
+                <a:shade val="30000"/>
+                <a:satMod val="200000"/>
+              </a:schemeClr>
+            </a:gs>
+          </a:gsLst>
+          <a:path path="circle">
+            <a:fillToRect l="50000" t="50000" r="50000" b="50000"/>
+          </a:path>
+        </a:gradFill>
+      </a:bgFillStyleLst>
+    </a:fmtScheme>
+  </a:themeElements>
+</a:theme>
+</file>
+
+<file path=ppt/theme/theme2.xml><?xml version="1.0" encoding="utf-8"?>
 <a:theme xmlns:a="http://schemas.openxmlformats.org/drawingml/2006/main" xmlns:r="http://schemas.openxmlformats.org/officeDocument/2006/relationships">
   <a:themeElements>
     <a:clrScheme name="Default">
@@ -21621,283 +23273,4 @@
     </a:fmtScheme>
   </a:themeElements>
 </a:theme>
-</file>
-
-<file path=ppt/theme/theme2.xml><?xml version="1.0" encoding="utf-8"?>
-<a:theme xmlns:a="http://schemas.openxmlformats.org/drawingml/2006/main" xmlns:r="http://schemas.openxmlformats.org/officeDocument/2006/relationships" name="Simple Light">
-  <a:themeElements>
-    <a:clrScheme name="Simple Light">
-      <a:dk1>
-        <a:srgbClr val="000000"/>
-      </a:dk1>
-      <a:lt1>
-        <a:srgbClr val="FFFFFF"/>
-      </a:lt1>
-      <a:dk2>
-        <a:srgbClr val="595959"/>
-      </a:dk2>
-      <a:lt2>
-        <a:srgbClr val="EEEEEE"/>
-      </a:lt2>
-      <a:accent1>
-        <a:srgbClr val="FFAB40"/>
-      </a:accent1>
-      <a:accent2>
-        <a:srgbClr val="212121"/>
-      </a:accent2>
-      <a:accent3>
-        <a:srgbClr val="78909C"/>
-      </a:accent3>
-      <a:accent4>
-        <a:srgbClr val="FFAB40"/>
-      </a:accent4>
-      <a:accent5>
-        <a:srgbClr val="0097A7"/>
-      </a:accent5>
-      <a:accent6>
-        <a:srgbClr val="EEFF41"/>
-      </a:accent6>
-      <a:hlink>
-        <a:srgbClr val="0097A7"/>
-      </a:hlink>
-      <a:folHlink>
-        <a:srgbClr val="0097A7"/>
-      </a:folHlink>
-    </a:clrScheme>
-    <a:fontScheme name="Office">
-      <a:majorFont>
-        <a:latin typeface="Arial"/>
-        <a:ea typeface=""/>
-        <a:cs typeface=""/>
-        <a:font script="Jpan" typeface="ＭＳ Ｐゴシック"/>
-        <a:font script="Hang" typeface="맑은 고딕"/>
-        <a:font script="Hans" typeface="宋体"/>
-        <a:font script="Hant" typeface="新細明體"/>
-        <a:font script="Arab" typeface="Times New Roman"/>
-        <a:font script="Hebr" typeface="Times New Roman"/>
-        <a:font script="Thai" typeface="Angsana New"/>
-        <a:font script="Ethi" typeface="Nyala"/>
-        <a:font script="Beng" typeface="Vrinda"/>
-        <a:font script="Gujr" typeface="Shruti"/>
-        <a:font script="Khmr" typeface="MoolBoran"/>
-        <a:font script="Knda" typeface="Tunga"/>
-        <a:font script="Guru" typeface="Raavi"/>
-        <a:font script="Cans" typeface="Euphemia"/>
-        <a:font script="Cher" typeface="Plantagenet Cherokee"/>
-        <a:font script="Yiii" typeface="Microsoft Yi Baiti"/>
-        <a:font script="Tibt" typeface="Microsoft Himalaya"/>
-        <a:font script="Thaa" typeface="MV Boli"/>
-        <a:font script="Deva" typeface="Mangal"/>
-        <a:font script="Telu" typeface="Gautami"/>
-        <a:font script="Taml" typeface="Latha"/>
-        <a:font script="Syrc" typeface="Estrangelo Edessa"/>
-        <a:font script="Orya" typeface="Kalinga"/>
-        <a:font script="Mlym" typeface="Kartika"/>
-        <a:font script="Laoo" typeface="DokChampa"/>
-        <a:font script="Sinh" typeface="Iskoola Pota"/>
-        <a:font script="Mong" typeface="Mongolian Baiti"/>
-        <a:font script="Viet" typeface="Times New Roman"/>
-        <a:font script="Uigh" typeface="Microsoft Uighur"/>
-        <a:font script="Geor" typeface="Sylfaen"/>
-      </a:majorFont>
-      <a:minorFont>
-        <a:latin typeface="Arial"/>
-        <a:ea typeface=""/>
-        <a:cs typeface=""/>
-        <a:font script="Jpan" typeface="ＭＳ Ｐゴシック"/>
-        <a:font script="Hang" typeface="맑은 고딕"/>
-        <a:font script="Hans" typeface="宋体"/>
-        <a:font script="Hant" typeface="新細明體"/>
-        <a:font script="Arab" typeface="Arial"/>
-        <a:font script="Hebr" typeface="Arial"/>
-        <a:font script="Thai" typeface="Cordia New"/>
-        <a:font script="Ethi" typeface="Nyala"/>
-        <a:font script="Beng" typeface="Vrinda"/>
-        <a:font script="Gujr" typeface="Shruti"/>
-        <a:font script="Khmr" typeface="DaunPenh"/>
-        <a:font script="Knda" typeface="Tunga"/>
-        <a:font script="Guru" typeface="Raavi"/>
-        <a:font script="Cans" typeface="Euphemia"/>
-        <a:font script="Cher" typeface="Plantagenet Cherokee"/>
-        <a:font script="Yiii" typeface="Microsoft Yi Baiti"/>
-        <a:font script="Tibt" typeface="Microsoft Himalaya"/>
-        <a:font script="Thaa" typeface="MV Boli"/>
-        <a:font script="Deva" typeface="Mangal"/>
-        <a:font script="Telu" typeface="Gautami"/>
-        <a:font script="Taml" typeface="Latha"/>
-        <a:font script="Syrc" typeface="Estrangelo Edessa"/>
-        <a:font script="Orya" typeface="Kalinga"/>
-        <a:font script="Mlym" typeface="Kartika"/>
-        <a:font script="Laoo" typeface="DokChampa"/>
-        <a:font script="Sinh" typeface="Iskoola Pota"/>
-        <a:font script="Mong" typeface="Mongolian Baiti"/>
-        <a:font script="Viet" typeface="Arial"/>
-        <a:font script="Uigh" typeface="Microsoft Uighur"/>
-        <a:font script="Geor" typeface="Sylfaen"/>
-      </a:minorFont>
-    </a:fontScheme>
-    <a:fmtScheme name="Office">
-      <a:fillStyleLst>
-        <a:solidFill>
-          <a:schemeClr val="phClr"/>
-        </a:solidFill>
-        <a:gradFill rotWithShape="1">
-          <a:gsLst>
-            <a:gs pos="0">
-              <a:schemeClr val="phClr">
-                <a:tint val="50000"/>
-                <a:satMod val="300000"/>
-              </a:schemeClr>
-            </a:gs>
-            <a:gs pos="35000">
-              <a:schemeClr val="phClr">
-                <a:tint val="37000"/>
-                <a:satMod val="300000"/>
-              </a:schemeClr>
-            </a:gs>
-            <a:gs pos="100000">
-              <a:schemeClr val="phClr">
-                <a:tint val="15000"/>
-                <a:satMod val="350000"/>
-              </a:schemeClr>
-            </a:gs>
-          </a:gsLst>
-          <a:lin ang="16200000" scaled="1"/>
-        </a:gradFill>
-        <a:gradFill rotWithShape="1">
-          <a:gsLst>
-            <a:gs pos="0">
-              <a:schemeClr val="phClr">
-                <a:tint val="100000"/>
-                <a:shade val="100000"/>
-                <a:satMod val="130000"/>
-              </a:schemeClr>
-            </a:gs>
-            <a:gs pos="100000">
-              <a:schemeClr val="phClr">
-                <a:tint val="50000"/>
-                <a:shade val="100000"/>
-                <a:satMod val="350000"/>
-              </a:schemeClr>
-            </a:gs>
-          </a:gsLst>
-          <a:lin ang="16200000" scaled="0"/>
-        </a:gradFill>
-      </a:fillStyleLst>
-      <a:lnStyleLst>
-        <a:ln w="9525" cap="flat" cmpd="sng" algn="ctr">
-          <a:solidFill>
-            <a:schemeClr val="phClr">
-              <a:shade val="95000"/>
-              <a:satMod val="105000"/>
-            </a:schemeClr>
-          </a:solidFill>
-          <a:prstDash val="solid"/>
-        </a:ln>
-        <a:ln w="25400" cap="flat" cmpd="sng" algn="ctr">
-          <a:solidFill>
-            <a:schemeClr val="phClr"/>
-          </a:solidFill>
-          <a:prstDash val="solid"/>
-        </a:ln>
-        <a:ln w="38100" cap="flat" cmpd="sng" algn="ctr">
-          <a:solidFill>
-            <a:schemeClr val="phClr"/>
-          </a:solidFill>
-          <a:prstDash val="solid"/>
-        </a:ln>
-      </a:lnStyleLst>
-      <a:effectStyleLst>
-        <a:effectStyle>
-          <a:effectLst>
-            <a:outerShdw blurRad="40000" dist="20000" dir="5400000" rotWithShape="0">
-              <a:srgbClr val="000000">
-                <a:alpha val="38000"/>
-              </a:srgbClr>
-            </a:outerShdw>
-          </a:effectLst>
-        </a:effectStyle>
-        <a:effectStyle>
-          <a:effectLst>
-            <a:outerShdw blurRad="40000" dist="23000" dir="5400000" rotWithShape="0">
-              <a:srgbClr val="000000">
-                <a:alpha val="35000"/>
-              </a:srgbClr>
-            </a:outerShdw>
-          </a:effectLst>
-        </a:effectStyle>
-        <a:effectStyle>
-          <a:effectLst>
-            <a:outerShdw blurRad="40000" dist="23000" dir="5400000" rotWithShape="0">
-              <a:srgbClr val="000000">
-                <a:alpha val="35000"/>
-              </a:srgbClr>
-            </a:outerShdw>
-          </a:effectLst>
-          <a:scene3d>
-            <a:camera prst="orthographicFront">
-              <a:rot lat="0" lon="0" rev="0"/>
-            </a:camera>
-            <a:lightRig rig="threePt" dir="t">
-              <a:rot lat="0" lon="0" rev="1200000"/>
-            </a:lightRig>
-          </a:scene3d>
-          <a:sp3d>
-            <a:bevelT w="63500" h="25400"/>
-          </a:sp3d>
-        </a:effectStyle>
-      </a:effectStyleLst>
-      <a:bgFillStyleLst>
-        <a:solidFill>
-          <a:schemeClr val="phClr"/>
-        </a:solidFill>
-        <a:gradFill rotWithShape="1">
-          <a:gsLst>
-            <a:gs pos="0">
-              <a:schemeClr val="phClr">
-                <a:tint val="40000"/>
-                <a:satMod val="350000"/>
-              </a:schemeClr>
-            </a:gs>
-            <a:gs pos="40000">
-              <a:schemeClr val="phClr">
-                <a:tint val="45000"/>
-                <a:shade val="99000"/>
-                <a:satMod val="350000"/>
-              </a:schemeClr>
-            </a:gs>
-            <a:gs pos="100000">
-              <a:schemeClr val="phClr">
-                <a:shade val="20000"/>
-                <a:satMod val="255000"/>
-              </a:schemeClr>
-            </a:gs>
-          </a:gsLst>
-          <a:path path="circle">
-            <a:fillToRect l="50000" t="-80000" r="50000" b="180000"/>
-          </a:path>
-        </a:gradFill>
-        <a:gradFill rotWithShape="1">
-          <a:gsLst>
-            <a:gs pos="0">
-              <a:schemeClr val="phClr">
-                <a:tint val="80000"/>
-                <a:satMod val="300000"/>
-              </a:schemeClr>
-            </a:gs>
-            <a:gs pos="100000">
-              <a:schemeClr val="phClr">
-                <a:shade val="30000"/>
-                <a:satMod val="200000"/>
-              </a:schemeClr>
-            </a:gs>
-          </a:gsLst>
-          <a:path path="circle">
-            <a:fillToRect l="50000" t="50000" r="50000" b="50000"/>
-          </a:path>
-        </a:gradFill>
-      </a:bgFillStyleLst>
-    </a:fmtScheme>
-  </a:themeElements>
-</a:theme>
 </file>